--- a/materials/slides/ch01.pptx
+++ b/materials/slides/ch01.pptx
@@ -25,7 +25,7 @@
     <p:sldId id="1015" r:id="rId18"/>
     <p:sldId id="1017" r:id="rId19"/>
     <p:sldId id="1018" r:id="rId20"/>
-    <p:sldId id="1019" r:id="rId21"/>
+    <p:sldId id="1039" r:id="rId21"/>
     <p:sldId id="1036" r:id="rId22"/>
     <p:sldId id="1020" r:id="rId23"/>
     <p:sldId id="1009" r:id="rId24"/>
@@ -6238,6 +6238,48 @@
           </a:p>
         </p:txBody>
       </p:sp>
+      <p:sp>
+        <p:nvSpPr>
+          <p:cNvPr id="5" name="文本框 4"/>
+          <p:cNvSpPr txBox="1"/>
+          <p:nvPr/>
+        </p:nvSpPr>
+        <p:spPr>
+          <a:xfrm>
+            <a:off x="5180965" y="6080760"/>
+            <a:ext cx="5106035" cy="429895"/>
+          </a:xfrm>
+          <a:prstGeom prst="rect">
+            <a:avLst/>
+          </a:prstGeom>
+          <a:noFill/>
+        </p:spPr>
+        <p:txBody>
+          <a:bodyPr wrap="square" rtlCol="0">
+            <a:spAutoFit/>
+          </a:bodyPr>
+          <a:p>
+            <a:pPr algn="l"/>
+            <a:r>
+              <a:rPr sz="2200">
+                <a:solidFill>
+                  <a:srgbClr val="FF0000"/>
+                </a:solidFill>
+                <a:latin typeface="+mn-ea"/>
+                <a:ea typeface="+mn-ea"/>
+              </a:rPr>
+              <a:t>https://www.w3cschool.cn/webgl/</a:t>
+            </a:r>
+            <a:endParaRPr sz="2200">
+              <a:solidFill>
+                <a:srgbClr val="FF0000"/>
+              </a:solidFill>
+              <a:latin typeface="+mn-ea"/>
+              <a:ea typeface="+mn-ea"/>
+            </a:endParaRPr>
+          </a:p>
+        </p:txBody>
+      </p:sp>
     </p:spTree>
   </p:cSld>
   <p:clrMapOvr>
@@ -6746,15 +6788,6 @@
               </a:rPr>
               <a:t>执行原理</a:t>
             </a:r>
-            <a:r>
-              <a:rPr kumimoji="0" lang="en-US" altLang="zh-CN" sz="3200" dirty="0">
-                <a:solidFill>
-                  <a:srgbClr val="C00000"/>
-                </a:solidFill>
-                <a:cs typeface="+mn-cs"/>
-              </a:rPr>
-              <a:t>-</a:t>
-            </a:r>
             <a:endParaRPr kumimoji="0" lang="zh-CN" altLang="en-US" sz="3200" dirty="0">
               <a:solidFill>
                 <a:srgbClr val="C00000"/>
@@ -6764,30 +6797,6 @@
           </a:p>
         </p:txBody>
       </p:sp>
-      <p:pic>
-        <p:nvPicPr>
-          <p:cNvPr id="4" name="图片 3" descr="PVWE}O7R3JX$O9RG$JDX}L9"/>
-          <p:cNvPicPr>
-            <a:picLocks noChangeAspect="1"/>
-          </p:cNvPicPr>
-          <p:nvPr/>
-        </p:nvPicPr>
-        <p:blipFill>
-          <a:blip r:embed="rId1"/>
-          <a:stretch>
-            <a:fillRect/>
-          </a:stretch>
-        </p:blipFill>
-        <p:spPr>
-          <a:xfrm>
-            <a:off x="1119505" y="1681480"/>
-            <a:ext cx="9580245" cy="3978275"/>
-          </a:xfrm>
-          <a:prstGeom prst="rect">
-            <a:avLst/>
-          </a:prstGeom>
-        </p:spPr>
-      </p:pic>
       <p:sp>
         <p:nvSpPr>
           <p:cNvPr id="6" name="内容占位符 2"/>
@@ -7005,6 +7014,151 @@
                 <a:sym typeface="+mn-ea"/>
               </a:rPr>
               <a:t>图形流水线</a:t>
+            </a:r>
+            <a:br>
+              <a:rPr kumimoji="0" lang="zh-CN" altLang="en-US" sz="3200" dirty="0">
+                <a:solidFill>
+                  <a:schemeClr val="tx1"/>
+                </a:solidFill>
+                <a:cs typeface="+mn-cs"/>
+                <a:sym typeface="+mn-ea"/>
+              </a:rPr>
+            </a:br>
+            <a:r>
+              <a:rPr kumimoji="0" lang="en-US" altLang="zh-CN" sz="2000" dirty="0">
+                <a:solidFill>
+                  <a:schemeClr val="tx1"/>
+                </a:solidFill>
+                <a:cs typeface="+mn-cs"/>
+                <a:sym typeface="+mn-ea"/>
+              </a:rPr>
+              <a:t>- </a:t>
+            </a:r>
+            <a:r>
+              <a:rPr kumimoji="0" lang="zh-CN" altLang="en-US" sz="2000" dirty="0">
+                <a:solidFill>
+                  <a:schemeClr val="tx1"/>
+                </a:solidFill>
+                <a:cs typeface="+mn-cs"/>
+                <a:sym typeface="+mn-ea"/>
+              </a:rPr>
+              <a:t>顶点着色器</a:t>
+            </a:r>
+            <a:br>
+              <a:rPr kumimoji="0" lang="zh-CN" altLang="en-US" sz="2000" dirty="0">
+                <a:solidFill>
+                  <a:schemeClr val="tx1"/>
+                </a:solidFill>
+                <a:cs typeface="+mn-cs"/>
+                <a:sym typeface="+mn-ea"/>
+              </a:rPr>
+            </a:br>
+            <a:r>
+              <a:rPr kumimoji="0" lang="en-US" altLang="zh-CN" sz="2000" dirty="0">
+                <a:solidFill>
+                  <a:schemeClr val="tx1"/>
+                </a:solidFill>
+                <a:cs typeface="+mn-cs"/>
+                <a:sym typeface="+mn-ea"/>
+              </a:rPr>
+              <a:t>- </a:t>
+            </a:r>
+            <a:r>
+              <a:rPr kumimoji="0" lang="zh-CN" altLang="en-US" sz="2000" dirty="0">
+                <a:solidFill>
+                  <a:schemeClr val="tx1"/>
+                </a:solidFill>
+                <a:cs typeface="+mn-cs"/>
+                <a:sym typeface="+mn-ea"/>
+              </a:rPr>
+              <a:t>图元装配</a:t>
+            </a:r>
+            <a:br>
+              <a:rPr kumimoji="0" lang="zh-CN" altLang="en-US" sz="2000" dirty="0">
+                <a:solidFill>
+                  <a:schemeClr val="tx1"/>
+                </a:solidFill>
+                <a:cs typeface="+mn-cs"/>
+                <a:sym typeface="+mn-ea"/>
+              </a:rPr>
+            </a:br>
+            <a:r>
+              <a:rPr kumimoji="0" lang="en-US" altLang="zh-CN" sz="2000" dirty="0">
+                <a:solidFill>
+                  <a:schemeClr val="tx1"/>
+                </a:solidFill>
+                <a:cs typeface="+mn-cs"/>
+                <a:sym typeface="+mn-ea"/>
+              </a:rPr>
+              <a:t>- </a:t>
+            </a:r>
+            <a:r>
+              <a:rPr kumimoji="0" lang="zh-CN" altLang="en-US" sz="2000" dirty="0">
+                <a:solidFill>
+                  <a:schemeClr val="tx1"/>
+                </a:solidFill>
+                <a:cs typeface="+mn-cs"/>
+                <a:sym typeface="+mn-ea"/>
+              </a:rPr>
+              <a:t>光栅化</a:t>
+            </a:r>
+            <a:br>
+              <a:rPr kumimoji="0" lang="zh-CN" altLang="en-US" sz="2000" dirty="0">
+                <a:solidFill>
+                  <a:schemeClr val="tx1"/>
+                </a:solidFill>
+                <a:cs typeface="+mn-cs"/>
+                <a:sym typeface="+mn-ea"/>
+              </a:rPr>
+            </a:br>
+            <a:r>
+              <a:rPr kumimoji="0" lang="en-US" altLang="zh-CN" sz="2000" dirty="0">
+                <a:solidFill>
+                  <a:schemeClr val="tx1"/>
+                </a:solidFill>
+                <a:cs typeface="+mn-cs"/>
+                <a:sym typeface="+mn-ea"/>
+              </a:rPr>
+              <a:t>- </a:t>
+            </a:r>
+            <a:r>
+              <a:rPr kumimoji="0" lang="zh-CN" altLang="en-US" sz="2000" dirty="0">
+                <a:solidFill>
+                  <a:schemeClr val="tx1"/>
+                </a:solidFill>
+                <a:cs typeface="+mn-cs"/>
+                <a:sym typeface="+mn-ea"/>
+              </a:rPr>
+              <a:t>片元着色器</a:t>
+            </a:r>
+            <a:br>
+              <a:rPr kumimoji="0" lang="zh-CN" altLang="en-US" sz="2000" dirty="0">
+                <a:solidFill>
+                  <a:schemeClr val="tx1"/>
+                </a:solidFill>
+                <a:cs typeface="+mn-cs"/>
+                <a:sym typeface="+mn-ea"/>
+              </a:rPr>
+            </a:br>
+            <a:r>
+              <a:rPr kumimoji="0" lang="en-US" altLang="zh-CN" sz="2000" dirty="0">
+                <a:solidFill>
+                  <a:schemeClr val="tx1"/>
+                </a:solidFill>
+                <a:cs typeface="+mn-cs"/>
+                <a:sym typeface="+mn-ea"/>
+              </a:rPr>
+              <a:t>- </a:t>
+            </a:r>
+            <a:r>
+              <a:rPr kumimoji="0" lang="zh-CN" altLang="en-US" sz="2000" dirty="0">
+                <a:solidFill>
+                  <a:schemeClr val="tx1"/>
+                </a:solidFill>
+                <a:cs typeface="+mn-cs"/>
+                <a:sym typeface="+mn-ea"/>
+              </a:rPr>
+              <a:t>逐片元操作</a:t>
             </a:r>
             <a:br>
               <a:rPr lang="zh-CN" altLang="en-US" sz="2800" noProof="1">
@@ -7063,6 +7217,72 @@
           </a:p>
         </p:txBody>
       </p:sp>
+      <p:sp>
+        <p:nvSpPr>
+          <p:cNvPr id="3" name="文本框 2"/>
+          <p:cNvSpPr txBox="1"/>
+          <p:nvPr/>
+        </p:nvSpPr>
+        <p:spPr>
+          <a:xfrm>
+            <a:off x="4862195" y="6152515"/>
+            <a:ext cx="6809740" cy="368300"/>
+          </a:xfrm>
+          <a:prstGeom prst="rect">
+            <a:avLst/>
+          </a:prstGeom>
+          <a:noFill/>
+        </p:spPr>
+        <p:txBody>
+          <a:bodyPr wrap="square" rtlCol="0">
+            <a:spAutoFit/>
+          </a:bodyPr>
+          <a:p>
+            <a:pPr algn="l"/>
+            <a:r>
+              <a:rPr sz="1800">
+                <a:solidFill>
+                  <a:srgbClr val="FF0000"/>
+                </a:solidFill>
+                <a:latin typeface="+mn-ea"/>
+                <a:ea typeface="+mn-ea"/>
+              </a:rPr>
+              <a:t>https://blog.csdn.net/VhWfR2u02Q/article/details/78948679</a:t>
+            </a:r>
+            <a:endParaRPr sz="1800">
+              <a:solidFill>
+                <a:srgbClr val="FF0000"/>
+              </a:solidFill>
+              <a:latin typeface="+mn-ea"/>
+              <a:ea typeface="+mn-ea"/>
+            </a:endParaRPr>
+          </a:p>
+        </p:txBody>
+      </p:sp>
+      <p:pic>
+        <p:nvPicPr>
+          <p:cNvPr id="7" name="图片 6"/>
+          <p:cNvPicPr>
+            <a:picLocks noChangeAspect="1"/>
+          </p:cNvPicPr>
+          <p:nvPr/>
+        </p:nvPicPr>
+        <p:blipFill>
+          <a:blip r:embed="rId1"/>
+          <a:stretch>
+            <a:fillRect/>
+          </a:stretch>
+        </p:blipFill>
+        <p:spPr>
+          <a:xfrm>
+            <a:off x="1195070" y="3970655"/>
+            <a:ext cx="10400665" cy="2101850"/>
+          </a:xfrm>
+          <a:prstGeom prst="rect">
+            <a:avLst/>
+          </a:prstGeom>
+        </p:spPr>
+      </p:pic>
     </p:spTree>
   </p:cSld>
   <p:clrMapOvr>
@@ -7562,7 +7782,7 @@
                   <a:schemeClr val="tx1"/>
                 </a:solidFill>
               </a:rPr>
-              <a:t>H5 Canvas 2D</a:t>
+              <a:t>H5 </a:t>
             </a:r>
             <a:r>
               <a:rPr lang="zh-CN" altLang="en-US" sz="3200">
@@ -7570,7 +7790,7 @@
                   <a:schemeClr val="tx1"/>
                 </a:solidFill>
               </a:rPr>
-              <a:t>（</a:t>
+              <a:t>图形图像及动画基础（</a:t>
             </a:r>
             <a:r>
               <a:rPr lang="en-US" altLang="zh-CN" sz="3200">
@@ -7578,7 +7798,7 @@
                   <a:schemeClr val="tx1"/>
                 </a:solidFill>
               </a:rPr>
-              <a:t>18%</a:t>
+              <a:t>15%</a:t>
             </a:r>
             <a:r>
               <a:rPr lang="zh-CN" altLang="en-US" sz="3200">
@@ -7619,20 +7839,21 @@
               </a:rPr>
               <a:t>API</a:t>
             </a:r>
-            <a:br>
+            <a:r>
               <a:rPr lang="zh-CN" altLang="en-US" sz="2000">
                 <a:solidFill>
                   <a:schemeClr val="tx1"/>
                 </a:solidFill>
               </a:rPr>
-            </a:br>
+              <a:t>、</a:t>
+            </a:r>
             <a:r>
               <a:rPr lang="en-US" altLang="zh-CN" sz="2000">
                 <a:solidFill>
                   <a:schemeClr val="tx1"/>
                 </a:solidFill>
               </a:rPr>
-              <a:t>- Canvas</a:t>
+              <a:t> Canvas</a:t>
             </a:r>
             <a:r>
               <a:rPr lang="zh-CN" altLang="en-US" sz="2000">
@@ -7675,7 +7896,7 @@
                 </a:solidFill>
                 <a:sym typeface="+mn-ea"/>
               </a:rPr>
-              <a:t>75%</a:t>
+              <a:t>60%</a:t>
             </a:r>
             <a:r>
               <a:rPr lang="zh-CN" altLang="en-US" sz="3200">
@@ -7773,40 +7994,13 @@
           </a:p>
           <a:p>
             <a:r>
-              <a:rPr lang="zh-CN" altLang="en-US" sz="3200">
-                <a:solidFill>
-                  <a:schemeClr val="tx1"/>
-                </a:solidFill>
-                <a:sym typeface="+mn-ea"/>
-              </a:rPr>
-              <a:t>矢量图形及</a:t>
-            </a:r>
-            <a:r>
               <a:rPr lang="en-US" altLang="zh-CN" sz="3200">
                 <a:solidFill>
                   <a:schemeClr val="tx1"/>
                 </a:solidFill>
                 <a:sym typeface="+mn-ea"/>
               </a:rPr>
-              <a:t>3D</a:t>
-            </a:r>
-            <a:r>
-              <a:rPr lang="zh-CN" altLang="en-US" sz="3200">
-                <a:solidFill>
-                  <a:schemeClr val="tx1"/>
-                </a:solidFill>
-                <a:sym typeface="+mn-ea"/>
-              </a:rPr>
-              <a:t>图像</a:t>
-            </a:r>
-            <a:r>
-              <a:rPr lang="en-US" altLang="zh-CN" sz="3200">
-                <a:solidFill>
-                  <a:schemeClr val="tx1"/>
-                </a:solidFill>
-                <a:sym typeface="+mn-ea"/>
-              </a:rPr>
-              <a:t>（7%）</a:t>
+              <a:t>Cocos Creator （25%）</a:t>
             </a:r>
             <a:br>
               <a:rPr lang="en-US" altLang="zh-CN" sz="2000">
@@ -7823,7 +8017,7 @@
                 </a:solidFill>
                 <a:sym typeface="+mn-ea"/>
               </a:rPr>
-              <a:t>- SVG</a:t>
+              <a:t>- Cocos Creator</a:t>
             </a:r>
             <a:r>
               <a:rPr lang="zh-CN" altLang="en-US" sz="2000">
@@ -7832,8 +8026,16 @@
                 </a:solidFill>
                 <a:sym typeface="+mn-ea"/>
               </a:rPr>
-              <a:t>、</a:t>
-            </a:r>
+              <a:t>工作流程（资源工作流程、场景制作工作流程）</a:t>
+            </a:r>
+            <a:br>
+              <a:rPr lang="zh-CN" altLang="en-US" sz="2000">
+                <a:solidFill>
+                  <a:schemeClr val="tx1"/>
+                </a:solidFill>
+                <a:sym typeface="+mn-ea"/>
+              </a:rPr>
+            </a:br>
             <a:r>
               <a:rPr lang="en-US" altLang="zh-CN" sz="2000">
                 <a:solidFill>
@@ -7841,7 +8043,7 @@
                 </a:solidFill>
                 <a:sym typeface="+mn-ea"/>
               </a:rPr>
-              <a:t>D3.js</a:t>
+              <a:t>- </a:t>
             </a:r>
             <a:r>
               <a:rPr lang="zh-CN" altLang="en-US" sz="2000">
@@ -7850,7 +8052,7 @@
                 </a:solidFill>
                 <a:sym typeface="+mn-ea"/>
               </a:rPr>
-              <a:t>图形引擎、</a:t>
+              <a:t>脚本开发、预制体、</a:t>
             </a:r>
             <a:r>
               <a:rPr lang="en-US" altLang="zh-CN" sz="2000">
@@ -7859,7 +8061,7 @@
                 </a:solidFill>
                 <a:sym typeface="+mn-ea"/>
               </a:rPr>
-              <a:t>WebGL API</a:t>
+              <a:t>UI</a:t>
             </a:r>
             <a:r>
               <a:rPr lang="zh-CN" altLang="en-US" sz="2000">
@@ -7868,25 +8070,7 @@
                 </a:solidFill>
                 <a:sym typeface="+mn-ea"/>
               </a:rPr>
-              <a:t>、</a:t>
-            </a:r>
-            <a:r>
-              <a:rPr lang="en-US" altLang="zh-CN" sz="2000">
-                <a:solidFill>
-                  <a:schemeClr val="tx1"/>
-                </a:solidFill>
-                <a:sym typeface="+mn-ea"/>
-              </a:rPr>
-              <a:t>Three.js</a:t>
-            </a:r>
-            <a:r>
-              <a:rPr lang="zh-CN" altLang="en-US" sz="2000">
-                <a:solidFill>
-                  <a:schemeClr val="tx1"/>
-                </a:solidFill>
-                <a:sym typeface="+mn-ea"/>
-              </a:rPr>
-              <a:t>引擎</a:t>
+              <a:t>系统、物理系统、多平台发布</a:t>
             </a:r>
             <a:endParaRPr lang="zh-CN" altLang="en-US" sz="2000">
               <a:solidFill>
@@ -8940,22 +9124,13 @@
                   <a:schemeClr val="tx1"/>
                 </a:solidFill>
               </a:rPr>
-              <a:t>- </a:t>
-            </a:r>
-            <a:r>
-              <a:rPr lang="en-US" altLang="zh-CN" sz="2000" dirty="0">
-                <a:solidFill>
-                  <a:schemeClr val="accent3"/>
-                </a:solidFill>
-              </a:rPr>
-              <a:t>https://www.w3.org/TR/2dcontext/</a:t>
+              <a:t>- https://www.w3.org/TR/2dcontext/</a:t>
             </a:r>
             <a:br>
               <a:rPr lang="en-US" altLang="zh-CN" sz="2000" dirty="0">
                 <a:solidFill>
-                  <a:schemeClr val="tx1"/>
-                </a:solidFill>
-                <a:sym typeface="+mn-ea"/>
+                  <a:schemeClr val="accent3"/>
+                </a:solidFill>
               </a:rPr>
             </a:br>
             <a:r>
@@ -8965,7 +9140,16 @@
                 </a:solidFill>
                 <a:sym typeface="+mn-ea"/>
               </a:rPr>
-              <a:t>- https://developer.mozilla.org/zh-CN/docs/Web/API/Canvas_API</a:t>
+              <a:t>- </a:t>
+            </a:r>
+            <a:r>
+              <a:rPr lang="en-US" altLang="zh-CN" sz="2000" dirty="0">
+                <a:solidFill>
+                  <a:schemeClr val="accent3"/>
+                </a:solidFill>
+                <a:sym typeface="+mn-ea"/>
+              </a:rPr>
+              <a:t>http://www.cocos.com/</a:t>
             </a:r>
             <a:br>
               <a:rPr lang="en-US" altLang="zh-CN" sz="2000" dirty="0">
@@ -8982,16 +9166,7 @@
                 </a:solidFill>
                 <a:sym typeface="+mn-ea"/>
               </a:rPr>
-              <a:t>- </a:t>
-            </a:r>
-            <a:r>
-              <a:rPr lang="en-US" altLang="zh-CN" sz="2000" dirty="0">
-                <a:solidFill>
-                  <a:schemeClr val="accent3"/>
-                </a:solidFill>
-                <a:sym typeface="+mn-ea"/>
-              </a:rPr>
-              <a:t>http://www.cocos.com/</a:t>
+              <a:t>- https://docs.cocos.com/creator/manual/zh/</a:t>
             </a:r>
             <a:endParaRPr lang="en-US" altLang="zh-CN" sz="2000" dirty="0">
               <a:solidFill>
@@ -9111,7 +9286,7 @@
                 </a:solidFill>
                 <a:sym typeface="+mn-ea"/>
               </a:rPr>
-              <a:t>《HTML5 Canvas核心技术》</a:t>
+              <a:t>《Cocos Creator游戏开发实战》</a:t>
             </a:r>
             <a:endParaRPr lang="en-US" altLang="zh-CN" sz="2000" dirty="0" smtClean="0">
               <a:solidFill>
@@ -9230,7 +9405,7 @@
         </p:blipFill>
         <p:spPr bwMode="auto">
           <a:xfrm>
-            <a:off x="8855075" y="2694305"/>
+            <a:off x="6257925" y="3023235"/>
             <a:ext cx="2630805" cy="3293110"/>
           </a:xfrm>
           <a:prstGeom prst="rect">
@@ -9263,7 +9438,7 @@
       </p:pic>
       <p:pic>
         <p:nvPicPr>
-          <p:cNvPr id="2" name="图片 1" descr="C:\Users\qile\Desktop\573a40d9Na34c00b0.jpg573a40d9Na34c00b0"/>
+          <p:cNvPr id="6" name="图片 5"/>
           <p:cNvPicPr>
             <a:picLocks noChangeAspect="1"/>
           </p:cNvPicPr>
@@ -9271,15 +9446,14 @@
         </p:nvPicPr>
         <p:blipFill>
           <a:blip r:embed="rId2"/>
-          <a:srcRect l="12127" r="13029"/>
           <a:stretch>
             <a:fillRect/>
           </a:stretch>
         </p:blipFill>
         <p:spPr>
           <a:xfrm>
-            <a:off x="6272530" y="2766060"/>
-            <a:ext cx="2383790" cy="3185160"/>
+            <a:off x="8888730" y="3166745"/>
+            <a:ext cx="2193925" cy="2928620"/>
           </a:xfrm>
           <a:prstGeom prst="rect">
             <a:avLst/>
@@ -10515,28 +10689,6 @@
                 <a:ea typeface="微软雅黑" panose="020B0503020204020204" pitchFamily="34" charset="-122"/>
                 <a:sym typeface="+mn-ea"/>
               </a:rPr>
-              <a:t>和</a:t>
-            </a:r>
-            <a:r>
-              <a:rPr lang="zh-CN" altLang="en-US" sz="2800" noProof="1">
-                <a:solidFill>
-                  <a:schemeClr val="accent3"/>
-                </a:solidFill>
-                <a:latin typeface="微软雅黑" panose="020B0503020204020204" pitchFamily="34" charset="-122"/>
-                <a:ea typeface="微软雅黑" panose="020B0503020204020204" pitchFamily="34" charset="-122"/>
-                <a:sym typeface="+mn-ea"/>
-              </a:rPr>
-              <a:t>事件</a:t>
-            </a:r>
-            <a:r>
-              <a:rPr lang="zh-CN" altLang="en-US" sz="2800" noProof="1">
-                <a:solidFill>
-                  <a:schemeClr val="tx1"/>
-                </a:solidFill>
-                <a:latin typeface="微软雅黑" panose="020B0503020204020204" pitchFamily="34" charset="-122"/>
-                <a:ea typeface="微软雅黑" panose="020B0503020204020204" pitchFamily="34" charset="-122"/>
-                <a:sym typeface="+mn-ea"/>
-              </a:rPr>
               <a:t>）</a:t>
             </a:r>
             <a:endParaRPr lang="zh-CN" altLang="en-US" sz="2800" noProof="1">
@@ -10769,14 +10921,12 @@
                 </a:solidFill>
                 <a:sym typeface="+mn-ea"/>
               </a:rPr>
-              <a:t>的绘制和操作</a:t>
-            </a:r>
-            <a:endParaRPr lang="zh-CN" altLang="en-US" sz="2800" noProof="1">
+              <a:t>的绘制和操作，能以 .png 或 .jpg 格式保存图像</a:t>
+            </a:r>
+            <a:endParaRPr lang="zh-CN" altLang="en-US" sz="2800">
               <a:solidFill>
                 <a:schemeClr val="tx1"/>
               </a:solidFill>
-              <a:latin typeface="微软雅黑" panose="020B0503020204020204" pitchFamily="34" charset="-122"/>
-              <a:ea typeface="微软雅黑" panose="020B0503020204020204" pitchFamily="34" charset="-122"/>
               <a:sym typeface="+mn-ea"/>
             </a:endParaRPr>
           </a:p>

--- a/materials/slides/ch01.pptx
+++ b/materials/slides/ch01.pptx
@@ -12,23 +12,24 @@
     <p:sldId id="926" r:id="rId4"/>
     <p:sldId id="1002" r:id="rId6"/>
     <p:sldId id="905" r:id="rId7"/>
-    <p:sldId id="1005" r:id="rId8"/>
-    <p:sldId id="1006" r:id="rId9"/>
-    <p:sldId id="1007" r:id="rId10"/>
-    <p:sldId id="1010" r:id="rId11"/>
-    <p:sldId id="1011" r:id="rId12"/>
-    <p:sldId id="1016" r:id="rId13"/>
-    <p:sldId id="1026" r:id="rId14"/>
-    <p:sldId id="1012" r:id="rId15"/>
-    <p:sldId id="1013" r:id="rId16"/>
-    <p:sldId id="1014" r:id="rId17"/>
-    <p:sldId id="1015" r:id="rId18"/>
-    <p:sldId id="1017" r:id="rId19"/>
-    <p:sldId id="1018" r:id="rId20"/>
-    <p:sldId id="1039" r:id="rId21"/>
-    <p:sldId id="1036" r:id="rId22"/>
-    <p:sldId id="1020" r:id="rId23"/>
-    <p:sldId id="1009" r:id="rId24"/>
+    <p:sldId id="1043" r:id="rId8"/>
+    <p:sldId id="1005" r:id="rId9"/>
+    <p:sldId id="1006" r:id="rId10"/>
+    <p:sldId id="1007" r:id="rId11"/>
+    <p:sldId id="1010" r:id="rId12"/>
+    <p:sldId id="1011" r:id="rId13"/>
+    <p:sldId id="1016" r:id="rId14"/>
+    <p:sldId id="1026" r:id="rId15"/>
+    <p:sldId id="1012" r:id="rId16"/>
+    <p:sldId id="1013" r:id="rId17"/>
+    <p:sldId id="1014" r:id="rId18"/>
+    <p:sldId id="1015" r:id="rId19"/>
+    <p:sldId id="1017" r:id="rId20"/>
+    <p:sldId id="1018" r:id="rId21"/>
+    <p:sldId id="1039" r:id="rId22"/>
+    <p:sldId id="1044" r:id="rId23"/>
+    <p:sldId id="1020" r:id="rId24"/>
+    <p:sldId id="1009" r:id="rId25"/>
   </p:sldIdLst>
   <p:sldSz cx="12192000" cy="6858000"/>
   <p:notesSz cx="6797675" cy="9928225"/>
@@ -723,6 +724,221 @@
 </file>
 
 <file path=ppt/notesSlides/notesSlide3.xml><?xml version="1.0" encoding="utf-8"?>
+<p:notes xmlns:a="http://schemas.openxmlformats.org/drawingml/2006/main" xmlns:r="http://schemas.openxmlformats.org/officeDocument/2006/relationships" xmlns:p="http://schemas.openxmlformats.org/presentationml/2006/main">
+  <p:cSld>
+    <p:spTree>
+      <p:nvGrpSpPr>
+        <p:cNvPr id="1" name=""/>
+        <p:cNvGrpSpPr/>
+        <p:nvPr/>
+      </p:nvGrpSpPr>
+      <p:grpSpPr/>
+      <p:sp>
+        <p:nvSpPr>
+          <p:cNvPr id="2" name="幻灯片图像占位符 1"/>
+          <p:cNvSpPr/>
+          <p:nvPr>
+            <p:ph type="sldImg" idx="2"/>
+          </p:nvPr>
+        </p:nvSpPr>
+        <p:spPr/>
+      </p:sp>
+      <p:sp>
+        <p:nvSpPr>
+          <p:cNvPr id="3" name="文本占位符 2"/>
+          <p:cNvSpPr/>
+          <p:nvPr>
+            <p:ph type="body" idx="3"/>
+          </p:nvPr>
+        </p:nvSpPr>
+        <p:spPr/>
+        <p:txBody>
+          <a:bodyPr/>
+          <a:p>
+            <a:r>
+              <a:rPr lang="zh-CN" altLang="en-US"/>
+              <a:t>canvas是基于状态的绘制，而不是基于对象的绘制。canvas 使用的模式是   immediate 模式。</a:t>
+            </a:r>
+            <a:endParaRPr lang="zh-CN" altLang="en-US"/>
+          </a:p>
+          <a:p>
+            <a:r>
+              <a:rPr lang="zh-CN" altLang="en-US"/>
+              <a:t>一、retained-mode 和 immediate-mode  </a:t>
+            </a:r>
+            <a:endParaRPr lang="zh-CN" altLang="en-US"/>
+          </a:p>
+          <a:p>
+            <a:r>
+              <a:rPr lang="zh-CN" altLang="en-US"/>
+              <a:t>两种不同的绘图模式</a:t>
+            </a:r>
+            <a:endParaRPr lang="zh-CN" altLang="en-US"/>
+          </a:p>
+          <a:p>
+            <a:r>
+              <a:rPr lang="zh-CN" altLang="en-US"/>
+              <a:t>绘图模式的话，有两种</a:t>
+            </a:r>
+            <a:endParaRPr lang="zh-CN" altLang="en-US"/>
+          </a:p>
+          <a:p>
+            <a:r>
+              <a:rPr lang="zh-CN" altLang="en-US"/>
+              <a:t>第一种是 retained-mode ,第二种是 immediate-mode ；</a:t>
+            </a:r>
+            <a:endParaRPr lang="zh-CN" altLang="en-US"/>
+          </a:p>
+          <a:p>
+            <a:r>
+              <a:rPr lang="zh-CN" altLang="en-US"/>
+              <a:t>从名字上我们大概就能知道这两种模式的差别了，我们看看中文，</a:t>
+            </a:r>
+            <a:endParaRPr lang="zh-CN" altLang="en-US"/>
+          </a:p>
+          <a:p>
+            <a:r>
+              <a:rPr lang="zh-CN" altLang="en-US"/>
+              <a:t>retained-mode  保存模式 / 保留模式</a:t>
+            </a:r>
+            <a:endParaRPr lang="zh-CN" altLang="en-US"/>
+          </a:p>
+          <a:p>
+            <a:r>
+              <a:rPr lang="zh-CN" altLang="en-US"/>
+              <a:t>immediate-mode  立即模式 / 即时模式</a:t>
+            </a:r>
+            <a:endParaRPr lang="zh-CN" altLang="en-US"/>
+          </a:p>
+          <a:p>
+            <a:endParaRPr lang="zh-CN" altLang="en-US"/>
+          </a:p>
+          <a:p>
+            <a:r>
+              <a:rPr lang="zh-CN" altLang="en-US"/>
+              <a:t>我们来看个小例子：</a:t>
+            </a:r>
+            <a:endParaRPr lang="zh-CN" altLang="en-US"/>
+          </a:p>
+          <a:p>
+            <a:r>
+              <a:rPr lang="zh-CN" altLang="en-US"/>
+              <a:t>假设我们现在需要一个数字 2  ， 然后我又需要两个数字 20  ，再者我们需要数字 201 ，最后我们需要数字 2019；</a:t>
+            </a:r>
+            <a:endParaRPr lang="zh-CN" altLang="en-US"/>
+          </a:p>
+          <a:p>
+            <a:r>
+              <a:rPr lang="zh-CN" altLang="en-US"/>
+              <a:t>我们会怎么做呢，先拿出一张纸，写下一个数字2，然后在 2 后面写下 0，而后在 0 后面写下 1，最后在 1 后面写下 9；</a:t>
+            </a:r>
+            <a:endParaRPr lang="zh-CN" altLang="en-US"/>
+          </a:p>
+          <a:p>
+            <a:r>
+              <a:rPr lang="zh-CN" altLang="en-US"/>
+              <a:t>这样我们就得到了 2019  ；  这种模式就是retained 模式，即保存模式；</a:t>
+            </a:r>
+            <a:endParaRPr lang="zh-CN" altLang="en-US"/>
+          </a:p>
+          <a:p>
+            <a:r>
+              <a:rPr lang="zh-CN" altLang="en-US"/>
+              <a:t>或者我们先拿出一张纸写下 2 ，然后再拿出一张纸 写下 20  ，而后拿出一张纸写下 201 ，最后再拿出一张纸写下 2019；</a:t>
+            </a:r>
+            <a:endParaRPr lang="zh-CN" altLang="en-US"/>
+          </a:p>
+          <a:p>
+            <a:r>
+              <a:rPr lang="zh-CN" altLang="en-US"/>
+              <a:t>这种模式就是 立即模式；</a:t>
+            </a:r>
+            <a:endParaRPr lang="zh-CN" altLang="en-US"/>
+          </a:p>
+          <a:p>
+            <a:r>
+              <a:rPr lang="zh-CN" altLang="en-US"/>
+              <a:t>保存模式会在内存中保存状态，当有需要改变的时候，执行的是改变的处理，也就是说前后不改变的地方不会变化；</a:t>
+            </a:r>
+            <a:endParaRPr lang="zh-CN" altLang="en-US"/>
+          </a:p>
+          <a:p>
+            <a:r>
+              <a:rPr lang="zh-CN" altLang="en-US"/>
+              <a:t>但是立即模式不是这样，立即模式会每次都重新绘制所有的元素，不管这个对象改变的是一点点还是两点点，</a:t>
+            </a:r>
+            <a:endParaRPr lang="zh-CN" altLang="en-US"/>
+          </a:p>
+          <a:p>
+            <a:r>
+              <a:rPr lang="zh-CN" altLang="en-US"/>
+              <a:t>也就是说不会像保存模式那样，占用过高的内存资源，以上简单对比就能初步了解两种不同的模式了；</a:t>
+            </a:r>
+            <a:endParaRPr lang="zh-CN" altLang="en-US"/>
+          </a:p>
+        </p:txBody>
+      </p:sp>
+    </p:spTree>
+  </p:cSld>
+  <p:clrMapOvr>
+    <a:masterClrMapping/>
+  </p:clrMapOvr>
+</p:notes>
+</file>
+
+<file path=ppt/notesSlides/notesSlide4.xml><?xml version="1.0" encoding="utf-8"?>
+<p:notes xmlns:a="http://schemas.openxmlformats.org/drawingml/2006/main" xmlns:r="http://schemas.openxmlformats.org/officeDocument/2006/relationships" xmlns:p="http://schemas.openxmlformats.org/presentationml/2006/main">
+  <p:cSld>
+    <p:spTree>
+      <p:nvGrpSpPr>
+        <p:cNvPr id="1" name=""/>
+        <p:cNvGrpSpPr/>
+        <p:nvPr/>
+      </p:nvGrpSpPr>
+      <p:grpSpPr/>
+      <p:sp>
+        <p:nvSpPr>
+          <p:cNvPr id="2" name="幻灯片图像占位符 1"/>
+          <p:cNvSpPr/>
+          <p:nvPr>
+            <p:ph type="sldImg" idx="2"/>
+          </p:nvPr>
+        </p:nvSpPr>
+        <p:spPr/>
+      </p:sp>
+      <p:sp>
+        <p:nvSpPr>
+          <p:cNvPr id="3" name="文本占位符 2"/>
+          <p:cNvSpPr/>
+          <p:nvPr>
+            <p:ph type="body" idx="3"/>
+          </p:nvPr>
+        </p:nvSpPr>
+        <p:spPr/>
+        <p:txBody>
+          <a:bodyPr/>
+          <a:p>
+            <a:r>
+              <a:rPr lang="en-US" altLang="zh-CN"/>
+              <a:t>XML</a:t>
+            </a:r>
+            <a:r>
+              <a:rPr lang="zh-CN" altLang="en-US"/>
+              <a:t>析方式大致可以分为两种：一种是基于树结构处理的Dom解析，另外一种是基于事件模型的SAX解析</a:t>
+            </a:r>
+            <a:endParaRPr lang="zh-CN" altLang="en-US"/>
+          </a:p>
+        </p:txBody>
+      </p:sp>
+    </p:spTree>
+  </p:cSld>
+  <p:clrMapOvr>
+    <a:masterClrMapping/>
+  </p:clrMapOvr>
+</p:notes>
+</file>
+
+<file path=ppt/notesSlides/notesSlide5.xml><?xml version="1.0" encoding="utf-8"?>
 <p:notes xmlns:a="http://schemas.openxmlformats.org/drawingml/2006/main" xmlns:r="http://schemas.openxmlformats.org/officeDocument/2006/relationships" xmlns:p="http://schemas.openxmlformats.org/presentationml/2006/main">
   <p:cSld>
     <p:spTree>
@@ -2278,6 +2494,737 @@
 </file>
 
 <file path=ppt/slides/slide10.xml><?xml version="1.0" encoding="utf-8"?>
+<p:sld xmlns:a="http://schemas.openxmlformats.org/drawingml/2006/main" xmlns:r="http://schemas.openxmlformats.org/officeDocument/2006/relationships" xmlns:p="http://schemas.openxmlformats.org/presentationml/2006/main">
+  <p:cSld>
+    <p:spTree>
+      <p:nvGrpSpPr>
+        <p:cNvPr id="1" name=""/>
+        <p:cNvGrpSpPr/>
+        <p:nvPr/>
+      </p:nvGrpSpPr>
+      <p:grpSpPr>
+        <a:xfrm>
+          <a:off x="0" y="0"/>
+          <a:ext cx="0" cy="0"/>
+          <a:chOff x="0" y="0"/>
+          <a:chExt cx="0" cy="0"/>
+        </a:xfrm>
+      </p:grpSpPr>
+      <p:sp>
+        <p:nvSpPr>
+          <p:cNvPr id="5122" name="内容占位符 2"/>
+          <p:cNvSpPr>
+            <a:spLocks noGrp="1"/>
+          </p:cNvSpPr>
+          <p:nvPr>
+            <p:ph idx="1"/>
+          </p:nvPr>
+        </p:nvSpPr>
+        <p:spPr>
+          <a:xfrm>
+            <a:off x="968375" y="829945"/>
+            <a:ext cx="9882505" cy="5141595"/>
+          </a:xfrm>
+        </p:spPr>
+        <p:txBody>
+          <a:bodyPr/>
+          <a:lstStyle/>
+          <a:p>
+            <a:pPr>
+              <a:lnSpc>
+                <a:spcPct val="150000"/>
+              </a:lnSpc>
+              <a:spcBef>
+                <a:spcPts val="1000"/>
+              </a:spcBef>
+            </a:pPr>
+            <a:r>
+              <a:rPr lang="zh-CN" altLang="en-US" sz="2800" noProof="1">
+                <a:solidFill>
+                  <a:schemeClr val="tx1"/>
+                </a:solidFill>
+                <a:sym typeface="+mn-ea"/>
+              </a:rPr>
+              <a:t>SVG 是基于可扩展标记语言</a:t>
+            </a:r>
+            <a:r>
+              <a:rPr lang="en-US" altLang="zh-CN" sz="2800" noProof="1">
+                <a:solidFill>
+                  <a:srgbClr val="FF0000"/>
+                </a:solidFill>
+                <a:sym typeface="+mn-ea"/>
+              </a:rPr>
+              <a:t>XML</a:t>
+            </a:r>
+            <a:r>
+              <a:rPr lang="zh-CN" altLang="en-US" sz="2800" noProof="1">
+                <a:solidFill>
+                  <a:schemeClr val="tx1"/>
+                </a:solidFill>
+                <a:sym typeface="+mn-ea"/>
+              </a:rPr>
+              <a:t>，用于描述二维</a:t>
+            </a:r>
+            <a:r>
+              <a:rPr lang="zh-CN" altLang="en-US" sz="2800" noProof="1">
+                <a:solidFill>
+                  <a:srgbClr val="FF0000"/>
+                </a:solidFill>
+                <a:sym typeface="+mn-ea"/>
+              </a:rPr>
+              <a:t>矢量图形</a:t>
+            </a:r>
+            <a:r>
+              <a:rPr lang="zh-CN" altLang="en-US" sz="2800" noProof="1">
+                <a:solidFill>
+                  <a:schemeClr val="tx1"/>
+                </a:solidFill>
+                <a:sym typeface="+mn-ea"/>
+              </a:rPr>
+              <a:t>的一种图形格式（</a:t>
+            </a:r>
+            <a:r>
+              <a:rPr lang="zh-CN" sz="2800">
+                <a:solidFill>
+                  <a:schemeClr val="tx1"/>
+                </a:solidFill>
+                <a:sym typeface="+mn-ea"/>
+              </a:rPr>
+              <a:t>2003 年 1 月 14 日成为 W3C 推荐标准</a:t>
+            </a:r>
+            <a:r>
+              <a:rPr lang="zh-CN" altLang="en-US" sz="2800" noProof="1">
+                <a:solidFill>
+                  <a:schemeClr val="tx1"/>
+                </a:solidFill>
+                <a:sym typeface="+mn-ea"/>
+              </a:rPr>
+              <a:t>）</a:t>
+            </a:r>
+            <a:endParaRPr lang="zh-CN" altLang="en-US" sz="2800" noProof="1">
+              <a:solidFill>
+                <a:schemeClr val="tx1"/>
+              </a:solidFill>
+              <a:sym typeface="+mn-ea"/>
+            </a:endParaRPr>
+          </a:p>
+          <a:p>
+            <a:pPr>
+              <a:lnSpc>
+                <a:spcPct val="150000"/>
+              </a:lnSpc>
+              <a:spcBef>
+                <a:spcPts val="1000"/>
+              </a:spcBef>
+            </a:pPr>
+            <a:r>
+              <a:rPr sz="2800" noProof="1">
+                <a:solidFill>
+                  <a:schemeClr val="tx1"/>
+                </a:solidFill>
+                <a:latin typeface="微软雅黑" panose="020B0503020204020204" pitchFamily="34" charset="-122"/>
+                <a:ea typeface="微软雅黑" panose="020B0503020204020204" pitchFamily="34" charset="-122"/>
+              </a:rPr>
+              <a:t>SVG 基于 XML，这意味着 SVG DOM 中的每个元素都是可用的</a:t>
+            </a:r>
+            <a:r>
+              <a:rPr lang="zh-CN" sz="2800" noProof="1">
+                <a:solidFill>
+                  <a:schemeClr val="tx1"/>
+                </a:solidFill>
+                <a:latin typeface="微软雅黑" panose="020B0503020204020204" pitchFamily="34" charset="-122"/>
+                <a:ea typeface="微软雅黑" panose="020B0503020204020204" pitchFamily="34" charset="-122"/>
+              </a:rPr>
+              <a:t> ，</a:t>
+            </a:r>
+            <a:r>
+              <a:rPr sz="2800">
+                <a:solidFill>
+                  <a:schemeClr val="tx1"/>
+                </a:solidFill>
+                <a:sym typeface="+mn-ea"/>
+              </a:rPr>
+              <a:t>可以为</a:t>
+            </a:r>
+            <a:r>
+              <a:rPr lang="zh-CN" sz="2800">
+                <a:solidFill>
+                  <a:schemeClr val="tx1"/>
+                </a:solidFill>
+                <a:sym typeface="+mn-ea"/>
+              </a:rPr>
+              <a:t>每</a:t>
+            </a:r>
+            <a:r>
+              <a:rPr sz="2800">
+                <a:solidFill>
+                  <a:schemeClr val="tx1"/>
+                </a:solidFill>
+                <a:sym typeface="+mn-ea"/>
+              </a:rPr>
+              <a:t>个元素附加 JavaScript 事件处理器</a:t>
+            </a:r>
+            <a:endParaRPr sz="2800">
+              <a:solidFill>
+                <a:schemeClr val="tx1"/>
+              </a:solidFill>
+              <a:sym typeface="+mn-ea"/>
+            </a:endParaRPr>
+          </a:p>
+          <a:p>
+            <a:pPr>
+              <a:lnSpc>
+                <a:spcPct val="150000"/>
+              </a:lnSpc>
+              <a:spcBef>
+                <a:spcPts val="1000"/>
+              </a:spcBef>
+            </a:pPr>
+            <a:r>
+              <a:rPr sz="2800">
+                <a:solidFill>
+                  <a:schemeClr val="tx1"/>
+                </a:solidFill>
+                <a:sym typeface="+mn-ea"/>
+              </a:rPr>
+              <a:t>在 SVG 中，每个被绘制的图形均被视为</a:t>
+            </a:r>
+            <a:r>
+              <a:rPr lang="zh-CN" sz="2800">
+                <a:solidFill>
+                  <a:schemeClr val="tx1"/>
+                </a:solidFill>
+                <a:sym typeface="+mn-ea"/>
+              </a:rPr>
+              <a:t>一个</a:t>
+            </a:r>
+            <a:r>
+              <a:rPr sz="2800">
+                <a:solidFill>
+                  <a:schemeClr val="tx1"/>
+                </a:solidFill>
+                <a:sym typeface="+mn-ea"/>
+              </a:rPr>
+              <a:t>对象</a:t>
+            </a:r>
+            <a:r>
+              <a:rPr lang="zh-CN" sz="2800">
+                <a:solidFill>
+                  <a:schemeClr val="tx1"/>
+                </a:solidFill>
+                <a:sym typeface="+mn-ea"/>
+              </a:rPr>
+              <a:t>（</a:t>
+            </a:r>
+            <a:r>
+              <a:rPr lang="en-US" altLang="zh-CN" sz="2800">
+                <a:solidFill>
+                  <a:schemeClr val="tx1"/>
+                </a:solidFill>
+                <a:sym typeface="+mn-ea"/>
+              </a:rPr>
+              <a:t>SVG</a:t>
+            </a:r>
+            <a:r>
+              <a:rPr lang="zh-CN" sz="2800">
+                <a:solidFill>
+                  <a:schemeClr val="accent3"/>
+                </a:solidFill>
+                <a:sym typeface="+mn-ea"/>
+              </a:rPr>
+              <a:t>保留模式</a:t>
+            </a:r>
+            <a:r>
+              <a:rPr lang="zh-CN" sz="2800">
+                <a:solidFill>
+                  <a:schemeClr val="tx1"/>
+                </a:solidFill>
+                <a:sym typeface="+mn-ea"/>
+              </a:rPr>
+              <a:t>区别于</a:t>
+            </a:r>
+            <a:r>
+              <a:rPr lang="en-US" altLang="zh-CN" sz="2800">
+                <a:solidFill>
+                  <a:schemeClr val="tx1"/>
+                </a:solidFill>
+                <a:sym typeface="+mn-ea"/>
+              </a:rPr>
+              <a:t>Canvas</a:t>
+            </a:r>
+            <a:r>
+              <a:rPr lang="zh-CN" altLang="en-US" sz="2800">
+                <a:solidFill>
+                  <a:schemeClr val="tx1"/>
+                </a:solidFill>
+                <a:sym typeface="+mn-ea"/>
+              </a:rPr>
+              <a:t>的</a:t>
+            </a:r>
+            <a:r>
+              <a:rPr lang="zh-CN" altLang="en-US" sz="2800">
+                <a:solidFill>
+                  <a:schemeClr val="accent3"/>
+                </a:solidFill>
+                <a:sym typeface="+mn-ea"/>
+              </a:rPr>
+              <a:t>即时模式</a:t>
+            </a:r>
+            <a:r>
+              <a:rPr lang="zh-CN" altLang="en-US" sz="2800">
+                <a:solidFill>
+                  <a:schemeClr val="tx1"/>
+                </a:solidFill>
+                <a:sym typeface="+mn-ea"/>
+              </a:rPr>
+              <a:t>），</a:t>
+            </a:r>
+            <a:r>
+              <a:rPr sz="2800">
+                <a:solidFill>
+                  <a:schemeClr val="tx1"/>
+                </a:solidFill>
+                <a:sym typeface="+mn-ea"/>
+              </a:rPr>
+              <a:t>如果 SVG 对象的属性发生变化，那么浏览器能够自动重现图形</a:t>
+            </a:r>
+            <a:endParaRPr sz="2800">
+              <a:solidFill>
+                <a:schemeClr val="tx1"/>
+              </a:solidFill>
+              <a:sym typeface="+mn-ea"/>
+            </a:endParaRPr>
+          </a:p>
+          <a:p>
+            <a:pPr marL="0" indent="0">
+              <a:buFont typeface="Wingdings 2" panose="05020102010507070707" pitchFamily="18" charset="2"/>
+              <a:buNone/>
+            </a:pPr>
+            <a:endParaRPr lang="en-US" altLang="zh-CN" noProof="1">
+              <a:solidFill>
+                <a:schemeClr val="tx1"/>
+              </a:solidFill>
+              <a:latin typeface="微软雅黑" panose="020B0503020204020204" pitchFamily="34" charset="-122"/>
+              <a:ea typeface="微软雅黑" panose="020B0503020204020204" pitchFamily="34" charset="-122"/>
+            </a:endParaRPr>
+          </a:p>
+        </p:txBody>
+      </p:sp>
+      <p:sp>
+        <p:nvSpPr>
+          <p:cNvPr id="2" name="内容占位符 1"/>
+          <p:cNvSpPr>
+            <a:spLocks noGrp="1"/>
+          </p:cNvSpPr>
+          <p:nvPr>
+            <p:ph sz="quarter" idx="11"/>
+          </p:nvPr>
+        </p:nvSpPr>
+        <p:spPr>
+          <a:xfrm>
+            <a:off x="947420" y="236855"/>
+            <a:ext cx="8415655" cy="490220"/>
+          </a:xfrm>
+        </p:spPr>
+        <p:txBody>
+          <a:bodyPr/>
+          <a:p>
+            <a:pPr algn="l">
+              <a:buNone/>
+            </a:pPr>
+            <a:r>
+              <a:rPr kumimoji="0" lang="en-US" altLang="zh-CN" sz="3200" dirty="0">
+                <a:solidFill>
+                  <a:srgbClr val="C00000"/>
+                </a:solidFill>
+                <a:cs typeface="+mn-cs"/>
+              </a:rPr>
+              <a:t>SVG </a:t>
+            </a:r>
+            <a:r>
+              <a:rPr kumimoji="0" lang="zh-CN" altLang="en-US" sz="3200" dirty="0">
+                <a:solidFill>
+                  <a:srgbClr val="C00000"/>
+                </a:solidFill>
+                <a:cs typeface="+mn-cs"/>
+              </a:rPr>
+              <a:t>（</a:t>
+            </a:r>
+            <a:r>
+              <a:rPr kumimoji="0" lang="en-US" altLang="zh-CN" sz="3200" dirty="0">
+                <a:solidFill>
+                  <a:srgbClr val="C00000"/>
+                </a:solidFill>
+                <a:cs typeface="+mn-cs"/>
+              </a:rPr>
+              <a:t>Scalable Vector Graphics</a:t>
+            </a:r>
+            <a:r>
+              <a:rPr kumimoji="0" lang="zh-CN" altLang="en-US" sz="3200" dirty="0">
+                <a:solidFill>
+                  <a:srgbClr val="C00000"/>
+                </a:solidFill>
+                <a:cs typeface="+mn-cs"/>
+              </a:rPr>
+              <a:t>）概述</a:t>
+            </a:r>
+            <a:endParaRPr kumimoji="0" lang="zh-CN" altLang="en-US" sz="3200" dirty="0">
+              <a:solidFill>
+                <a:srgbClr val="C00000"/>
+              </a:solidFill>
+              <a:cs typeface="+mn-cs"/>
+            </a:endParaRPr>
+          </a:p>
+        </p:txBody>
+      </p:sp>
+    </p:spTree>
+  </p:cSld>
+  <p:clrMapOvr>
+    <a:masterClrMapping/>
+  </p:clrMapOvr>
+  <p:timing>
+    <p:tnLst>
+      <p:par>
+        <p:cTn id="1" dur="indefinite" restart="never" nodeType="tmRoot">
+          <p:childTnLst>
+            <p:seq concurrent="1" nextAc="seek">
+              <p:cTn id="2" dur="indefinite" nodeType="mainSeq">
+                <p:childTnLst>
+                  <p:par>
+                    <p:cTn id="3" fill="hold">
+                      <p:stCondLst>
+                        <p:cond delay="indefinite"/>
+                      </p:stCondLst>
+                      <p:childTnLst>
+                        <p:par>
+                          <p:cTn id="4" fill="hold">
+                            <p:stCondLst>
+                              <p:cond delay="0"/>
+                            </p:stCondLst>
+                            <p:childTnLst>
+                              <p:par>
+                                <p:cTn id="5" presetID="2" presetClass="entr" presetSubtype="4" fill="hold" nodeType="clickEffect">
+                                  <p:stCondLst>
+                                    <p:cond delay="0"/>
+                                  </p:stCondLst>
+                                  <p:childTnLst>
+                                    <p:set>
+                                      <p:cBhvr>
+                                        <p:cTn id="6" dur="1" fill="hold">
+                                          <p:stCondLst>
+                                            <p:cond delay="0"/>
+                                          </p:stCondLst>
+                                        </p:cTn>
+                                        <p:tgtEl>
+                                          <p:spTgt spid="5122">
+                                            <p:txEl>
+                                              <p:pRg st="0" end="0"/>
+                                            </p:txEl>
+                                          </p:spTgt>
+                                        </p:tgtEl>
+                                        <p:attrNameLst>
+                                          <p:attrName>style.visibility</p:attrName>
+                                        </p:attrNameLst>
+                                      </p:cBhvr>
+                                      <p:to>
+                                        <p:strVal val="visible"/>
+                                      </p:to>
+                                    </p:set>
+                                    <p:anim calcmode="lin" valueType="num">
+                                      <p:cBhvr additive="base">
+                                        <p:cTn id="7" dur="500" fill="hold"/>
+                                        <p:tgtEl>
+                                          <p:spTgt spid="5122">
+                                            <p:txEl>
+                                              <p:pRg st="0" end="0"/>
+                                            </p:txEl>
+                                          </p:spTgt>
+                                        </p:tgtEl>
+                                        <p:attrNameLst>
+                                          <p:attrName>ppt_x</p:attrName>
+                                        </p:attrNameLst>
+                                      </p:cBhvr>
+                                      <p:tavLst>
+                                        <p:tav tm="0">
+                                          <p:val>
+                                            <p:strVal val="#ppt_x"/>
+                                          </p:val>
+                                        </p:tav>
+                                        <p:tav tm="100000">
+                                          <p:val>
+                                            <p:strVal val="#ppt_x"/>
+                                          </p:val>
+                                        </p:tav>
+                                      </p:tavLst>
+                                    </p:anim>
+                                    <p:anim calcmode="lin" valueType="num">
+                                      <p:cBhvr additive="base">
+                                        <p:cTn id="8" dur="500" fill="hold"/>
+                                        <p:tgtEl>
+                                          <p:spTgt spid="5122">
+                                            <p:txEl>
+                                              <p:pRg st="0" end="0"/>
+                                            </p:txEl>
+                                          </p:spTgt>
+                                        </p:tgtEl>
+                                        <p:attrNameLst>
+                                          <p:attrName>ppt_y</p:attrName>
+                                        </p:attrNameLst>
+                                      </p:cBhvr>
+                                      <p:tavLst>
+                                        <p:tav tm="0">
+                                          <p:val>
+                                            <p:strVal val="1+#ppt_h/2"/>
+                                          </p:val>
+                                        </p:tav>
+                                        <p:tav tm="100000">
+                                          <p:val>
+                                            <p:strVal val="#ppt_y"/>
+                                          </p:val>
+                                        </p:tav>
+                                      </p:tavLst>
+                                    </p:anim>
+                                  </p:childTnLst>
+                                </p:cTn>
+                              </p:par>
+                            </p:childTnLst>
+                          </p:cTn>
+                        </p:par>
+                      </p:childTnLst>
+                    </p:cTn>
+                  </p:par>
+                  <p:par>
+                    <p:cTn id="9" fill="hold">
+                      <p:stCondLst>
+                        <p:cond delay="indefinite"/>
+                      </p:stCondLst>
+                      <p:childTnLst>
+                        <p:par>
+                          <p:cTn id="10" fill="hold">
+                            <p:stCondLst>
+                              <p:cond delay="0"/>
+                            </p:stCondLst>
+                            <p:childTnLst>
+                              <p:par>
+                                <p:cTn id="11" presetID="2" presetClass="entr" presetSubtype="4" fill="hold" nodeType="clickEffect">
+                                  <p:stCondLst>
+                                    <p:cond delay="0"/>
+                                  </p:stCondLst>
+                                  <p:childTnLst>
+                                    <p:set>
+                                      <p:cBhvr>
+                                        <p:cTn id="12" dur="1" fill="hold">
+                                          <p:stCondLst>
+                                            <p:cond delay="0"/>
+                                          </p:stCondLst>
+                                        </p:cTn>
+                                        <p:tgtEl>
+                                          <p:spTgt spid="5122">
+                                            <p:txEl>
+                                              <p:pRg st="1" end="1"/>
+                                            </p:txEl>
+                                          </p:spTgt>
+                                        </p:tgtEl>
+                                        <p:attrNameLst>
+                                          <p:attrName>style.visibility</p:attrName>
+                                        </p:attrNameLst>
+                                      </p:cBhvr>
+                                      <p:to>
+                                        <p:strVal val="visible"/>
+                                      </p:to>
+                                    </p:set>
+                                    <p:anim calcmode="lin" valueType="num">
+                                      <p:cBhvr additive="base">
+                                        <p:cTn id="13" dur="500" fill="hold"/>
+                                        <p:tgtEl>
+                                          <p:spTgt spid="5122">
+                                            <p:txEl>
+                                              <p:pRg st="1" end="1"/>
+                                            </p:txEl>
+                                          </p:spTgt>
+                                        </p:tgtEl>
+                                        <p:attrNameLst>
+                                          <p:attrName>ppt_x</p:attrName>
+                                        </p:attrNameLst>
+                                      </p:cBhvr>
+                                      <p:tavLst>
+                                        <p:tav tm="0">
+                                          <p:val>
+                                            <p:strVal val="#ppt_x"/>
+                                          </p:val>
+                                        </p:tav>
+                                        <p:tav tm="100000">
+                                          <p:val>
+                                            <p:strVal val="#ppt_x"/>
+                                          </p:val>
+                                        </p:tav>
+                                      </p:tavLst>
+                                    </p:anim>
+                                    <p:anim calcmode="lin" valueType="num">
+                                      <p:cBhvr additive="base">
+                                        <p:cTn id="14" dur="500" fill="hold"/>
+                                        <p:tgtEl>
+                                          <p:spTgt spid="5122">
+                                            <p:txEl>
+                                              <p:pRg st="1" end="1"/>
+                                            </p:txEl>
+                                          </p:spTgt>
+                                        </p:tgtEl>
+                                        <p:attrNameLst>
+                                          <p:attrName>ppt_y</p:attrName>
+                                        </p:attrNameLst>
+                                      </p:cBhvr>
+                                      <p:tavLst>
+                                        <p:tav tm="0">
+                                          <p:val>
+                                            <p:strVal val="1+#ppt_h/2"/>
+                                          </p:val>
+                                        </p:tav>
+                                        <p:tav tm="100000">
+                                          <p:val>
+                                            <p:strVal val="#ppt_y"/>
+                                          </p:val>
+                                        </p:tav>
+                                      </p:tavLst>
+                                    </p:anim>
+                                  </p:childTnLst>
+                                </p:cTn>
+                              </p:par>
+                            </p:childTnLst>
+                          </p:cTn>
+                        </p:par>
+                      </p:childTnLst>
+                    </p:cTn>
+                  </p:par>
+                  <p:par>
+                    <p:cTn id="15" fill="hold">
+                      <p:stCondLst>
+                        <p:cond delay="indefinite"/>
+                      </p:stCondLst>
+                      <p:childTnLst>
+                        <p:par>
+                          <p:cTn id="16" fill="hold">
+                            <p:stCondLst>
+                              <p:cond delay="0"/>
+                            </p:stCondLst>
+                            <p:childTnLst>
+                              <p:par>
+                                <p:cTn id="17" presetID="2" presetClass="entr" presetSubtype="4" fill="hold" nodeType="clickEffect">
+                                  <p:stCondLst>
+                                    <p:cond delay="0"/>
+                                  </p:stCondLst>
+                                  <p:childTnLst>
+                                    <p:set>
+                                      <p:cBhvr>
+                                        <p:cTn id="18" dur="1" fill="hold">
+                                          <p:stCondLst>
+                                            <p:cond delay="0"/>
+                                          </p:stCondLst>
+                                        </p:cTn>
+                                        <p:tgtEl>
+                                          <p:spTgt spid="5122">
+                                            <p:txEl>
+                                              <p:pRg st="2" end="2"/>
+                                            </p:txEl>
+                                          </p:spTgt>
+                                        </p:tgtEl>
+                                        <p:attrNameLst>
+                                          <p:attrName>style.visibility</p:attrName>
+                                        </p:attrNameLst>
+                                      </p:cBhvr>
+                                      <p:to>
+                                        <p:strVal val="visible"/>
+                                      </p:to>
+                                    </p:set>
+                                    <p:anim calcmode="lin" valueType="num">
+                                      <p:cBhvr additive="base">
+                                        <p:cTn id="19" dur="500" fill="hold"/>
+                                        <p:tgtEl>
+                                          <p:spTgt spid="5122">
+                                            <p:txEl>
+                                              <p:pRg st="2" end="2"/>
+                                            </p:txEl>
+                                          </p:spTgt>
+                                        </p:tgtEl>
+                                        <p:attrNameLst>
+                                          <p:attrName>ppt_x</p:attrName>
+                                        </p:attrNameLst>
+                                      </p:cBhvr>
+                                      <p:tavLst>
+                                        <p:tav tm="0">
+                                          <p:val>
+                                            <p:strVal val="#ppt_x"/>
+                                          </p:val>
+                                        </p:tav>
+                                        <p:tav tm="100000">
+                                          <p:val>
+                                            <p:strVal val="#ppt_x"/>
+                                          </p:val>
+                                        </p:tav>
+                                      </p:tavLst>
+                                    </p:anim>
+                                    <p:anim calcmode="lin" valueType="num">
+                                      <p:cBhvr additive="base">
+                                        <p:cTn id="20" dur="500" fill="hold"/>
+                                        <p:tgtEl>
+                                          <p:spTgt spid="5122">
+                                            <p:txEl>
+                                              <p:pRg st="2" end="2"/>
+                                            </p:txEl>
+                                          </p:spTgt>
+                                        </p:tgtEl>
+                                        <p:attrNameLst>
+                                          <p:attrName>ppt_y</p:attrName>
+                                        </p:attrNameLst>
+                                      </p:cBhvr>
+                                      <p:tavLst>
+                                        <p:tav tm="0">
+                                          <p:val>
+                                            <p:strVal val="1+#ppt_h/2"/>
+                                          </p:val>
+                                        </p:tav>
+                                        <p:tav tm="100000">
+                                          <p:val>
+                                            <p:strVal val="#ppt_y"/>
+                                          </p:val>
+                                        </p:tav>
+                                      </p:tavLst>
+                                    </p:anim>
+                                  </p:childTnLst>
+                                </p:cTn>
+                              </p:par>
+                            </p:childTnLst>
+                          </p:cTn>
+                        </p:par>
+                      </p:childTnLst>
+                    </p:cTn>
+                  </p:par>
+                </p:childTnLst>
+              </p:cTn>
+              <p:prevCondLst>
+                <p:cond evt="onPrev" delay="0">
+                  <p:tgtEl>
+                    <p:sldTgt/>
+                  </p:tgtEl>
+                </p:cond>
+              </p:prevCondLst>
+              <p:nextCondLst>
+                <p:cond evt="onNext" delay="0">
+                  <p:tgtEl>
+                    <p:sldTgt/>
+                  </p:tgtEl>
+                </p:cond>
+              </p:nextCondLst>
+            </p:seq>
+          </p:childTnLst>
+        </p:cTn>
+      </p:par>
+    </p:tnLst>
+  </p:timing>
+</p:sld>
+</file>
+
+<file path=ppt/slides/slide11.xml><?xml version="1.0" encoding="utf-8"?>
 <p:sld xmlns:a="http://schemas.openxmlformats.org/drawingml/2006/main" xmlns:r="http://schemas.openxmlformats.org/officeDocument/2006/relationships" xmlns:p="http://schemas.openxmlformats.org/presentationml/2006/main">
   <p:cSld>
     <p:spTree>
@@ -3228,7 +4175,7 @@
 </p:sld>
 </file>
 
-<file path=ppt/slides/slide11.xml><?xml version="1.0" encoding="utf-8"?>
+<file path=ppt/slides/slide12.xml><?xml version="1.0" encoding="utf-8"?>
 <p:sld xmlns:a="http://schemas.openxmlformats.org/drawingml/2006/main" xmlns:r="http://schemas.openxmlformats.org/officeDocument/2006/relationships" xmlns:p="http://schemas.openxmlformats.org/presentationml/2006/main">
   <p:cSld>
     <p:spTree>
@@ -3385,8 +4332,8 @@
         </p:nvSpPr>
         <p:spPr>
           <a:xfrm>
-            <a:off x="7329170" y="6106160"/>
-            <a:ext cx="3918585" cy="429895"/>
+            <a:off x="5463540" y="5962650"/>
+            <a:ext cx="5893435" cy="768350"/>
           </a:xfrm>
           <a:prstGeom prst="rect">
             <a:avLst/>
@@ -3417,9 +4364,69 @@
                 <a:latin typeface="+mn-ea"/>
                 <a:ea typeface="+mn-ea"/>
               </a:rPr>
-              <a:t>LS01_02.html</a:t>
-            </a:r>
-            <a:endParaRPr lang="en-US" altLang="zh-CN" sz="2200">
+              <a:t>LS01_02.html </a:t>
+            </a:r>
+            <a:r>
+              <a:rPr lang="zh-CN" altLang="en-US" sz="2200">
+                <a:solidFill>
+                  <a:srgbClr val="FF0000"/>
+                </a:solidFill>
+                <a:latin typeface="+mn-ea"/>
+                <a:ea typeface="+mn-ea"/>
+              </a:rPr>
+              <a:t>（在</a:t>
+            </a:r>
+            <a:r>
+              <a:rPr lang="en-US" altLang="zh-CN" sz="2200">
+                <a:solidFill>
+                  <a:srgbClr val="FF0000"/>
+                </a:solidFill>
+                <a:latin typeface="+mn-ea"/>
+                <a:ea typeface="+mn-ea"/>
+              </a:rPr>
+              <a:t>Chome</a:t>
+            </a:r>
+            <a:r>
+              <a:rPr lang="zh-CN" altLang="en-US" sz="2200">
+                <a:solidFill>
+                  <a:srgbClr val="FF0000"/>
+                </a:solidFill>
+                <a:latin typeface="+mn-ea"/>
+                <a:ea typeface="+mn-ea"/>
+              </a:rPr>
+              <a:t>浏览器中进行缩放，对比之前的</a:t>
+            </a:r>
+            <a:r>
+              <a:rPr lang="en-US" altLang="zh-CN" sz="2200">
+                <a:solidFill>
+                  <a:srgbClr val="FF0000"/>
+                </a:solidFill>
+                <a:latin typeface="+mn-ea"/>
+                <a:ea typeface="+mn-ea"/>
+              </a:rPr>
+              <a:t>LS01_01.html</a:t>
+            </a:r>
+            <a:r>
+              <a:rPr lang="zh-CN" altLang="en-US" sz="2200">
+                <a:solidFill>
+                  <a:srgbClr val="FF0000"/>
+                </a:solidFill>
+                <a:latin typeface="+mn-ea"/>
+                <a:ea typeface="+mn-ea"/>
+              </a:rPr>
+              <a:t>案例</a:t>
+            </a:r>
+            <a:r>
+              <a:rPr lang="zh-CN" altLang="en-US" sz="2200">
+                <a:solidFill>
+                  <a:srgbClr val="FF0000"/>
+                </a:solidFill>
+                <a:latin typeface="+mn-ea"/>
+                <a:ea typeface="+mn-ea"/>
+              </a:rPr>
+              <a:t>）</a:t>
+            </a:r>
+            <a:endParaRPr lang="zh-CN" altLang="en-US" sz="2200">
               <a:solidFill>
                 <a:srgbClr val="FF0000"/>
               </a:solidFill>
@@ -3746,7 +4753,7 @@
 </p:sld>
 </file>
 
-<file path=ppt/slides/slide12.xml><?xml version="1.0" encoding="utf-8"?>
+<file path=ppt/slides/slide13.xml><?xml version="1.0" encoding="utf-8"?>
 <p:sld xmlns:a="http://schemas.openxmlformats.org/drawingml/2006/main" xmlns:r="http://schemas.openxmlformats.org/officeDocument/2006/relationships" xmlns:p="http://schemas.openxmlformats.org/presentationml/2006/main">
   <p:cSld>
     <p:spTree>
@@ -3824,7 +4831,25 @@
                 </a:solidFill>
                 <a:sym typeface="+mn-ea"/>
               </a:rPr>
-              <a:t>（基于像素的位图）、事件模型/用户交互是粒度（x，y）</a:t>
+              <a:t>（基于像素的</a:t>
+            </a:r>
+            <a:r>
+              <a:rPr lang="zh-CN" altLang="en-US" sz="2000" noProof="1">
+                <a:solidFill>
+                  <a:srgbClr val="FF0000"/>
+                </a:solidFill>
+                <a:sym typeface="+mn-ea"/>
+              </a:rPr>
+              <a:t>位图</a:t>
+            </a:r>
+            <a:r>
+              <a:rPr lang="zh-CN" altLang="en-US" sz="2000" noProof="1">
+                <a:solidFill>
+                  <a:schemeClr val="tx1"/>
+                </a:solidFill>
+                <a:sym typeface="+mn-ea"/>
+              </a:rPr>
+              <a:t>）、事件模型/用户交互是粒度（x，y）</a:t>
             </a:r>
             <a:br>
               <a:rPr lang="en-US" altLang="zh-CN" sz="2000" noProof="1">
@@ -3859,7 +4884,43 @@
                 </a:solidFill>
                 <a:sym typeface="+mn-ea"/>
               </a:rPr>
-              <a:t>即时模式（immediate mode）</a:t>
+              <a:t>即时模式（</a:t>
+            </a:r>
+            <a:r>
+              <a:rPr lang="en-US" altLang="zh-CN" sz="2000">
+                <a:solidFill>
+                  <a:schemeClr val="accent3"/>
+                </a:solidFill>
+                <a:sym typeface="+mn-ea"/>
+              </a:rPr>
+              <a:t>I</a:t>
+            </a:r>
+            <a:r>
+              <a:rPr lang="zh-CN" altLang="en-US" sz="2000">
+                <a:solidFill>
+                  <a:schemeClr val="accent3"/>
+                </a:solidFill>
+                <a:sym typeface="+mn-ea"/>
+              </a:rPr>
+              <a:t>mmediate </a:t>
+            </a:r>
+            <a:r>
+              <a:rPr lang="en-US" altLang="zh-CN" sz="2000">
+                <a:solidFill>
+                  <a:schemeClr val="accent3"/>
+                </a:solidFill>
+                <a:sym typeface="+mn-ea"/>
+              </a:rPr>
+              <a:t>M</a:t>
+            </a:r>
+            <a:r>
+              <a:rPr lang="zh-CN" altLang="en-US" sz="2000">
+                <a:solidFill>
+                  <a:schemeClr val="accent3"/>
+                </a:solidFill>
+                <a:sym typeface="+mn-ea"/>
+              </a:rPr>
+              <a:t>ode）</a:t>
             </a:r>
             <a:br>
               <a:rPr lang="zh-CN" altLang="en-US" sz="2000" noProof="1">
@@ -3927,7 +4988,25 @@
                 </a:solidFill>
                 <a:sym typeface="+mn-ea"/>
               </a:rPr>
-              <a:t>（基于形状的矢量图）、事件模型/用户交互被抽象（rect，path）</a:t>
+              <a:t>（基于形状的</a:t>
+            </a:r>
+            <a:r>
+              <a:rPr lang="zh-CN" altLang="en-US" sz="2000" noProof="1">
+                <a:solidFill>
+                  <a:srgbClr val="FF0000"/>
+                </a:solidFill>
+                <a:sym typeface="+mn-ea"/>
+              </a:rPr>
+              <a:t>矢量图</a:t>
+            </a:r>
+            <a:r>
+              <a:rPr lang="zh-CN" altLang="en-US" sz="2000" noProof="1">
+                <a:solidFill>
+                  <a:schemeClr val="tx1"/>
+                </a:solidFill>
+                <a:sym typeface="+mn-ea"/>
+              </a:rPr>
+              <a:t>）、事件模型/用户交互被抽象（rect，path）</a:t>
             </a:r>
             <a:br>
               <a:rPr lang="zh-CN" altLang="en-US" sz="2000" noProof="1">
@@ -4087,6 +5166,1961 @@
           </a:p>
         </p:txBody>
       </p:sp>
+    </p:spTree>
+  </p:cSld>
+  <p:clrMapOvr>
+    <a:masterClrMapping/>
+  </p:clrMapOvr>
+  <p:timing>
+    <p:tnLst>
+      <p:par>
+        <p:cTn id="1" dur="indefinite" restart="never" nodeType="tmRoot">
+          <p:childTnLst>
+            <p:seq concurrent="1" nextAc="seek">
+              <p:cTn id="2" dur="indefinite" nodeType="mainSeq">
+                <p:childTnLst>
+                  <p:par>
+                    <p:cTn id="3" fill="hold">
+                      <p:stCondLst>
+                        <p:cond delay="indefinite"/>
+                      </p:stCondLst>
+                      <p:childTnLst>
+                        <p:par>
+                          <p:cTn id="4" fill="hold">
+                            <p:stCondLst>
+                              <p:cond delay="0"/>
+                            </p:stCondLst>
+                            <p:childTnLst>
+                              <p:par>
+                                <p:cTn id="5" presetID="2" presetClass="entr" presetSubtype="4" fill="hold" nodeType="clickEffect">
+                                  <p:stCondLst>
+                                    <p:cond delay="0"/>
+                                  </p:stCondLst>
+                                  <p:childTnLst>
+                                    <p:set>
+                                      <p:cBhvr>
+                                        <p:cTn id="6" dur="1" fill="hold">
+                                          <p:stCondLst>
+                                            <p:cond delay="0"/>
+                                          </p:stCondLst>
+                                        </p:cTn>
+                                        <p:tgtEl>
+                                          <p:spTgt spid="5122">
+                                            <p:txEl>
+                                              <p:pRg st="0" end="0"/>
+                                            </p:txEl>
+                                          </p:spTgt>
+                                        </p:tgtEl>
+                                        <p:attrNameLst>
+                                          <p:attrName>style.visibility</p:attrName>
+                                        </p:attrNameLst>
+                                      </p:cBhvr>
+                                      <p:to>
+                                        <p:strVal val="visible"/>
+                                      </p:to>
+                                    </p:set>
+                                    <p:anim calcmode="lin" valueType="num">
+                                      <p:cBhvr additive="base">
+                                        <p:cTn id="7" dur="500" fill="hold"/>
+                                        <p:tgtEl>
+                                          <p:spTgt spid="5122">
+                                            <p:txEl>
+                                              <p:pRg st="0" end="0"/>
+                                            </p:txEl>
+                                          </p:spTgt>
+                                        </p:tgtEl>
+                                        <p:attrNameLst>
+                                          <p:attrName>ppt_x</p:attrName>
+                                        </p:attrNameLst>
+                                      </p:cBhvr>
+                                      <p:tavLst>
+                                        <p:tav tm="0">
+                                          <p:val>
+                                            <p:strVal val="#ppt_x"/>
+                                          </p:val>
+                                        </p:tav>
+                                        <p:tav tm="100000">
+                                          <p:val>
+                                            <p:strVal val="#ppt_x"/>
+                                          </p:val>
+                                        </p:tav>
+                                      </p:tavLst>
+                                    </p:anim>
+                                    <p:anim calcmode="lin" valueType="num">
+                                      <p:cBhvr additive="base">
+                                        <p:cTn id="8" dur="500" fill="hold"/>
+                                        <p:tgtEl>
+                                          <p:spTgt spid="5122">
+                                            <p:txEl>
+                                              <p:pRg st="0" end="0"/>
+                                            </p:txEl>
+                                          </p:spTgt>
+                                        </p:tgtEl>
+                                        <p:attrNameLst>
+                                          <p:attrName>ppt_y</p:attrName>
+                                        </p:attrNameLst>
+                                      </p:cBhvr>
+                                      <p:tavLst>
+                                        <p:tav tm="0">
+                                          <p:val>
+                                            <p:strVal val="1+#ppt_h/2"/>
+                                          </p:val>
+                                        </p:tav>
+                                        <p:tav tm="100000">
+                                          <p:val>
+                                            <p:strVal val="#ppt_y"/>
+                                          </p:val>
+                                        </p:tav>
+                                      </p:tavLst>
+                                    </p:anim>
+                                  </p:childTnLst>
+                                </p:cTn>
+                              </p:par>
+                            </p:childTnLst>
+                          </p:cTn>
+                        </p:par>
+                      </p:childTnLst>
+                    </p:cTn>
+                  </p:par>
+                  <p:par>
+                    <p:cTn id="9" fill="hold">
+                      <p:stCondLst>
+                        <p:cond delay="indefinite"/>
+                      </p:stCondLst>
+                      <p:childTnLst>
+                        <p:par>
+                          <p:cTn id="10" fill="hold">
+                            <p:stCondLst>
+                              <p:cond delay="0"/>
+                            </p:stCondLst>
+                            <p:childTnLst>
+                              <p:par>
+                                <p:cTn id="11" presetID="2" presetClass="entr" presetSubtype="4" fill="hold" nodeType="clickEffect">
+                                  <p:stCondLst>
+                                    <p:cond delay="0"/>
+                                  </p:stCondLst>
+                                  <p:childTnLst>
+                                    <p:set>
+                                      <p:cBhvr>
+                                        <p:cTn id="12" dur="1" fill="hold">
+                                          <p:stCondLst>
+                                            <p:cond delay="0"/>
+                                          </p:stCondLst>
+                                        </p:cTn>
+                                        <p:tgtEl>
+                                          <p:spTgt spid="5122">
+                                            <p:txEl>
+                                              <p:pRg st="1" end="1"/>
+                                            </p:txEl>
+                                          </p:spTgt>
+                                        </p:tgtEl>
+                                        <p:attrNameLst>
+                                          <p:attrName>style.visibility</p:attrName>
+                                        </p:attrNameLst>
+                                      </p:cBhvr>
+                                      <p:to>
+                                        <p:strVal val="visible"/>
+                                      </p:to>
+                                    </p:set>
+                                    <p:anim calcmode="lin" valueType="num">
+                                      <p:cBhvr additive="base">
+                                        <p:cTn id="13" dur="500" fill="hold"/>
+                                        <p:tgtEl>
+                                          <p:spTgt spid="5122">
+                                            <p:txEl>
+                                              <p:pRg st="1" end="1"/>
+                                            </p:txEl>
+                                          </p:spTgt>
+                                        </p:tgtEl>
+                                        <p:attrNameLst>
+                                          <p:attrName>ppt_x</p:attrName>
+                                        </p:attrNameLst>
+                                      </p:cBhvr>
+                                      <p:tavLst>
+                                        <p:tav tm="0">
+                                          <p:val>
+                                            <p:strVal val="#ppt_x"/>
+                                          </p:val>
+                                        </p:tav>
+                                        <p:tav tm="100000">
+                                          <p:val>
+                                            <p:strVal val="#ppt_x"/>
+                                          </p:val>
+                                        </p:tav>
+                                      </p:tavLst>
+                                    </p:anim>
+                                    <p:anim calcmode="lin" valueType="num">
+                                      <p:cBhvr additive="base">
+                                        <p:cTn id="14" dur="500" fill="hold"/>
+                                        <p:tgtEl>
+                                          <p:spTgt spid="5122">
+                                            <p:txEl>
+                                              <p:pRg st="1" end="1"/>
+                                            </p:txEl>
+                                          </p:spTgt>
+                                        </p:tgtEl>
+                                        <p:attrNameLst>
+                                          <p:attrName>ppt_y</p:attrName>
+                                        </p:attrNameLst>
+                                      </p:cBhvr>
+                                      <p:tavLst>
+                                        <p:tav tm="0">
+                                          <p:val>
+                                            <p:strVal val="1+#ppt_h/2"/>
+                                          </p:val>
+                                        </p:tav>
+                                        <p:tav tm="100000">
+                                          <p:val>
+                                            <p:strVal val="#ppt_y"/>
+                                          </p:val>
+                                        </p:tav>
+                                      </p:tavLst>
+                                    </p:anim>
+                                  </p:childTnLst>
+                                </p:cTn>
+                              </p:par>
+                            </p:childTnLst>
+                          </p:cTn>
+                        </p:par>
+                      </p:childTnLst>
+                    </p:cTn>
+                  </p:par>
+                </p:childTnLst>
+              </p:cTn>
+              <p:prevCondLst>
+                <p:cond evt="onPrev" delay="0">
+                  <p:tgtEl>
+                    <p:sldTgt/>
+                  </p:tgtEl>
+                </p:cond>
+              </p:prevCondLst>
+              <p:nextCondLst>
+                <p:cond evt="onNext" delay="0">
+                  <p:tgtEl>
+                    <p:sldTgt/>
+                  </p:tgtEl>
+                </p:cond>
+              </p:nextCondLst>
+            </p:seq>
+          </p:childTnLst>
+        </p:cTn>
+      </p:par>
+    </p:tnLst>
+  </p:timing>
+</p:sld>
+</file>
+
+<file path=ppt/slides/slide14.xml><?xml version="1.0" encoding="utf-8"?>
+<p:sld xmlns:a="http://schemas.openxmlformats.org/drawingml/2006/main" xmlns:r="http://schemas.openxmlformats.org/officeDocument/2006/relationships" xmlns:p="http://schemas.openxmlformats.org/presentationml/2006/main">
+  <p:cSld>
+    <p:spTree>
+      <p:nvGrpSpPr>
+        <p:cNvPr id="1" name=""/>
+        <p:cNvGrpSpPr/>
+        <p:nvPr/>
+      </p:nvGrpSpPr>
+      <p:grpSpPr>
+        <a:xfrm>
+          <a:off x="0" y="0"/>
+          <a:ext cx="0" cy="0"/>
+          <a:chOff x="0" y="0"/>
+          <a:chExt cx="0" cy="0"/>
+        </a:xfrm>
+      </p:grpSpPr>
+      <p:sp>
+        <p:nvSpPr>
+          <p:cNvPr id="5122" name="内容占位符 2"/>
+          <p:cNvSpPr>
+            <a:spLocks noGrp="1"/>
+          </p:cNvSpPr>
+          <p:nvPr>
+            <p:ph idx="1"/>
+          </p:nvPr>
+        </p:nvSpPr>
+        <p:spPr>
+          <a:xfrm>
+            <a:off x="968375" y="829945"/>
+            <a:ext cx="9882505" cy="5250815"/>
+          </a:xfrm>
+        </p:spPr>
+        <p:txBody>
+          <a:bodyPr/>
+          <a:lstStyle/>
+          <a:p>
+            <a:pPr>
+              <a:lnSpc>
+                <a:spcPct val="150000"/>
+              </a:lnSpc>
+              <a:spcBef>
+                <a:spcPts val="1000"/>
+              </a:spcBef>
+            </a:pPr>
+            <a:r>
+              <a:rPr lang="zh-CN" altLang="en-US" sz="2800" noProof="1">
+                <a:solidFill>
+                  <a:schemeClr val="tx1"/>
+                </a:solidFill>
+                <a:sym typeface="+mn-ea"/>
+              </a:rPr>
+              <a:t>尺寸与数量对性能的影响</a:t>
+            </a:r>
+            <a:br>
+              <a:rPr lang="en-US" altLang="zh-CN" sz="2800" noProof="1">
+                <a:solidFill>
+                  <a:schemeClr val="tx1"/>
+                </a:solidFill>
+                <a:sym typeface="+mn-ea"/>
+              </a:rPr>
+            </a:br>
+            <a:r>
+              <a:rPr lang="en-US" altLang="zh-CN" sz="2000" noProof="1">
+                <a:solidFill>
+                  <a:schemeClr val="tx1"/>
+                </a:solidFill>
+                <a:sym typeface="+mn-ea"/>
+              </a:rPr>
+              <a:t>- </a:t>
+            </a:r>
+            <a:r>
+              <a:rPr sz="2000" noProof="1">
+                <a:solidFill>
+                  <a:schemeClr val="tx1"/>
+                </a:solidFill>
+                <a:sym typeface="+mn-ea"/>
+              </a:rPr>
+              <a:t>通常，随着屏幕尺寸的增加，</a:t>
+            </a:r>
+            <a:r>
+              <a:rPr lang="en-US" sz="2000" noProof="1">
+                <a:solidFill>
+                  <a:schemeClr val="tx1"/>
+                </a:solidFill>
+                <a:sym typeface="+mn-ea"/>
+              </a:rPr>
+              <a:t>Canvas</a:t>
+            </a:r>
+            <a:r>
+              <a:rPr lang="zh-CN" sz="2000" noProof="1">
+                <a:solidFill>
+                  <a:schemeClr val="tx1"/>
+                </a:solidFill>
+                <a:sym typeface="+mn-ea"/>
+              </a:rPr>
+              <a:t>效率</a:t>
+            </a:r>
+            <a:r>
+              <a:rPr sz="2000" noProof="1">
+                <a:solidFill>
+                  <a:schemeClr val="tx1"/>
+                </a:solidFill>
+                <a:sym typeface="+mn-ea"/>
+              </a:rPr>
+              <a:t>开始降低，因为需要绘制更多的像素。随着屏幕上对象数量的增加，SVG</a:t>
+            </a:r>
+            <a:r>
+              <a:rPr lang="zh-CN" sz="2000" noProof="1">
+                <a:solidFill>
+                  <a:schemeClr val="tx1"/>
+                </a:solidFill>
+                <a:sym typeface="+mn-ea"/>
+              </a:rPr>
+              <a:t>效率</a:t>
+            </a:r>
+            <a:r>
+              <a:rPr sz="2000" noProof="1">
+                <a:solidFill>
+                  <a:schemeClr val="tx1"/>
+                </a:solidFill>
+                <a:sym typeface="+mn-ea"/>
+              </a:rPr>
+              <a:t>开始降</a:t>
+            </a:r>
+            <a:r>
+              <a:rPr lang="zh-CN" sz="2000" noProof="1">
+                <a:solidFill>
+                  <a:schemeClr val="tx1"/>
+                </a:solidFill>
+                <a:sym typeface="+mn-ea"/>
+              </a:rPr>
+              <a:t>低</a:t>
+            </a:r>
+            <a:r>
+              <a:rPr sz="2000" noProof="1">
+                <a:solidFill>
+                  <a:schemeClr val="tx1"/>
+                </a:solidFill>
+                <a:sym typeface="+mn-ea"/>
+              </a:rPr>
+              <a:t>，因为我们不断将它们添加到DOM</a:t>
+            </a:r>
+            <a:endParaRPr sz="2000" noProof="1">
+              <a:solidFill>
+                <a:schemeClr val="tx1"/>
+              </a:solidFill>
+              <a:sym typeface="+mn-ea"/>
+            </a:endParaRPr>
+          </a:p>
+          <a:p>
+            <a:pPr marL="0" indent="0">
+              <a:buFont typeface="Wingdings 2" panose="05020102010507070707" pitchFamily="18" charset="2"/>
+              <a:buNone/>
+            </a:pPr>
+            <a:endParaRPr lang="en-US" altLang="zh-CN" noProof="1">
+              <a:solidFill>
+                <a:schemeClr val="tx1"/>
+              </a:solidFill>
+              <a:latin typeface="微软雅黑" panose="020B0503020204020204" pitchFamily="34" charset="-122"/>
+              <a:ea typeface="微软雅黑" panose="020B0503020204020204" pitchFamily="34" charset="-122"/>
+            </a:endParaRPr>
+          </a:p>
+        </p:txBody>
+      </p:sp>
+      <p:sp>
+        <p:nvSpPr>
+          <p:cNvPr id="2" name="内容占位符 1"/>
+          <p:cNvSpPr>
+            <a:spLocks noGrp="1"/>
+          </p:cNvSpPr>
+          <p:nvPr>
+            <p:ph sz="quarter" idx="11"/>
+          </p:nvPr>
+        </p:nvSpPr>
+        <p:spPr>
+          <a:xfrm>
+            <a:off x="947420" y="236855"/>
+            <a:ext cx="8415655" cy="490220"/>
+          </a:xfrm>
+        </p:spPr>
+        <p:txBody>
+          <a:bodyPr/>
+          <a:p>
+            <a:pPr algn="l">
+              <a:buNone/>
+            </a:pPr>
+            <a:r>
+              <a:rPr kumimoji="0" lang="en-US" altLang="zh-CN" sz="3200" dirty="0">
+                <a:solidFill>
+                  <a:srgbClr val="C00000"/>
+                </a:solidFill>
+                <a:cs typeface="+mn-cs"/>
+              </a:rPr>
+              <a:t>Canvas </a:t>
+            </a:r>
+            <a:r>
+              <a:rPr kumimoji="0" lang="zh-CN" altLang="en-US" sz="3200" dirty="0">
+                <a:solidFill>
+                  <a:srgbClr val="C00000"/>
+                </a:solidFill>
+                <a:cs typeface="+mn-cs"/>
+              </a:rPr>
+              <a:t>与 </a:t>
+            </a:r>
+            <a:r>
+              <a:rPr kumimoji="0" lang="en-US" altLang="zh-CN" sz="3200" dirty="0">
+                <a:solidFill>
+                  <a:srgbClr val="C00000"/>
+                </a:solidFill>
+                <a:cs typeface="+mn-cs"/>
+              </a:rPr>
+              <a:t>SVG </a:t>
+            </a:r>
+            <a:r>
+              <a:rPr kumimoji="0" lang="zh-CN" altLang="en-US" sz="3200" dirty="0">
+                <a:solidFill>
+                  <a:srgbClr val="C00000"/>
+                </a:solidFill>
+                <a:cs typeface="+mn-cs"/>
+              </a:rPr>
+              <a:t>对比</a:t>
+            </a:r>
+            <a:endParaRPr kumimoji="0" lang="zh-CN" altLang="en-US" sz="3200" dirty="0">
+              <a:solidFill>
+                <a:srgbClr val="C00000"/>
+              </a:solidFill>
+              <a:cs typeface="+mn-cs"/>
+            </a:endParaRPr>
+          </a:p>
+        </p:txBody>
+      </p:sp>
+      <p:pic>
+        <p:nvPicPr>
+          <p:cNvPr id="3" name="图片 2"/>
+          <p:cNvPicPr>
+            <a:picLocks noChangeAspect="1"/>
+          </p:cNvPicPr>
+          <p:nvPr/>
+        </p:nvPicPr>
+        <p:blipFill>
+          <a:blip r:embed="rId1"/>
+          <a:stretch>
+            <a:fillRect/>
+          </a:stretch>
+        </p:blipFill>
+        <p:spPr>
+          <a:xfrm>
+            <a:off x="2525395" y="2466975"/>
+            <a:ext cx="6768465" cy="3542030"/>
+          </a:xfrm>
+          <a:prstGeom prst="rect">
+            <a:avLst/>
+          </a:prstGeom>
+        </p:spPr>
+      </p:pic>
+    </p:spTree>
+  </p:cSld>
+  <p:clrMapOvr>
+    <a:masterClrMapping/>
+  </p:clrMapOvr>
+  <p:timing>
+    <p:tnLst>
+      <p:par>
+        <p:cTn id="1" dur="indefinite" restart="never" nodeType="tmRoot">
+          <p:childTnLst>
+            <p:seq concurrent="1" nextAc="seek">
+              <p:cTn id="2" dur="indefinite" nodeType="mainSeq">
+                <p:childTnLst>
+                  <p:par>
+                    <p:cTn id="3" fill="hold">
+                      <p:stCondLst>
+                        <p:cond delay="indefinite"/>
+                      </p:stCondLst>
+                      <p:childTnLst>
+                        <p:par>
+                          <p:cTn id="4" fill="hold">
+                            <p:stCondLst>
+                              <p:cond delay="0"/>
+                            </p:stCondLst>
+                            <p:childTnLst>
+                              <p:par>
+                                <p:cTn id="5" presetID="2" presetClass="entr" presetSubtype="4" fill="hold" nodeType="clickEffect">
+                                  <p:stCondLst>
+                                    <p:cond delay="0"/>
+                                  </p:stCondLst>
+                                  <p:childTnLst>
+                                    <p:set>
+                                      <p:cBhvr>
+                                        <p:cTn id="6" dur="1" fill="hold">
+                                          <p:stCondLst>
+                                            <p:cond delay="0"/>
+                                          </p:stCondLst>
+                                        </p:cTn>
+                                        <p:tgtEl>
+                                          <p:spTgt spid="5122">
+                                            <p:txEl>
+                                              <p:pRg st="0" end="0"/>
+                                            </p:txEl>
+                                          </p:spTgt>
+                                        </p:tgtEl>
+                                        <p:attrNameLst>
+                                          <p:attrName>style.visibility</p:attrName>
+                                        </p:attrNameLst>
+                                      </p:cBhvr>
+                                      <p:to>
+                                        <p:strVal val="visible"/>
+                                      </p:to>
+                                    </p:set>
+                                    <p:anim calcmode="lin" valueType="num">
+                                      <p:cBhvr additive="base">
+                                        <p:cTn id="7" dur="500" fill="hold"/>
+                                        <p:tgtEl>
+                                          <p:spTgt spid="5122">
+                                            <p:txEl>
+                                              <p:pRg st="0" end="0"/>
+                                            </p:txEl>
+                                          </p:spTgt>
+                                        </p:tgtEl>
+                                        <p:attrNameLst>
+                                          <p:attrName>ppt_x</p:attrName>
+                                        </p:attrNameLst>
+                                      </p:cBhvr>
+                                      <p:tavLst>
+                                        <p:tav tm="0">
+                                          <p:val>
+                                            <p:strVal val="#ppt_x"/>
+                                          </p:val>
+                                        </p:tav>
+                                        <p:tav tm="100000">
+                                          <p:val>
+                                            <p:strVal val="#ppt_x"/>
+                                          </p:val>
+                                        </p:tav>
+                                      </p:tavLst>
+                                    </p:anim>
+                                    <p:anim calcmode="lin" valueType="num">
+                                      <p:cBhvr additive="base">
+                                        <p:cTn id="8" dur="500" fill="hold"/>
+                                        <p:tgtEl>
+                                          <p:spTgt spid="5122">
+                                            <p:txEl>
+                                              <p:pRg st="0" end="0"/>
+                                            </p:txEl>
+                                          </p:spTgt>
+                                        </p:tgtEl>
+                                        <p:attrNameLst>
+                                          <p:attrName>ppt_y</p:attrName>
+                                        </p:attrNameLst>
+                                      </p:cBhvr>
+                                      <p:tavLst>
+                                        <p:tav tm="0">
+                                          <p:val>
+                                            <p:strVal val="1+#ppt_h/2"/>
+                                          </p:val>
+                                        </p:tav>
+                                        <p:tav tm="100000">
+                                          <p:val>
+                                            <p:strVal val="#ppt_y"/>
+                                          </p:val>
+                                        </p:tav>
+                                      </p:tavLst>
+                                    </p:anim>
+                                  </p:childTnLst>
+                                </p:cTn>
+                              </p:par>
+                            </p:childTnLst>
+                          </p:cTn>
+                        </p:par>
+                      </p:childTnLst>
+                    </p:cTn>
+                  </p:par>
+                  <p:par>
+                    <p:cTn id="9" fill="hold">
+                      <p:stCondLst>
+                        <p:cond delay="indefinite"/>
+                      </p:stCondLst>
+                      <p:childTnLst>
+                        <p:par>
+                          <p:cTn id="10" fill="hold">
+                            <p:stCondLst>
+                              <p:cond delay="0"/>
+                            </p:stCondLst>
+                            <p:childTnLst>
+                              <p:par>
+                                <p:cTn id="11" presetID="2" presetClass="entr" presetSubtype="4" fill="hold" nodeType="clickEffect">
+                                  <p:stCondLst>
+                                    <p:cond delay="0"/>
+                                  </p:stCondLst>
+                                  <p:childTnLst>
+                                    <p:set>
+                                      <p:cBhvr>
+                                        <p:cTn id="12" dur="1" fill="hold">
+                                          <p:stCondLst>
+                                            <p:cond delay="0"/>
+                                          </p:stCondLst>
+                                        </p:cTn>
+                                        <p:tgtEl>
+                                          <p:spTgt spid="3"/>
+                                        </p:tgtEl>
+                                        <p:attrNameLst>
+                                          <p:attrName>style.visibility</p:attrName>
+                                        </p:attrNameLst>
+                                      </p:cBhvr>
+                                      <p:to>
+                                        <p:strVal val="visible"/>
+                                      </p:to>
+                                    </p:set>
+                                    <p:anim calcmode="lin" valueType="num">
+                                      <p:cBhvr additive="base">
+                                        <p:cTn id="13" dur="500" fill="hold"/>
+                                        <p:tgtEl>
+                                          <p:spTgt spid="3"/>
+                                        </p:tgtEl>
+                                        <p:attrNameLst>
+                                          <p:attrName>ppt_x</p:attrName>
+                                        </p:attrNameLst>
+                                      </p:cBhvr>
+                                      <p:tavLst>
+                                        <p:tav tm="0">
+                                          <p:val>
+                                            <p:strVal val="#ppt_x"/>
+                                          </p:val>
+                                        </p:tav>
+                                        <p:tav tm="100000">
+                                          <p:val>
+                                            <p:strVal val="#ppt_x"/>
+                                          </p:val>
+                                        </p:tav>
+                                      </p:tavLst>
+                                    </p:anim>
+                                    <p:anim calcmode="lin" valueType="num">
+                                      <p:cBhvr additive="base">
+                                        <p:cTn id="14" dur="500" fill="hold"/>
+                                        <p:tgtEl>
+                                          <p:spTgt spid="3"/>
+                                        </p:tgtEl>
+                                        <p:attrNameLst>
+                                          <p:attrName>ppt_y</p:attrName>
+                                        </p:attrNameLst>
+                                      </p:cBhvr>
+                                      <p:tavLst>
+                                        <p:tav tm="0">
+                                          <p:val>
+                                            <p:strVal val="1+#ppt_h/2"/>
+                                          </p:val>
+                                        </p:tav>
+                                        <p:tav tm="100000">
+                                          <p:val>
+                                            <p:strVal val="#ppt_y"/>
+                                          </p:val>
+                                        </p:tav>
+                                      </p:tavLst>
+                                    </p:anim>
+                                  </p:childTnLst>
+                                </p:cTn>
+                              </p:par>
+                            </p:childTnLst>
+                          </p:cTn>
+                        </p:par>
+                      </p:childTnLst>
+                    </p:cTn>
+                  </p:par>
+                </p:childTnLst>
+              </p:cTn>
+              <p:prevCondLst>
+                <p:cond evt="onPrev" delay="0">
+                  <p:tgtEl>
+                    <p:sldTgt/>
+                  </p:tgtEl>
+                </p:cond>
+              </p:prevCondLst>
+              <p:nextCondLst>
+                <p:cond evt="onNext" delay="0">
+                  <p:tgtEl>
+                    <p:sldTgt/>
+                  </p:tgtEl>
+                </p:cond>
+              </p:nextCondLst>
+            </p:seq>
+          </p:childTnLst>
+        </p:cTn>
+      </p:par>
+    </p:tnLst>
+  </p:timing>
+</p:sld>
+</file>
+
+<file path=ppt/slides/slide15.xml><?xml version="1.0" encoding="utf-8"?>
+<p:sld xmlns:a="http://schemas.openxmlformats.org/drawingml/2006/main" xmlns:r="http://schemas.openxmlformats.org/officeDocument/2006/relationships" xmlns:p="http://schemas.openxmlformats.org/presentationml/2006/main">
+  <p:cSld>
+    <p:spTree>
+      <p:nvGrpSpPr>
+        <p:cNvPr id="1" name=""/>
+        <p:cNvGrpSpPr/>
+        <p:nvPr/>
+      </p:nvGrpSpPr>
+      <p:grpSpPr>
+        <a:xfrm>
+          <a:off x="0" y="0"/>
+          <a:ext cx="0" cy="0"/>
+          <a:chOff x="0" y="0"/>
+          <a:chExt cx="0" cy="0"/>
+        </a:xfrm>
+      </p:grpSpPr>
+      <p:sp>
+        <p:nvSpPr>
+          <p:cNvPr id="5122" name="内容占位符 2"/>
+          <p:cNvSpPr>
+            <a:spLocks noGrp="1"/>
+          </p:cNvSpPr>
+          <p:nvPr>
+            <p:ph idx="1"/>
+          </p:nvPr>
+        </p:nvSpPr>
+        <p:spPr>
+          <a:xfrm>
+            <a:off x="968375" y="829945"/>
+            <a:ext cx="10255250" cy="5250815"/>
+          </a:xfrm>
+        </p:spPr>
+        <p:txBody>
+          <a:bodyPr/>
+          <a:lstStyle/>
+          <a:p>
+            <a:pPr>
+              <a:lnSpc>
+                <a:spcPct val="150000"/>
+              </a:lnSpc>
+              <a:spcBef>
+                <a:spcPts val="1000"/>
+              </a:spcBef>
+            </a:pPr>
+            <a:r>
+              <a:rPr lang="zh-CN" altLang="en-US" sz="2800" noProof="1">
+                <a:solidFill>
+                  <a:schemeClr val="tx1"/>
+                </a:solidFill>
+                <a:sym typeface="+mn-ea"/>
+              </a:rPr>
+              <a:t>针对不同应用场景进行合理（</a:t>
+            </a:r>
+            <a:r>
+              <a:rPr lang="en-US" altLang="zh-CN" sz="2800" noProof="1">
+                <a:solidFill>
+                  <a:schemeClr val="tx1"/>
+                </a:solidFill>
+                <a:sym typeface="+mn-ea"/>
+              </a:rPr>
+              <a:t>Canvas</a:t>
+            </a:r>
+            <a:r>
+              <a:rPr lang="zh-CN" altLang="en-US" sz="2800" noProof="1">
+                <a:solidFill>
+                  <a:schemeClr val="tx1"/>
+                </a:solidFill>
+                <a:sym typeface="+mn-ea"/>
+              </a:rPr>
+              <a:t>、</a:t>
+            </a:r>
+            <a:r>
+              <a:rPr lang="en-US" altLang="zh-CN" sz="2800" noProof="1">
+                <a:solidFill>
+                  <a:schemeClr val="tx1"/>
+                </a:solidFill>
+                <a:sym typeface="+mn-ea"/>
+              </a:rPr>
+              <a:t>SVG</a:t>
+            </a:r>
+            <a:r>
+              <a:rPr lang="zh-CN" altLang="en-US" sz="2800" noProof="1">
+                <a:solidFill>
+                  <a:schemeClr val="tx1"/>
+                </a:solidFill>
+                <a:sym typeface="+mn-ea"/>
+              </a:rPr>
+              <a:t>、</a:t>
+            </a:r>
+            <a:r>
+              <a:rPr lang="en-US" altLang="zh-CN" sz="2800" noProof="1">
+                <a:solidFill>
+                  <a:schemeClr val="tx1"/>
+                </a:solidFill>
+                <a:sym typeface="+mn-ea"/>
+              </a:rPr>
+              <a:t>Canvas+SVG</a:t>
+            </a:r>
+            <a:r>
+              <a:rPr lang="zh-CN" altLang="en-US" sz="2800" noProof="1">
+                <a:solidFill>
+                  <a:schemeClr val="tx1"/>
+                </a:solidFill>
+                <a:sym typeface="+mn-ea"/>
+              </a:rPr>
+              <a:t>）</a:t>
+            </a:r>
+            <a:endParaRPr lang="zh-CN" altLang="en-US" sz="2800" noProof="1">
+              <a:solidFill>
+                <a:schemeClr val="tx1"/>
+              </a:solidFill>
+              <a:sym typeface="+mn-ea"/>
+            </a:endParaRPr>
+          </a:p>
+          <a:p>
+            <a:pPr marL="0" indent="0">
+              <a:buFont typeface="Wingdings 2" panose="05020102010507070707" pitchFamily="18" charset="2"/>
+              <a:buNone/>
+            </a:pPr>
+            <a:endParaRPr lang="en-US" altLang="zh-CN" noProof="1">
+              <a:solidFill>
+                <a:schemeClr val="tx1"/>
+              </a:solidFill>
+              <a:latin typeface="微软雅黑" panose="020B0503020204020204" pitchFamily="34" charset="-122"/>
+              <a:ea typeface="微软雅黑" panose="020B0503020204020204" pitchFamily="34" charset="-122"/>
+            </a:endParaRPr>
+          </a:p>
+        </p:txBody>
+      </p:sp>
+      <p:sp>
+        <p:nvSpPr>
+          <p:cNvPr id="2" name="内容占位符 1"/>
+          <p:cNvSpPr>
+            <a:spLocks noGrp="1"/>
+          </p:cNvSpPr>
+          <p:nvPr>
+            <p:ph sz="quarter" idx="11"/>
+          </p:nvPr>
+        </p:nvSpPr>
+        <p:spPr>
+          <a:xfrm>
+            <a:off x="947420" y="236855"/>
+            <a:ext cx="8415655" cy="490220"/>
+          </a:xfrm>
+        </p:spPr>
+        <p:txBody>
+          <a:bodyPr/>
+          <a:p>
+            <a:pPr algn="l">
+              <a:buNone/>
+            </a:pPr>
+            <a:r>
+              <a:rPr kumimoji="0" lang="en-US" altLang="zh-CN" sz="3200" dirty="0">
+                <a:solidFill>
+                  <a:srgbClr val="C00000"/>
+                </a:solidFill>
+                <a:cs typeface="+mn-cs"/>
+              </a:rPr>
+              <a:t>Canvas </a:t>
+            </a:r>
+            <a:r>
+              <a:rPr kumimoji="0" lang="zh-CN" altLang="en-US" sz="3200" dirty="0">
+                <a:solidFill>
+                  <a:srgbClr val="C00000"/>
+                </a:solidFill>
+                <a:cs typeface="+mn-cs"/>
+              </a:rPr>
+              <a:t>与 </a:t>
+            </a:r>
+            <a:r>
+              <a:rPr kumimoji="0" lang="en-US" altLang="zh-CN" sz="3200" dirty="0">
+                <a:solidFill>
+                  <a:srgbClr val="C00000"/>
+                </a:solidFill>
+                <a:cs typeface="+mn-cs"/>
+              </a:rPr>
+              <a:t>SVG </a:t>
+            </a:r>
+            <a:r>
+              <a:rPr kumimoji="0" lang="zh-CN" altLang="en-US" sz="3200" dirty="0">
+                <a:solidFill>
+                  <a:srgbClr val="C00000"/>
+                </a:solidFill>
+                <a:cs typeface="+mn-cs"/>
+              </a:rPr>
+              <a:t>的选择</a:t>
+            </a:r>
+            <a:endParaRPr kumimoji="0" lang="zh-CN" altLang="en-US" sz="3200" dirty="0">
+              <a:solidFill>
+                <a:srgbClr val="C00000"/>
+              </a:solidFill>
+              <a:cs typeface="+mn-cs"/>
+            </a:endParaRPr>
+          </a:p>
+        </p:txBody>
+      </p:sp>
+      <p:pic>
+        <p:nvPicPr>
+          <p:cNvPr id="4" name="图片 3"/>
+          <p:cNvPicPr>
+            <a:picLocks noChangeAspect="1"/>
+          </p:cNvPicPr>
+          <p:nvPr/>
+        </p:nvPicPr>
+        <p:blipFill>
+          <a:blip r:embed="rId1"/>
+          <a:stretch>
+            <a:fillRect/>
+          </a:stretch>
+        </p:blipFill>
+        <p:spPr>
+          <a:xfrm>
+            <a:off x="2071370" y="1910080"/>
+            <a:ext cx="8049895" cy="3768090"/>
+          </a:xfrm>
+          <a:prstGeom prst="rect">
+            <a:avLst/>
+          </a:prstGeom>
+        </p:spPr>
+      </p:pic>
+    </p:spTree>
+  </p:cSld>
+  <p:clrMapOvr>
+    <a:masterClrMapping/>
+  </p:clrMapOvr>
+  <p:timing>
+    <p:tnLst>
+      <p:par>
+        <p:cTn id="1" dur="indefinite" restart="never" nodeType="tmRoot">
+          <p:childTnLst>
+            <p:seq concurrent="1" nextAc="seek">
+              <p:cTn id="2" dur="indefinite" nodeType="mainSeq">
+                <p:childTnLst>
+                  <p:par>
+                    <p:cTn id="3" fill="hold">
+                      <p:stCondLst>
+                        <p:cond delay="indefinite"/>
+                      </p:stCondLst>
+                      <p:childTnLst>
+                        <p:par>
+                          <p:cTn id="4" fill="hold">
+                            <p:stCondLst>
+                              <p:cond delay="0"/>
+                            </p:stCondLst>
+                            <p:childTnLst>
+                              <p:par>
+                                <p:cTn id="5" presetID="2" presetClass="entr" presetSubtype="4" fill="hold" nodeType="clickEffect">
+                                  <p:stCondLst>
+                                    <p:cond delay="0"/>
+                                  </p:stCondLst>
+                                  <p:childTnLst>
+                                    <p:set>
+                                      <p:cBhvr>
+                                        <p:cTn id="6" dur="1" fill="hold">
+                                          <p:stCondLst>
+                                            <p:cond delay="0"/>
+                                          </p:stCondLst>
+                                        </p:cTn>
+                                        <p:tgtEl>
+                                          <p:spTgt spid="5122">
+                                            <p:txEl>
+                                              <p:pRg st="0" end="0"/>
+                                            </p:txEl>
+                                          </p:spTgt>
+                                        </p:tgtEl>
+                                        <p:attrNameLst>
+                                          <p:attrName>style.visibility</p:attrName>
+                                        </p:attrNameLst>
+                                      </p:cBhvr>
+                                      <p:to>
+                                        <p:strVal val="visible"/>
+                                      </p:to>
+                                    </p:set>
+                                    <p:anim calcmode="lin" valueType="num">
+                                      <p:cBhvr additive="base">
+                                        <p:cTn id="7" dur="500" fill="hold"/>
+                                        <p:tgtEl>
+                                          <p:spTgt spid="5122">
+                                            <p:txEl>
+                                              <p:pRg st="0" end="0"/>
+                                            </p:txEl>
+                                          </p:spTgt>
+                                        </p:tgtEl>
+                                        <p:attrNameLst>
+                                          <p:attrName>ppt_x</p:attrName>
+                                        </p:attrNameLst>
+                                      </p:cBhvr>
+                                      <p:tavLst>
+                                        <p:tav tm="0">
+                                          <p:val>
+                                            <p:strVal val="#ppt_x"/>
+                                          </p:val>
+                                        </p:tav>
+                                        <p:tav tm="100000">
+                                          <p:val>
+                                            <p:strVal val="#ppt_x"/>
+                                          </p:val>
+                                        </p:tav>
+                                      </p:tavLst>
+                                    </p:anim>
+                                    <p:anim calcmode="lin" valueType="num">
+                                      <p:cBhvr additive="base">
+                                        <p:cTn id="8" dur="500" fill="hold"/>
+                                        <p:tgtEl>
+                                          <p:spTgt spid="5122">
+                                            <p:txEl>
+                                              <p:pRg st="0" end="0"/>
+                                            </p:txEl>
+                                          </p:spTgt>
+                                        </p:tgtEl>
+                                        <p:attrNameLst>
+                                          <p:attrName>ppt_y</p:attrName>
+                                        </p:attrNameLst>
+                                      </p:cBhvr>
+                                      <p:tavLst>
+                                        <p:tav tm="0">
+                                          <p:val>
+                                            <p:strVal val="1+#ppt_h/2"/>
+                                          </p:val>
+                                        </p:tav>
+                                        <p:tav tm="100000">
+                                          <p:val>
+                                            <p:strVal val="#ppt_y"/>
+                                          </p:val>
+                                        </p:tav>
+                                      </p:tavLst>
+                                    </p:anim>
+                                  </p:childTnLst>
+                                </p:cTn>
+                              </p:par>
+                            </p:childTnLst>
+                          </p:cTn>
+                        </p:par>
+                      </p:childTnLst>
+                    </p:cTn>
+                  </p:par>
+                  <p:par>
+                    <p:cTn id="9" fill="hold">
+                      <p:stCondLst>
+                        <p:cond delay="indefinite"/>
+                      </p:stCondLst>
+                      <p:childTnLst>
+                        <p:par>
+                          <p:cTn id="10" fill="hold">
+                            <p:stCondLst>
+                              <p:cond delay="0"/>
+                            </p:stCondLst>
+                            <p:childTnLst>
+                              <p:par>
+                                <p:cTn id="11" presetID="2" presetClass="entr" presetSubtype="4" fill="hold" nodeType="clickEffect">
+                                  <p:stCondLst>
+                                    <p:cond delay="0"/>
+                                  </p:stCondLst>
+                                  <p:childTnLst>
+                                    <p:set>
+                                      <p:cBhvr>
+                                        <p:cTn id="12" dur="1" fill="hold">
+                                          <p:stCondLst>
+                                            <p:cond delay="0"/>
+                                          </p:stCondLst>
+                                        </p:cTn>
+                                        <p:tgtEl>
+                                          <p:spTgt spid="4"/>
+                                        </p:tgtEl>
+                                        <p:attrNameLst>
+                                          <p:attrName>style.visibility</p:attrName>
+                                        </p:attrNameLst>
+                                      </p:cBhvr>
+                                      <p:to>
+                                        <p:strVal val="visible"/>
+                                      </p:to>
+                                    </p:set>
+                                    <p:anim calcmode="lin" valueType="num">
+                                      <p:cBhvr additive="base">
+                                        <p:cTn id="13" dur="500" fill="hold"/>
+                                        <p:tgtEl>
+                                          <p:spTgt spid="4"/>
+                                        </p:tgtEl>
+                                        <p:attrNameLst>
+                                          <p:attrName>ppt_x</p:attrName>
+                                        </p:attrNameLst>
+                                      </p:cBhvr>
+                                      <p:tavLst>
+                                        <p:tav tm="0">
+                                          <p:val>
+                                            <p:strVal val="#ppt_x"/>
+                                          </p:val>
+                                        </p:tav>
+                                        <p:tav tm="100000">
+                                          <p:val>
+                                            <p:strVal val="#ppt_x"/>
+                                          </p:val>
+                                        </p:tav>
+                                      </p:tavLst>
+                                    </p:anim>
+                                    <p:anim calcmode="lin" valueType="num">
+                                      <p:cBhvr additive="base">
+                                        <p:cTn id="14" dur="500" fill="hold"/>
+                                        <p:tgtEl>
+                                          <p:spTgt spid="4"/>
+                                        </p:tgtEl>
+                                        <p:attrNameLst>
+                                          <p:attrName>ppt_y</p:attrName>
+                                        </p:attrNameLst>
+                                      </p:cBhvr>
+                                      <p:tavLst>
+                                        <p:tav tm="0">
+                                          <p:val>
+                                            <p:strVal val="1+#ppt_h/2"/>
+                                          </p:val>
+                                        </p:tav>
+                                        <p:tav tm="100000">
+                                          <p:val>
+                                            <p:strVal val="#ppt_y"/>
+                                          </p:val>
+                                        </p:tav>
+                                      </p:tavLst>
+                                    </p:anim>
+                                  </p:childTnLst>
+                                </p:cTn>
+                              </p:par>
+                            </p:childTnLst>
+                          </p:cTn>
+                        </p:par>
+                      </p:childTnLst>
+                    </p:cTn>
+                  </p:par>
+                </p:childTnLst>
+              </p:cTn>
+              <p:prevCondLst>
+                <p:cond evt="onPrev" delay="0">
+                  <p:tgtEl>
+                    <p:sldTgt/>
+                  </p:tgtEl>
+                </p:cond>
+              </p:prevCondLst>
+              <p:nextCondLst>
+                <p:cond evt="onNext" delay="0">
+                  <p:tgtEl>
+                    <p:sldTgt/>
+                  </p:tgtEl>
+                </p:cond>
+              </p:nextCondLst>
+            </p:seq>
+          </p:childTnLst>
+        </p:cTn>
+      </p:par>
+    </p:tnLst>
+  </p:timing>
+</p:sld>
+</file>
+
+<file path=ppt/slides/slide16.xml><?xml version="1.0" encoding="utf-8"?>
+<p:sld xmlns:a="http://schemas.openxmlformats.org/drawingml/2006/main" xmlns:r="http://schemas.openxmlformats.org/officeDocument/2006/relationships" xmlns:p="http://schemas.openxmlformats.org/presentationml/2006/main">
+  <p:cSld>
+    <p:spTree>
+      <p:nvGrpSpPr>
+        <p:cNvPr id="1" name=""/>
+        <p:cNvGrpSpPr/>
+        <p:nvPr/>
+      </p:nvGrpSpPr>
+      <p:grpSpPr>
+        <a:xfrm>
+          <a:off x="0" y="0"/>
+          <a:ext cx="0" cy="0"/>
+          <a:chOff x="0" y="0"/>
+          <a:chExt cx="0" cy="0"/>
+        </a:xfrm>
+      </p:grpSpPr>
+      <p:sp>
+        <p:nvSpPr>
+          <p:cNvPr id="3" name="内容占位符 2"/>
+          <p:cNvSpPr>
+            <a:spLocks noGrp="1"/>
+          </p:cNvSpPr>
+          <p:nvPr/>
+        </p:nvSpPr>
+        <p:spPr>
+          <a:xfrm>
+            <a:off x="947204" y="236943"/>
+            <a:ext cx="8191557" cy="490476"/>
+          </a:xfrm>
+          <a:prstGeom prst="rect">
+            <a:avLst/>
+          </a:prstGeom>
+        </p:spPr>
+        <p:txBody>
+          <a:bodyPr/>
+          <a:lstStyle>
+            <a:lvl1pPr marL="167005" indent="-167005" algn="l" defTabSz="0" rtl="0" eaLnBrk="0" fontAlgn="base" hangingPunct="0">
+              <a:spcBef>
+                <a:spcPct val="0"/>
+              </a:spcBef>
+              <a:spcAft>
+                <a:spcPct val="15000"/>
+              </a:spcAft>
+              <a:buClr>
+                <a:schemeClr val="tx2"/>
+              </a:buClr>
+              <a:buFont typeface="Arial" panose="020B0604020202020204" pitchFamily="34" charset="0"/>
+              <a:buNone/>
+              <a:defRPr sz="3200" b="0">
+                <a:solidFill>
+                  <a:srgbClr val="C00000"/>
+                </a:solidFill>
+                <a:latin typeface="微软雅黑" panose="020B0503020204020204" pitchFamily="34" charset="-122"/>
+                <a:ea typeface="微软雅黑" panose="020B0503020204020204" pitchFamily="34" charset="-122"/>
+                <a:cs typeface="+mn-cs"/>
+              </a:defRPr>
+            </a:lvl1pPr>
+            <a:lvl2pPr marL="398780" indent="-230505" algn="l" defTabSz="0" rtl="0" eaLnBrk="0" fontAlgn="base" hangingPunct="0">
+              <a:spcBef>
+                <a:spcPct val="0"/>
+              </a:spcBef>
+              <a:spcAft>
+                <a:spcPct val="15000"/>
+              </a:spcAft>
+              <a:buClr>
+                <a:schemeClr val="tx2"/>
+              </a:buClr>
+              <a:buFont typeface="Arial" panose="020B0604020202020204" pitchFamily="34" charset="0"/>
+              <a:buChar char="–"/>
+              <a:defRPr sz="2000">
+                <a:solidFill>
+                  <a:schemeClr val="tx1"/>
+                </a:solidFill>
+                <a:latin typeface="微软雅黑" panose="020B0503020204020204" pitchFamily="34" charset="-122"/>
+                <a:ea typeface="微软雅黑" panose="020B0503020204020204" pitchFamily="34" charset="-122"/>
+              </a:defRPr>
+            </a:lvl2pPr>
+            <a:lvl3pPr marL="400050" indent="182880" algn="l" defTabSz="0" rtl="0" eaLnBrk="0" fontAlgn="base" hangingPunct="0">
+              <a:spcBef>
+                <a:spcPct val="0"/>
+              </a:spcBef>
+              <a:spcAft>
+                <a:spcPct val="15000"/>
+              </a:spcAft>
+              <a:buClr>
+                <a:schemeClr val="tx2"/>
+              </a:buClr>
+              <a:buFont typeface="Arial" panose="020B0604020202020204" pitchFamily="34" charset="0"/>
+              <a:buChar char="•"/>
+              <a:defRPr sz="1600">
+                <a:solidFill>
+                  <a:schemeClr val="tx1"/>
+                </a:solidFill>
+                <a:latin typeface="微软雅黑" panose="020B0503020204020204" pitchFamily="34" charset="-122"/>
+                <a:ea typeface="微软雅黑" panose="020B0503020204020204" pitchFamily="34" charset="-122"/>
+              </a:defRPr>
+            </a:lvl3pPr>
+            <a:lvl4pPr marL="825500" indent="-241300" algn="l" defTabSz="0" rtl="0" eaLnBrk="0" fontAlgn="base" hangingPunct="0">
+              <a:spcBef>
+                <a:spcPct val="0"/>
+              </a:spcBef>
+              <a:spcAft>
+                <a:spcPct val="15000"/>
+              </a:spcAft>
+              <a:buClr>
+                <a:schemeClr val="tx2"/>
+              </a:buClr>
+              <a:buFont typeface="Arial" panose="020B0604020202020204" pitchFamily="34" charset="0"/>
+              <a:buChar char="–"/>
+              <a:defRPr sz="1600">
+                <a:solidFill>
+                  <a:schemeClr val="tx1"/>
+                </a:solidFill>
+                <a:latin typeface="微软雅黑" panose="020B0503020204020204" pitchFamily="34" charset="-122"/>
+                <a:ea typeface="微软雅黑" panose="020B0503020204020204" pitchFamily="34" charset="-122"/>
+              </a:defRPr>
+            </a:lvl4pPr>
+            <a:lvl5pPr marL="2057400" indent="-228600" algn="l" defTabSz="0" rtl="0" eaLnBrk="0" fontAlgn="base" hangingPunct="0">
+              <a:spcBef>
+                <a:spcPct val="0"/>
+              </a:spcBef>
+              <a:spcAft>
+                <a:spcPct val="25000"/>
+              </a:spcAft>
+              <a:buClr>
+                <a:schemeClr val="tx2"/>
+              </a:buClr>
+              <a:buFont typeface="Arial" panose="020B0604020202020204" pitchFamily="34" charset="0"/>
+              <a:buChar char="–"/>
+              <a:defRPr sz="2000">
+                <a:solidFill>
+                  <a:schemeClr val="tx1"/>
+                </a:solidFill>
+                <a:latin typeface="+mn-lt"/>
+                <a:ea typeface="微软雅黑" panose="020B0503020204020204" pitchFamily="34" charset="-122"/>
+              </a:defRPr>
+            </a:lvl5pPr>
+            <a:lvl6pPr marL="2514600" indent="-228600" algn="l" defTabSz="0" rtl="0" eaLnBrk="0" fontAlgn="base" hangingPunct="0">
+              <a:spcBef>
+                <a:spcPct val="0"/>
+              </a:spcBef>
+              <a:spcAft>
+                <a:spcPct val="25000"/>
+              </a:spcAft>
+              <a:buClr>
+                <a:schemeClr val="tx2"/>
+              </a:buClr>
+              <a:buFont typeface="Arial" panose="020B0604020202020204" pitchFamily="34" charset="0"/>
+              <a:buChar char="–"/>
+              <a:defRPr>
+                <a:solidFill>
+                  <a:schemeClr val="tx1"/>
+                </a:solidFill>
+                <a:latin typeface="+mn-lt"/>
+              </a:defRPr>
+            </a:lvl6pPr>
+            <a:lvl7pPr marL="2971800" indent="-228600" algn="l" defTabSz="0" rtl="0" eaLnBrk="0" fontAlgn="base" hangingPunct="0">
+              <a:spcBef>
+                <a:spcPct val="0"/>
+              </a:spcBef>
+              <a:spcAft>
+                <a:spcPct val="25000"/>
+              </a:spcAft>
+              <a:buClr>
+                <a:schemeClr val="tx2"/>
+              </a:buClr>
+              <a:buFont typeface="Arial" panose="020B0604020202020204" pitchFamily="34" charset="0"/>
+              <a:buChar char="–"/>
+              <a:defRPr>
+                <a:solidFill>
+                  <a:schemeClr val="tx1"/>
+                </a:solidFill>
+                <a:latin typeface="+mn-lt"/>
+              </a:defRPr>
+            </a:lvl7pPr>
+            <a:lvl8pPr marL="3429000" indent="-228600" algn="l" defTabSz="0" rtl="0" eaLnBrk="0" fontAlgn="base" hangingPunct="0">
+              <a:spcBef>
+                <a:spcPct val="0"/>
+              </a:spcBef>
+              <a:spcAft>
+                <a:spcPct val="25000"/>
+              </a:spcAft>
+              <a:buClr>
+                <a:schemeClr val="tx2"/>
+              </a:buClr>
+              <a:buFont typeface="Arial" panose="020B0604020202020204" pitchFamily="34" charset="0"/>
+              <a:buChar char="–"/>
+              <a:defRPr>
+                <a:solidFill>
+                  <a:schemeClr val="tx1"/>
+                </a:solidFill>
+                <a:latin typeface="+mn-lt"/>
+              </a:defRPr>
+            </a:lvl8pPr>
+            <a:lvl9pPr marL="3886200" indent="-228600" algn="l" defTabSz="0" rtl="0" eaLnBrk="0" fontAlgn="base" hangingPunct="0">
+              <a:spcBef>
+                <a:spcPct val="0"/>
+              </a:spcBef>
+              <a:spcAft>
+                <a:spcPct val="25000"/>
+              </a:spcAft>
+              <a:buClr>
+                <a:schemeClr val="tx2"/>
+              </a:buClr>
+              <a:buFont typeface="Arial" panose="020B0604020202020204" pitchFamily="34" charset="0"/>
+              <a:buChar char="–"/>
+              <a:defRPr>
+                <a:solidFill>
+                  <a:schemeClr val="tx1"/>
+                </a:solidFill>
+                <a:latin typeface="+mn-lt"/>
+              </a:defRPr>
+            </a:lvl9pPr>
+          </a:lstStyle>
+          <a:p>
+            <a:r>
+              <a:rPr lang="zh-CN" dirty="0" smtClean="0"/>
+              <a:t>内容刚要</a:t>
+            </a:r>
+            <a:endParaRPr lang="zh-CN" dirty="0" smtClean="0"/>
+          </a:p>
+        </p:txBody>
+      </p:sp>
+      <p:sp>
+        <p:nvSpPr>
+          <p:cNvPr id="4" name="AutoShape 6"/>
+          <p:cNvSpPr>
+            <a:spLocks noChangeArrowheads="1"/>
+          </p:cNvSpPr>
+          <p:nvPr/>
+        </p:nvSpPr>
+        <p:spPr bwMode="auto">
+          <a:xfrm>
+            <a:off x="2739708" y="1261111"/>
+            <a:ext cx="6711950" cy="4214813"/>
+          </a:xfrm>
+          <a:prstGeom prst="roundRect">
+            <a:avLst>
+              <a:gd name="adj" fmla="val 16667"/>
+            </a:avLst>
+          </a:prstGeom>
+          <a:noFill/>
+          <a:ln w="28575">
+            <a:solidFill>
+              <a:srgbClr val="C0C0C0"/>
+            </a:solidFill>
+            <a:prstDash val="sysDot"/>
+            <a:round/>
+          </a:ln>
+          <a:extLst>
+            <a:ext uri="{909E8E84-426E-40DD-AFC4-6F175D3DCCD1}">
+              <a14:hiddenFill xmlns:a14="http://schemas.microsoft.com/office/drawing/2010/main">
+                <a:solidFill>
+                  <a:srgbClr val="FFFFFF"/>
+                </a:solidFill>
+              </a14:hiddenFill>
+            </a:ext>
+          </a:extLst>
+        </p:spPr>
+        <p:txBody>
+          <a:bodyPr wrap="none" anchor="ctr"/>
+          <a:lstStyle>
+            <a:lvl1pPr marL="457200" indent="-457200">
+              <a:defRPr sz="3200">
+                <a:solidFill>
+                  <a:schemeClr val="tx1"/>
+                </a:solidFill>
+                <a:latin typeface="Arial" panose="020B0604020202020204" pitchFamily="34" charset="0"/>
+                <a:ea typeface="微软雅黑" panose="020B0503020204020204" pitchFamily="34" charset="-122"/>
+              </a:defRPr>
+            </a:lvl1pPr>
+            <a:lvl2pPr marL="742950" indent="-285750">
+              <a:defRPr sz="3200">
+                <a:solidFill>
+                  <a:schemeClr val="tx1"/>
+                </a:solidFill>
+                <a:latin typeface="Arial" panose="020B0604020202020204" pitchFamily="34" charset="0"/>
+                <a:ea typeface="微软雅黑" panose="020B0503020204020204" pitchFamily="34" charset="-122"/>
+              </a:defRPr>
+            </a:lvl2pPr>
+            <a:lvl3pPr marL="1143000" indent="-228600">
+              <a:defRPr sz="3200">
+                <a:solidFill>
+                  <a:schemeClr val="tx1"/>
+                </a:solidFill>
+                <a:latin typeface="Arial" panose="020B0604020202020204" pitchFamily="34" charset="0"/>
+                <a:ea typeface="微软雅黑" panose="020B0503020204020204" pitchFamily="34" charset="-122"/>
+              </a:defRPr>
+            </a:lvl3pPr>
+            <a:lvl4pPr marL="1600200" indent="-228600">
+              <a:defRPr sz="3200">
+                <a:solidFill>
+                  <a:schemeClr val="tx1"/>
+                </a:solidFill>
+                <a:latin typeface="Arial" panose="020B0604020202020204" pitchFamily="34" charset="0"/>
+                <a:ea typeface="微软雅黑" panose="020B0503020204020204" pitchFamily="34" charset="-122"/>
+              </a:defRPr>
+            </a:lvl4pPr>
+            <a:lvl5pPr marL="2057400" indent="-228600">
+              <a:defRPr sz="3200">
+                <a:solidFill>
+                  <a:schemeClr val="tx1"/>
+                </a:solidFill>
+                <a:latin typeface="Arial" panose="020B0604020202020204" pitchFamily="34" charset="0"/>
+                <a:ea typeface="微软雅黑" panose="020B0503020204020204" pitchFamily="34" charset="-122"/>
+              </a:defRPr>
+            </a:lvl5pPr>
+            <a:lvl6pPr marL="2514600" indent="-228600" eaLnBrk="0" fontAlgn="base" hangingPunct="0">
+              <a:spcBef>
+                <a:spcPct val="0"/>
+              </a:spcBef>
+              <a:spcAft>
+                <a:spcPct val="0"/>
+              </a:spcAft>
+              <a:defRPr sz="3200">
+                <a:solidFill>
+                  <a:schemeClr val="tx1"/>
+                </a:solidFill>
+                <a:latin typeface="Arial" panose="020B0604020202020204" pitchFamily="34" charset="0"/>
+                <a:ea typeface="微软雅黑" panose="020B0503020204020204" pitchFamily="34" charset="-122"/>
+              </a:defRPr>
+            </a:lvl6pPr>
+            <a:lvl7pPr marL="2971800" indent="-228600" eaLnBrk="0" fontAlgn="base" hangingPunct="0">
+              <a:spcBef>
+                <a:spcPct val="0"/>
+              </a:spcBef>
+              <a:spcAft>
+                <a:spcPct val="0"/>
+              </a:spcAft>
+              <a:defRPr sz="3200">
+                <a:solidFill>
+                  <a:schemeClr val="tx1"/>
+                </a:solidFill>
+                <a:latin typeface="Arial" panose="020B0604020202020204" pitchFamily="34" charset="0"/>
+                <a:ea typeface="微软雅黑" panose="020B0503020204020204" pitchFamily="34" charset="-122"/>
+              </a:defRPr>
+            </a:lvl7pPr>
+            <a:lvl8pPr marL="3429000" indent="-228600" eaLnBrk="0" fontAlgn="base" hangingPunct="0">
+              <a:spcBef>
+                <a:spcPct val="0"/>
+              </a:spcBef>
+              <a:spcAft>
+                <a:spcPct val="0"/>
+              </a:spcAft>
+              <a:defRPr sz="3200">
+                <a:solidFill>
+                  <a:schemeClr val="tx1"/>
+                </a:solidFill>
+                <a:latin typeface="Arial" panose="020B0604020202020204" pitchFamily="34" charset="0"/>
+                <a:ea typeface="微软雅黑" panose="020B0503020204020204" pitchFamily="34" charset="-122"/>
+              </a:defRPr>
+            </a:lvl8pPr>
+            <a:lvl9pPr marL="3886200" indent="-228600" eaLnBrk="0" fontAlgn="base" hangingPunct="0">
+              <a:spcBef>
+                <a:spcPct val="0"/>
+              </a:spcBef>
+              <a:spcAft>
+                <a:spcPct val="0"/>
+              </a:spcAft>
+              <a:defRPr sz="3200">
+                <a:solidFill>
+                  <a:schemeClr val="tx1"/>
+                </a:solidFill>
+                <a:latin typeface="Arial" panose="020B0604020202020204" pitchFamily="34" charset="0"/>
+                <a:ea typeface="微软雅黑" panose="020B0503020204020204" pitchFamily="34" charset="-122"/>
+              </a:defRPr>
+            </a:lvl9pPr>
+          </a:lstStyle>
+          <a:p>
+            <a:pPr>
+              <a:lnSpc>
+                <a:spcPct val="150000"/>
+              </a:lnSpc>
+              <a:spcBef>
+                <a:spcPts val="1200"/>
+              </a:spcBef>
+              <a:spcAft>
+                <a:spcPts val="1200"/>
+              </a:spcAft>
+              <a:buClr>
+                <a:srgbClr val="92D050"/>
+              </a:buClr>
+              <a:buFont typeface="Wingdings" panose="05000000000000000000" pitchFamily="2" charset="2"/>
+              <a:buChar char="Ø"/>
+            </a:pPr>
+            <a:r>
+              <a:rPr lang="en-US" sz="2800" b="1">
+                <a:solidFill>
+                  <a:schemeClr val="tx1"/>
+                </a:solidFill>
+              </a:rPr>
+              <a:t>Canvas </a:t>
+            </a:r>
+            <a:r>
+              <a:rPr lang="zh-CN" altLang="en-US" sz="2800" b="1">
+                <a:solidFill>
+                  <a:schemeClr val="tx1"/>
+                </a:solidFill>
+              </a:rPr>
+              <a:t>概述</a:t>
+            </a:r>
+            <a:endParaRPr lang="zh-CN" altLang="en-US" sz="2800" b="1">
+              <a:solidFill>
+                <a:schemeClr val="tx1"/>
+              </a:solidFill>
+            </a:endParaRPr>
+          </a:p>
+          <a:p>
+            <a:pPr>
+              <a:lnSpc>
+                <a:spcPct val="150000"/>
+              </a:lnSpc>
+              <a:spcBef>
+                <a:spcPts val="1200"/>
+              </a:spcBef>
+              <a:spcAft>
+                <a:spcPts val="1200"/>
+              </a:spcAft>
+              <a:buClr>
+                <a:srgbClr val="92D050"/>
+              </a:buClr>
+              <a:buFont typeface="Wingdings" panose="05000000000000000000" pitchFamily="2" charset="2"/>
+              <a:buChar char="Ø"/>
+            </a:pPr>
+            <a:r>
+              <a:rPr lang="en-US" sz="2800" b="1">
+                <a:solidFill>
+                  <a:schemeClr val="tx1"/>
+                </a:solidFill>
+              </a:rPr>
+              <a:t>SVG </a:t>
+            </a:r>
+            <a:r>
+              <a:rPr lang="zh-CN" altLang="en-US" sz="2800" b="1">
+                <a:solidFill>
+                  <a:schemeClr val="tx1"/>
+                </a:solidFill>
+              </a:rPr>
+              <a:t>概述</a:t>
+            </a:r>
+            <a:endParaRPr lang="zh-CN" altLang="en-US" sz="2800" b="1">
+              <a:solidFill>
+                <a:schemeClr val="tx1"/>
+              </a:solidFill>
+            </a:endParaRPr>
+          </a:p>
+          <a:p>
+            <a:pPr>
+              <a:lnSpc>
+                <a:spcPct val="150000"/>
+              </a:lnSpc>
+              <a:spcBef>
+                <a:spcPts val="1200"/>
+              </a:spcBef>
+              <a:spcAft>
+                <a:spcPts val="1200"/>
+              </a:spcAft>
+              <a:buClr>
+                <a:srgbClr val="92D050"/>
+              </a:buClr>
+              <a:buFont typeface="Wingdings" panose="05000000000000000000" pitchFamily="2" charset="2"/>
+              <a:buChar char="Ø"/>
+            </a:pPr>
+            <a:r>
+              <a:rPr lang="en-US" sz="2800" b="1">
+                <a:solidFill>
+                  <a:srgbClr val="FF0000"/>
+                </a:solidFill>
+              </a:rPr>
+              <a:t>WebGL </a:t>
+            </a:r>
+            <a:r>
+              <a:rPr lang="zh-CN" altLang="en-US" sz="2800" b="1">
+                <a:solidFill>
+                  <a:srgbClr val="FF0000"/>
+                </a:solidFill>
+              </a:rPr>
+              <a:t>概述</a:t>
+            </a:r>
+            <a:endParaRPr lang="zh-CN" altLang="en-US" sz="2800" b="1">
+              <a:solidFill>
+                <a:srgbClr val="FF0000"/>
+              </a:solidFill>
+            </a:endParaRPr>
+          </a:p>
+        </p:txBody>
+      </p:sp>
+    </p:spTree>
+  </p:cSld>
+  <p:clrMapOvr>
+    <a:masterClrMapping/>
+  </p:clrMapOvr>
+  <p:timing>
+    <p:tnLst>
+      <p:par>
+        <p:cTn id="1" dur="indefinite" restart="never" nodeType="tmRoot"/>
+      </p:par>
+    </p:tnLst>
+  </p:timing>
+</p:sld>
+</file>
+
+<file path=ppt/slides/slide17.xml><?xml version="1.0" encoding="utf-8"?>
+<p:sld xmlns:a="http://schemas.openxmlformats.org/drawingml/2006/main" xmlns:r="http://schemas.openxmlformats.org/officeDocument/2006/relationships" xmlns:p="http://schemas.openxmlformats.org/presentationml/2006/main">
+  <p:cSld>
+    <p:spTree>
+      <p:nvGrpSpPr>
+        <p:cNvPr id="1" name=""/>
+        <p:cNvGrpSpPr/>
+        <p:nvPr/>
+      </p:nvGrpSpPr>
+      <p:grpSpPr>
+        <a:xfrm>
+          <a:off x="0" y="0"/>
+          <a:ext cx="0" cy="0"/>
+          <a:chOff x="0" y="0"/>
+          <a:chExt cx="0" cy="0"/>
+        </a:xfrm>
+      </p:grpSpPr>
+      <p:sp>
+        <p:nvSpPr>
+          <p:cNvPr id="5122" name="内容占位符 2"/>
+          <p:cNvSpPr>
+            <a:spLocks noGrp="1"/>
+          </p:cNvSpPr>
+          <p:nvPr>
+            <p:ph idx="1"/>
+          </p:nvPr>
+        </p:nvSpPr>
+        <p:spPr>
+          <a:xfrm>
+            <a:off x="968375" y="829945"/>
+            <a:ext cx="9882505" cy="5250815"/>
+          </a:xfrm>
+        </p:spPr>
+        <p:txBody>
+          <a:bodyPr/>
+          <a:lstStyle/>
+          <a:p>
+            <a:pPr>
+              <a:lnSpc>
+                <a:spcPct val="150000"/>
+              </a:lnSpc>
+              <a:spcBef>
+                <a:spcPts val="1000"/>
+              </a:spcBef>
+            </a:pPr>
+            <a:r>
+              <a:rPr sz="2100" noProof="1">
+                <a:solidFill>
+                  <a:schemeClr val="tx1"/>
+                </a:solidFill>
+                <a:sym typeface="+mn-ea"/>
+              </a:rPr>
+              <a:t>WebGL是一种3D绘图标准，这种绘图技术标准允许把</a:t>
+            </a:r>
+            <a:r>
+              <a:rPr sz="2100" noProof="1">
+                <a:solidFill>
+                  <a:srgbClr val="FF0000"/>
+                </a:solidFill>
+                <a:sym typeface="+mn-ea"/>
+              </a:rPr>
+              <a:t>JavaScript和OpenGL ES</a:t>
+            </a:r>
+            <a:r>
+              <a:rPr sz="2100" noProof="1">
+                <a:solidFill>
+                  <a:schemeClr val="tx1"/>
+                </a:solidFill>
+                <a:sym typeface="+mn-ea"/>
+              </a:rPr>
+              <a:t>结合在一起，通过增加OpenGL ES的一个JavaScript绑定，WebGL</a:t>
+            </a:r>
+            <a:r>
+              <a:rPr lang="zh-CN" sz="2100" noProof="1">
+                <a:solidFill>
+                  <a:schemeClr val="tx1"/>
+                </a:solidFill>
+                <a:sym typeface="+mn-ea"/>
+              </a:rPr>
+              <a:t>即</a:t>
+            </a:r>
+            <a:r>
+              <a:rPr sz="2100" noProof="1">
+                <a:solidFill>
+                  <a:schemeClr val="tx1"/>
+                </a:solidFill>
+                <a:sym typeface="+mn-ea"/>
+              </a:rPr>
+              <a:t>可以为HTML5 Canvas提供硬件3D加速渲染，这样Web开发人员就可以借助系统显卡来在浏览器里更流畅地</a:t>
+            </a:r>
+            <a:r>
+              <a:rPr sz="2100" noProof="1">
+                <a:solidFill>
+                  <a:srgbClr val="FF0000"/>
+                </a:solidFill>
+                <a:sym typeface="+mn-ea"/>
+              </a:rPr>
+              <a:t>展示3D场景和模型</a:t>
+            </a:r>
+            <a:r>
+              <a:rPr sz="2100" noProof="1">
+                <a:solidFill>
+                  <a:schemeClr val="tx1"/>
+                </a:solidFill>
+                <a:sym typeface="+mn-ea"/>
+              </a:rPr>
+              <a:t>了，还能创建复杂的</a:t>
+            </a:r>
+            <a:r>
+              <a:rPr sz="2100" noProof="1">
+                <a:solidFill>
+                  <a:srgbClr val="FF0000"/>
+                </a:solidFill>
+                <a:sym typeface="+mn-ea"/>
+              </a:rPr>
+              <a:t>导航和数据视觉化</a:t>
+            </a:r>
+            <a:r>
+              <a:rPr sz="2100" noProof="1">
+                <a:solidFill>
+                  <a:schemeClr val="tx1"/>
+                </a:solidFill>
+                <a:sym typeface="+mn-ea"/>
+              </a:rPr>
+              <a:t>。WebGL技术标准免去了开发网页专用渲染插件的麻烦，可被用于创建具有复杂3D结构的网站页面，甚至可以用来设计3D网页游戏等等</a:t>
+            </a:r>
+            <a:endParaRPr sz="2100" noProof="1">
+              <a:solidFill>
+                <a:schemeClr val="tx1"/>
+              </a:solidFill>
+              <a:sym typeface="+mn-ea"/>
+            </a:endParaRPr>
+          </a:p>
+          <a:p>
+            <a:pPr>
+              <a:lnSpc>
+                <a:spcPct val="150000"/>
+              </a:lnSpc>
+              <a:spcBef>
+                <a:spcPts val="1000"/>
+              </a:spcBef>
+            </a:pPr>
+            <a:r>
+              <a:rPr lang="en-US" sz="2100" noProof="1">
+                <a:solidFill>
+                  <a:schemeClr val="tx1"/>
+                </a:solidFill>
+                <a:sym typeface="+mn-ea"/>
+              </a:rPr>
+              <a:t>WebGL完美地解决了现有的Web交互式三维动画的两个问题：第一，它通过HTML脚本本身实现Web交互式三维动画的制作，</a:t>
+            </a:r>
+            <a:r>
+              <a:rPr lang="en-US" sz="2100" noProof="1">
+                <a:solidFill>
+                  <a:srgbClr val="FF0000"/>
+                </a:solidFill>
+                <a:sym typeface="+mn-ea"/>
+              </a:rPr>
+              <a:t>无需任何浏览器插件支持</a:t>
+            </a:r>
+            <a:r>
+              <a:rPr lang="zh-CN" altLang="en-US" sz="2100" noProof="1">
+                <a:solidFill>
+                  <a:schemeClr val="tx1"/>
+                </a:solidFill>
+                <a:sym typeface="+mn-ea"/>
+              </a:rPr>
+              <a:t>；</a:t>
+            </a:r>
+            <a:r>
+              <a:rPr lang="en-US" sz="2100" noProof="1">
+                <a:solidFill>
+                  <a:schemeClr val="tx1"/>
+                </a:solidFill>
+                <a:sym typeface="+mn-ea"/>
+              </a:rPr>
+              <a:t>第二，它利用底层的图形硬件加速功能进行的图形渲染，是通过</a:t>
+            </a:r>
+            <a:r>
+              <a:rPr lang="en-US" sz="2100" noProof="1">
+                <a:solidFill>
+                  <a:srgbClr val="FF0000"/>
+                </a:solidFill>
+                <a:sym typeface="+mn-ea"/>
+              </a:rPr>
+              <a:t>统一的、标准的、跨平台的OpenGL接口</a:t>
+            </a:r>
+            <a:r>
+              <a:rPr lang="en-US" sz="2100" noProof="1">
+                <a:solidFill>
+                  <a:schemeClr val="tx1"/>
+                </a:solidFill>
+                <a:sym typeface="+mn-ea"/>
+              </a:rPr>
+              <a:t>实现的</a:t>
+            </a:r>
+            <a:endParaRPr lang="en-US" sz="2100" noProof="1">
+              <a:solidFill>
+                <a:schemeClr val="tx1"/>
+              </a:solidFill>
+              <a:sym typeface="+mn-ea"/>
+            </a:endParaRPr>
+          </a:p>
+          <a:p>
+            <a:pPr marL="0" indent="0">
+              <a:buFont typeface="Wingdings 2" panose="05020102010507070707" pitchFamily="18" charset="2"/>
+              <a:buNone/>
+            </a:pPr>
+            <a:endParaRPr lang="en-US" altLang="zh-CN" noProof="1">
+              <a:solidFill>
+                <a:schemeClr val="tx1"/>
+              </a:solidFill>
+              <a:latin typeface="微软雅黑" panose="020B0503020204020204" pitchFamily="34" charset="-122"/>
+              <a:ea typeface="微软雅黑" panose="020B0503020204020204" pitchFamily="34" charset="-122"/>
+            </a:endParaRPr>
+          </a:p>
+        </p:txBody>
+      </p:sp>
+      <p:sp>
+        <p:nvSpPr>
+          <p:cNvPr id="2" name="内容占位符 1"/>
+          <p:cNvSpPr>
+            <a:spLocks noGrp="1"/>
+          </p:cNvSpPr>
+          <p:nvPr>
+            <p:ph sz="quarter" idx="11"/>
+          </p:nvPr>
+        </p:nvSpPr>
+        <p:spPr>
+          <a:xfrm>
+            <a:off x="947420" y="236855"/>
+            <a:ext cx="8415655" cy="490220"/>
+          </a:xfrm>
+        </p:spPr>
+        <p:txBody>
+          <a:bodyPr/>
+          <a:p>
+            <a:pPr algn="l">
+              <a:buNone/>
+            </a:pPr>
+            <a:r>
+              <a:rPr kumimoji="0" lang="en-US" sz="3200" dirty="0">
+                <a:solidFill>
+                  <a:srgbClr val="C00000"/>
+                </a:solidFill>
+                <a:cs typeface="+mn-cs"/>
+              </a:rPr>
+              <a:t>WebGL </a:t>
+            </a:r>
+            <a:r>
+              <a:rPr kumimoji="0" lang="zh-CN" altLang="en-US" sz="3200" dirty="0">
+                <a:solidFill>
+                  <a:srgbClr val="C00000"/>
+                </a:solidFill>
+                <a:cs typeface="+mn-cs"/>
+              </a:rPr>
+              <a:t>简介</a:t>
+            </a:r>
+            <a:endParaRPr kumimoji="0" lang="zh-CN" altLang="en-US" sz="3200" dirty="0">
+              <a:solidFill>
+                <a:srgbClr val="C00000"/>
+              </a:solidFill>
+              <a:cs typeface="+mn-cs"/>
+            </a:endParaRPr>
+          </a:p>
+        </p:txBody>
+      </p:sp>
       <p:sp>
         <p:nvSpPr>
           <p:cNvPr id="5" name="文本框 4"/>
@@ -4096,7 +7130,7 @@
         <p:spPr>
           <a:xfrm>
             <a:off x="5180965" y="6080760"/>
-            <a:ext cx="6417310" cy="429895"/>
+            <a:ext cx="5106035" cy="429895"/>
           </a:xfrm>
           <a:prstGeom prst="rect">
             <a:avLst/>
@@ -4110,76 +7144,16 @@
           <a:p>
             <a:pPr algn="l"/>
             <a:r>
-              <a:rPr lang="zh-CN" sz="2200">
+              <a:rPr sz="2200">
                 <a:solidFill>
                   <a:srgbClr val="FF0000"/>
                 </a:solidFill>
                 <a:latin typeface="+mn-ea"/>
                 <a:ea typeface="+mn-ea"/>
               </a:rPr>
-              <a:t>图形图像与音频的相似之处（</a:t>
-            </a:r>
-            <a:r>
-              <a:rPr lang="en-US" altLang="zh-CN" sz="2200">
-                <a:solidFill>
-                  <a:srgbClr val="FF0000"/>
-                </a:solidFill>
-                <a:latin typeface="+mn-ea"/>
-                <a:ea typeface="+mn-ea"/>
-              </a:rPr>
-              <a:t>wav</a:t>
-            </a:r>
-            <a:r>
-              <a:rPr lang="zh-CN" altLang="en-US" sz="2200">
-                <a:solidFill>
-                  <a:srgbClr val="FF0000"/>
-                </a:solidFill>
-                <a:latin typeface="+mn-ea"/>
-                <a:ea typeface="+mn-ea"/>
-              </a:rPr>
-              <a:t>、</a:t>
-            </a:r>
-            <a:r>
-              <a:rPr lang="en-US" altLang="zh-CN" sz="2200">
-                <a:solidFill>
-                  <a:srgbClr val="FF0000"/>
-                </a:solidFill>
-                <a:latin typeface="+mn-ea"/>
-                <a:ea typeface="+mn-ea"/>
-              </a:rPr>
-              <a:t>mp3</a:t>
-            </a:r>
-            <a:r>
-              <a:rPr lang="zh-CN" altLang="en-US" sz="2200">
-                <a:solidFill>
-                  <a:srgbClr val="FF0000"/>
-                </a:solidFill>
-                <a:latin typeface="+mn-ea"/>
-                <a:ea typeface="+mn-ea"/>
-              </a:rPr>
-              <a:t>、</a:t>
-            </a:r>
-            <a:r>
-              <a:rPr lang="en-US" altLang="zh-CN" sz="2200">
-                <a:solidFill>
-                  <a:srgbClr val="FF0000"/>
-                </a:solidFill>
-                <a:latin typeface="+mn-ea"/>
-                <a:ea typeface="+mn-ea"/>
-              </a:rPr>
-              <a:t>mid</a:t>
-            </a:r>
-            <a:r>
-              <a:rPr lang="zh-CN" altLang="en-US" sz="2200">
-                <a:solidFill>
-                  <a:srgbClr val="FF0000"/>
-                </a:solidFill>
-                <a:latin typeface="+mn-ea"/>
-                <a:ea typeface="+mn-ea"/>
-              </a:rPr>
-              <a:t>）</a:t>
-            </a:r>
-            <a:endParaRPr lang="zh-CN" altLang="en-US" sz="2200">
+              <a:t>https://www.w3cschool.cn/webgl/</a:t>
+            </a:r>
+            <a:endParaRPr sz="2200">
               <a:solidFill>
                 <a:srgbClr val="FF0000"/>
               </a:solidFill>
@@ -4527,2159 +7501,6 @@
 </p:sld>
 </file>
 
-<file path=ppt/slides/slide13.xml><?xml version="1.0" encoding="utf-8"?>
-<p:sld xmlns:a="http://schemas.openxmlformats.org/drawingml/2006/main" xmlns:r="http://schemas.openxmlformats.org/officeDocument/2006/relationships" xmlns:p="http://schemas.openxmlformats.org/presentationml/2006/main">
-  <p:cSld>
-    <p:spTree>
-      <p:nvGrpSpPr>
-        <p:cNvPr id="1" name=""/>
-        <p:cNvGrpSpPr/>
-        <p:nvPr/>
-      </p:nvGrpSpPr>
-      <p:grpSpPr>
-        <a:xfrm>
-          <a:off x="0" y="0"/>
-          <a:ext cx="0" cy="0"/>
-          <a:chOff x="0" y="0"/>
-          <a:chExt cx="0" cy="0"/>
-        </a:xfrm>
-      </p:grpSpPr>
-      <p:sp>
-        <p:nvSpPr>
-          <p:cNvPr id="5122" name="内容占位符 2"/>
-          <p:cNvSpPr>
-            <a:spLocks noGrp="1"/>
-          </p:cNvSpPr>
-          <p:nvPr>
-            <p:ph idx="1"/>
-          </p:nvPr>
-        </p:nvSpPr>
-        <p:spPr>
-          <a:xfrm>
-            <a:off x="968375" y="829945"/>
-            <a:ext cx="9882505" cy="5250815"/>
-          </a:xfrm>
-        </p:spPr>
-        <p:txBody>
-          <a:bodyPr/>
-          <a:lstStyle/>
-          <a:p>
-            <a:pPr>
-              <a:lnSpc>
-                <a:spcPct val="150000"/>
-              </a:lnSpc>
-              <a:spcBef>
-                <a:spcPts val="1000"/>
-              </a:spcBef>
-            </a:pPr>
-            <a:r>
-              <a:rPr lang="zh-CN" altLang="en-US" sz="2800" noProof="1">
-                <a:solidFill>
-                  <a:schemeClr val="tx1"/>
-                </a:solidFill>
-                <a:sym typeface="+mn-ea"/>
-              </a:rPr>
-              <a:t>尺寸与数量对性能的影响</a:t>
-            </a:r>
-            <a:br>
-              <a:rPr lang="en-US" altLang="zh-CN" sz="2800" noProof="1">
-                <a:solidFill>
-                  <a:schemeClr val="tx1"/>
-                </a:solidFill>
-                <a:sym typeface="+mn-ea"/>
-              </a:rPr>
-            </a:br>
-            <a:r>
-              <a:rPr lang="en-US" altLang="zh-CN" sz="2000" noProof="1">
-                <a:solidFill>
-                  <a:schemeClr val="tx1"/>
-                </a:solidFill>
-                <a:sym typeface="+mn-ea"/>
-              </a:rPr>
-              <a:t>- </a:t>
-            </a:r>
-            <a:r>
-              <a:rPr sz="2000" noProof="1">
-                <a:solidFill>
-                  <a:schemeClr val="tx1"/>
-                </a:solidFill>
-                <a:sym typeface="+mn-ea"/>
-              </a:rPr>
-              <a:t>通常，随着屏幕尺寸的增加，</a:t>
-            </a:r>
-            <a:r>
-              <a:rPr lang="en-US" sz="2000" noProof="1">
-                <a:solidFill>
-                  <a:schemeClr val="tx1"/>
-                </a:solidFill>
-                <a:sym typeface="+mn-ea"/>
-              </a:rPr>
-              <a:t>Canvas</a:t>
-            </a:r>
-            <a:r>
-              <a:rPr lang="zh-CN" sz="2000" noProof="1">
-                <a:solidFill>
-                  <a:schemeClr val="tx1"/>
-                </a:solidFill>
-                <a:sym typeface="+mn-ea"/>
-              </a:rPr>
-              <a:t>效率</a:t>
-            </a:r>
-            <a:r>
-              <a:rPr sz="2000" noProof="1">
-                <a:solidFill>
-                  <a:schemeClr val="tx1"/>
-                </a:solidFill>
-                <a:sym typeface="+mn-ea"/>
-              </a:rPr>
-              <a:t>开始降低，因为需要绘制更多的像素。随着屏幕上对象数量的增加，SVG</a:t>
-            </a:r>
-            <a:r>
-              <a:rPr lang="zh-CN" sz="2000" noProof="1">
-                <a:solidFill>
-                  <a:schemeClr val="tx1"/>
-                </a:solidFill>
-                <a:sym typeface="+mn-ea"/>
-              </a:rPr>
-              <a:t>效率</a:t>
-            </a:r>
-            <a:r>
-              <a:rPr sz="2000" noProof="1">
-                <a:solidFill>
-                  <a:schemeClr val="tx1"/>
-                </a:solidFill>
-                <a:sym typeface="+mn-ea"/>
-              </a:rPr>
-              <a:t>开始降</a:t>
-            </a:r>
-            <a:r>
-              <a:rPr lang="zh-CN" sz="2000" noProof="1">
-                <a:solidFill>
-                  <a:schemeClr val="tx1"/>
-                </a:solidFill>
-                <a:sym typeface="+mn-ea"/>
-              </a:rPr>
-              <a:t>低</a:t>
-            </a:r>
-            <a:r>
-              <a:rPr sz="2000" noProof="1">
-                <a:solidFill>
-                  <a:schemeClr val="tx1"/>
-                </a:solidFill>
-                <a:sym typeface="+mn-ea"/>
-              </a:rPr>
-              <a:t>，因为我们不断将它们添加到DOM</a:t>
-            </a:r>
-            <a:endParaRPr sz="2000" noProof="1">
-              <a:solidFill>
-                <a:schemeClr val="tx1"/>
-              </a:solidFill>
-              <a:sym typeface="+mn-ea"/>
-            </a:endParaRPr>
-          </a:p>
-          <a:p>
-            <a:pPr marL="0" indent="0">
-              <a:buFont typeface="Wingdings 2" panose="05020102010507070707" pitchFamily="18" charset="2"/>
-              <a:buNone/>
-            </a:pPr>
-            <a:endParaRPr lang="en-US" altLang="zh-CN" noProof="1">
-              <a:solidFill>
-                <a:schemeClr val="tx1"/>
-              </a:solidFill>
-              <a:latin typeface="微软雅黑" panose="020B0503020204020204" pitchFamily="34" charset="-122"/>
-              <a:ea typeface="微软雅黑" panose="020B0503020204020204" pitchFamily="34" charset="-122"/>
-            </a:endParaRPr>
-          </a:p>
-        </p:txBody>
-      </p:sp>
-      <p:sp>
-        <p:nvSpPr>
-          <p:cNvPr id="2" name="内容占位符 1"/>
-          <p:cNvSpPr>
-            <a:spLocks noGrp="1"/>
-          </p:cNvSpPr>
-          <p:nvPr>
-            <p:ph sz="quarter" idx="11"/>
-          </p:nvPr>
-        </p:nvSpPr>
-        <p:spPr>
-          <a:xfrm>
-            <a:off x="947420" y="236855"/>
-            <a:ext cx="8415655" cy="490220"/>
-          </a:xfrm>
-        </p:spPr>
-        <p:txBody>
-          <a:bodyPr/>
-          <a:p>
-            <a:pPr algn="l">
-              <a:buNone/>
-            </a:pPr>
-            <a:r>
-              <a:rPr kumimoji="0" lang="en-US" altLang="zh-CN" sz="3200" dirty="0">
-                <a:solidFill>
-                  <a:srgbClr val="C00000"/>
-                </a:solidFill>
-                <a:cs typeface="+mn-cs"/>
-              </a:rPr>
-              <a:t>Canvas </a:t>
-            </a:r>
-            <a:r>
-              <a:rPr kumimoji="0" lang="zh-CN" altLang="en-US" sz="3200" dirty="0">
-                <a:solidFill>
-                  <a:srgbClr val="C00000"/>
-                </a:solidFill>
-                <a:cs typeface="+mn-cs"/>
-              </a:rPr>
-              <a:t>与 </a:t>
-            </a:r>
-            <a:r>
-              <a:rPr kumimoji="0" lang="en-US" altLang="zh-CN" sz="3200" dirty="0">
-                <a:solidFill>
-                  <a:srgbClr val="C00000"/>
-                </a:solidFill>
-                <a:cs typeface="+mn-cs"/>
-              </a:rPr>
-              <a:t>SVG </a:t>
-            </a:r>
-            <a:r>
-              <a:rPr kumimoji="0" lang="zh-CN" altLang="en-US" sz="3200" dirty="0">
-                <a:solidFill>
-                  <a:srgbClr val="C00000"/>
-                </a:solidFill>
-                <a:cs typeface="+mn-cs"/>
-              </a:rPr>
-              <a:t>对比</a:t>
-            </a:r>
-            <a:endParaRPr kumimoji="0" lang="zh-CN" altLang="en-US" sz="3200" dirty="0">
-              <a:solidFill>
-                <a:srgbClr val="C00000"/>
-              </a:solidFill>
-              <a:cs typeface="+mn-cs"/>
-            </a:endParaRPr>
-          </a:p>
-        </p:txBody>
-      </p:sp>
-      <p:pic>
-        <p:nvPicPr>
-          <p:cNvPr id="3" name="图片 2"/>
-          <p:cNvPicPr>
-            <a:picLocks noChangeAspect="1"/>
-          </p:cNvPicPr>
-          <p:nvPr/>
-        </p:nvPicPr>
-        <p:blipFill>
-          <a:blip r:embed="rId1"/>
-          <a:stretch>
-            <a:fillRect/>
-          </a:stretch>
-        </p:blipFill>
-        <p:spPr>
-          <a:xfrm>
-            <a:off x="2525395" y="2466975"/>
-            <a:ext cx="6768465" cy="3542030"/>
-          </a:xfrm>
-          <a:prstGeom prst="rect">
-            <a:avLst/>
-          </a:prstGeom>
-        </p:spPr>
-      </p:pic>
-    </p:spTree>
-  </p:cSld>
-  <p:clrMapOvr>
-    <a:masterClrMapping/>
-  </p:clrMapOvr>
-  <p:timing>
-    <p:tnLst>
-      <p:par>
-        <p:cTn id="1" dur="indefinite" restart="never" nodeType="tmRoot">
-          <p:childTnLst>
-            <p:seq concurrent="1" nextAc="seek">
-              <p:cTn id="2" dur="indefinite" nodeType="mainSeq">
-                <p:childTnLst>
-                  <p:par>
-                    <p:cTn id="3" fill="hold">
-                      <p:stCondLst>
-                        <p:cond delay="indefinite"/>
-                      </p:stCondLst>
-                      <p:childTnLst>
-                        <p:par>
-                          <p:cTn id="4" fill="hold">
-                            <p:stCondLst>
-                              <p:cond delay="0"/>
-                            </p:stCondLst>
-                            <p:childTnLst>
-                              <p:par>
-                                <p:cTn id="5" presetID="2" presetClass="entr" presetSubtype="4" fill="hold" nodeType="clickEffect">
-                                  <p:stCondLst>
-                                    <p:cond delay="0"/>
-                                  </p:stCondLst>
-                                  <p:childTnLst>
-                                    <p:set>
-                                      <p:cBhvr>
-                                        <p:cTn id="6" dur="1" fill="hold">
-                                          <p:stCondLst>
-                                            <p:cond delay="0"/>
-                                          </p:stCondLst>
-                                        </p:cTn>
-                                        <p:tgtEl>
-                                          <p:spTgt spid="5122">
-                                            <p:txEl>
-                                              <p:pRg st="0" end="0"/>
-                                            </p:txEl>
-                                          </p:spTgt>
-                                        </p:tgtEl>
-                                        <p:attrNameLst>
-                                          <p:attrName>style.visibility</p:attrName>
-                                        </p:attrNameLst>
-                                      </p:cBhvr>
-                                      <p:to>
-                                        <p:strVal val="visible"/>
-                                      </p:to>
-                                    </p:set>
-                                    <p:anim calcmode="lin" valueType="num">
-                                      <p:cBhvr additive="base">
-                                        <p:cTn id="7" dur="500" fill="hold"/>
-                                        <p:tgtEl>
-                                          <p:spTgt spid="5122">
-                                            <p:txEl>
-                                              <p:pRg st="0" end="0"/>
-                                            </p:txEl>
-                                          </p:spTgt>
-                                        </p:tgtEl>
-                                        <p:attrNameLst>
-                                          <p:attrName>ppt_x</p:attrName>
-                                        </p:attrNameLst>
-                                      </p:cBhvr>
-                                      <p:tavLst>
-                                        <p:tav tm="0">
-                                          <p:val>
-                                            <p:strVal val="#ppt_x"/>
-                                          </p:val>
-                                        </p:tav>
-                                        <p:tav tm="100000">
-                                          <p:val>
-                                            <p:strVal val="#ppt_x"/>
-                                          </p:val>
-                                        </p:tav>
-                                      </p:tavLst>
-                                    </p:anim>
-                                    <p:anim calcmode="lin" valueType="num">
-                                      <p:cBhvr additive="base">
-                                        <p:cTn id="8" dur="500" fill="hold"/>
-                                        <p:tgtEl>
-                                          <p:spTgt spid="5122">
-                                            <p:txEl>
-                                              <p:pRg st="0" end="0"/>
-                                            </p:txEl>
-                                          </p:spTgt>
-                                        </p:tgtEl>
-                                        <p:attrNameLst>
-                                          <p:attrName>ppt_y</p:attrName>
-                                        </p:attrNameLst>
-                                      </p:cBhvr>
-                                      <p:tavLst>
-                                        <p:tav tm="0">
-                                          <p:val>
-                                            <p:strVal val="1+#ppt_h/2"/>
-                                          </p:val>
-                                        </p:tav>
-                                        <p:tav tm="100000">
-                                          <p:val>
-                                            <p:strVal val="#ppt_y"/>
-                                          </p:val>
-                                        </p:tav>
-                                      </p:tavLst>
-                                    </p:anim>
-                                  </p:childTnLst>
-                                </p:cTn>
-                              </p:par>
-                            </p:childTnLst>
-                          </p:cTn>
-                        </p:par>
-                      </p:childTnLst>
-                    </p:cTn>
-                  </p:par>
-                  <p:par>
-                    <p:cTn id="9" fill="hold">
-                      <p:stCondLst>
-                        <p:cond delay="indefinite"/>
-                      </p:stCondLst>
-                      <p:childTnLst>
-                        <p:par>
-                          <p:cTn id="10" fill="hold">
-                            <p:stCondLst>
-                              <p:cond delay="0"/>
-                            </p:stCondLst>
-                            <p:childTnLst>
-                              <p:par>
-                                <p:cTn id="11" presetID="2" presetClass="entr" presetSubtype="4" fill="hold" nodeType="clickEffect">
-                                  <p:stCondLst>
-                                    <p:cond delay="0"/>
-                                  </p:stCondLst>
-                                  <p:childTnLst>
-                                    <p:set>
-                                      <p:cBhvr>
-                                        <p:cTn id="12" dur="1" fill="hold">
-                                          <p:stCondLst>
-                                            <p:cond delay="0"/>
-                                          </p:stCondLst>
-                                        </p:cTn>
-                                        <p:tgtEl>
-                                          <p:spTgt spid="3"/>
-                                        </p:tgtEl>
-                                        <p:attrNameLst>
-                                          <p:attrName>style.visibility</p:attrName>
-                                        </p:attrNameLst>
-                                      </p:cBhvr>
-                                      <p:to>
-                                        <p:strVal val="visible"/>
-                                      </p:to>
-                                    </p:set>
-                                    <p:anim calcmode="lin" valueType="num">
-                                      <p:cBhvr additive="base">
-                                        <p:cTn id="13" dur="500" fill="hold"/>
-                                        <p:tgtEl>
-                                          <p:spTgt spid="3"/>
-                                        </p:tgtEl>
-                                        <p:attrNameLst>
-                                          <p:attrName>ppt_x</p:attrName>
-                                        </p:attrNameLst>
-                                      </p:cBhvr>
-                                      <p:tavLst>
-                                        <p:tav tm="0">
-                                          <p:val>
-                                            <p:strVal val="#ppt_x"/>
-                                          </p:val>
-                                        </p:tav>
-                                        <p:tav tm="100000">
-                                          <p:val>
-                                            <p:strVal val="#ppt_x"/>
-                                          </p:val>
-                                        </p:tav>
-                                      </p:tavLst>
-                                    </p:anim>
-                                    <p:anim calcmode="lin" valueType="num">
-                                      <p:cBhvr additive="base">
-                                        <p:cTn id="14" dur="500" fill="hold"/>
-                                        <p:tgtEl>
-                                          <p:spTgt spid="3"/>
-                                        </p:tgtEl>
-                                        <p:attrNameLst>
-                                          <p:attrName>ppt_y</p:attrName>
-                                        </p:attrNameLst>
-                                      </p:cBhvr>
-                                      <p:tavLst>
-                                        <p:tav tm="0">
-                                          <p:val>
-                                            <p:strVal val="1+#ppt_h/2"/>
-                                          </p:val>
-                                        </p:tav>
-                                        <p:tav tm="100000">
-                                          <p:val>
-                                            <p:strVal val="#ppt_y"/>
-                                          </p:val>
-                                        </p:tav>
-                                      </p:tavLst>
-                                    </p:anim>
-                                  </p:childTnLst>
-                                </p:cTn>
-                              </p:par>
-                            </p:childTnLst>
-                          </p:cTn>
-                        </p:par>
-                      </p:childTnLst>
-                    </p:cTn>
-                  </p:par>
-                </p:childTnLst>
-              </p:cTn>
-              <p:prevCondLst>
-                <p:cond evt="onPrev" delay="0">
-                  <p:tgtEl>
-                    <p:sldTgt/>
-                  </p:tgtEl>
-                </p:cond>
-              </p:prevCondLst>
-              <p:nextCondLst>
-                <p:cond evt="onNext" delay="0">
-                  <p:tgtEl>
-                    <p:sldTgt/>
-                  </p:tgtEl>
-                </p:cond>
-              </p:nextCondLst>
-            </p:seq>
-          </p:childTnLst>
-        </p:cTn>
-      </p:par>
-    </p:tnLst>
-  </p:timing>
-</p:sld>
-</file>
-
-<file path=ppt/slides/slide14.xml><?xml version="1.0" encoding="utf-8"?>
-<p:sld xmlns:a="http://schemas.openxmlformats.org/drawingml/2006/main" xmlns:r="http://schemas.openxmlformats.org/officeDocument/2006/relationships" xmlns:p="http://schemas.openxmlformats.org/presentationml/2006/main">
-  <p:cSld>
-    <p:spTree>
-      <p:nvGrpSpPr>
-        <p:cNvPr id="1" name=""/>
-        <p:cNvGrpSpPr/>
-        <p:nvPr/>
-      </p:nvGrpSpPr>
-      <p:grpSpPr>
-        <a:xfrm>
-          <a:off x="0" y="0"/>
-          <a:ext cx="0" cy="0"/>
-          <a:chOff x="0" y="0"/>
-          <a:chExt cx="0" cy="0"/>
-        </a:xfrm>
-      </p:grpSpPr>
-      <p:sp>
-        <p:nvSpPr>
-          <p:cNvPr id="5122" name="内容占位符 2"/>
-          <p:cNvSpPr>
-            <a:spLocks noGrp="1"/>
-          </p:cNvSpPr>
-          <p:nvPr>
-            <p:ph idx="1"/>
-          </p:nvPr>
-        </p:nvSpPr>
-        <p:spPr>
-          <a:xfrm>
-            <a:off x="968375" y="829945"/>
-            <a:ext cx="10255250" cy="5250815"/>
-          </a:xfrm>
-        </p:spPr>
-        <p:txBody>
-          <a:bodyPr/>
-          <a:lstStyle/>
-          <a:p>
-            <a:pPr>
-              <a:lnSpc>
-                <a:spcPct val="150000"/>
-              </a:lnSpc>
-              <a:spcBef>
-                <a:spcPts val="1000"/>
-              </a:spcBef>
-            </a:pPr>
-            <a:r>
-              <a:rPr lang="zh-CN" altLang="en-US" sz="2800" noProof="1">
-                <a:solidFill>
-                  <a:schemeClr val="tx1"/>
-                </a:solidFill>
-                <a:sym typeface="+mn-ea"/>
-              </a:rPr>
-              <a:t>针对不同应用场景进行合理（</a:t>
-            </a:r>
-            <a:r>
-              <a:rPr lang="en-US" altLang="zh-CN" sz="2800" noProof="1">
-                <a:solidFill>
-                  <a:schemeClr val="tx1"/>
-                </a:solidFill>
-                <a:sym typeface="+mn-ea"/>
-              </a:rPr>
-              <a:t>Canvas</a:t>
-            </a:r>
-            <a:r>
-              <a:rPr lang="zh-CN" altLang="en-US" sz="2800" noProof="1">
-                <a:solidFill>
-                  <a:schemeClr val="tx1"/>
-                </a:solidFill>
-                <a:sym typeface="+mn-ea"/>
-              </a:rPr>
-              <a:t>、</a:t>
-            </a:r>
-            <a:r>
-              <a:rPr lang="en-US" altLang="zh-CN" sz="2800" noProof="1">
-                <a:solidFill>
-                  <a:schemeClr val="tx1"/>
-                </a:solidFill>
-                <a:sym typeface="+mn-ea"/>
-              </a:rPr>
-              <a:t>SVG</a:t>
-            </a:r>
-            <a:r>
-              <a:rPr lang="zh-CN" altLang="en-US" sz="2800" noProof="1">
-                <a:solidFill>
-                  <a:schemeClr val="tx1"/>
-                </a:solidFill>
-                <a:sym typeface="+mn-ea"/>
-              </a:rPr>
-              <a:t>、</a:t>
-            </a:r>
-            <a:r>
-              <a:rPr lang="en-US" altLang="zh-CN" sz="2800" noProof="1">
-                <a:solidFill>
-                  <a:schemeClr val="tx1"/>
-                </a:solidFill>
-                <a:sym typeface="+mn-ea"/>
-              </a:rPr>
-              <a:t>Canvas+SVG</a:t>
-            </a:r>
-            <a:r>
-              <a:rPr lang="zh-CN" altLang="en-US" sz="2800" noProof="1">
-                <a:solidFill>
-                  <a:schemeClr val="tx1"/>
-                </a:solidFill>
-                <a:sym typeface="+mn-ea"/>
-              </a:rPr>
-              <a:t>）</a:t>
-            </a:r>
-            <a:endParaRPr lang="zh-CN" altLang="en-US" sz="2800" noProof="1">
-              <a:solidFill>
-                <a:schemeClr val="tx1"/>
-              </a:solidFill>
-              <a:sym typeface="+mn-ea"/>
-            </a:endParaRPr>
-          </a:p>
-          <a:p>
-            <a:pPr marL="0" indent="0">
-              <a:buFont typeface="Wingdings 2" panose="05020102010507070707" pitchFamily="18" charset="2"/>
-              <a:buNone/>
-            </a:pPr>
-            <a:endParaRPr lang="en-US" altLang="zh-CN" noProof="1">
-              <a:solidFill>
-                <a:schemeClr val="tx1"/>
-              </a:solidFill>
-              <a:latin typeface="微软雅黑" panose="020B0503020204020204" pitchFamily="34" charset="-122"/>
-              <a:ea typeface="微软雅黑" panose="020B0503020204020204" pitchFamily="34" charset="-122"/>
-            </a:endParaRPr>
-          </a:p>
-        </p:txBody>
-      </p:sp>
-      <p:sp>
-        <p:nvSpPr>
-          <p:cNvPr id="2" name="内容占位符 1"/>
-          <p:cNvSpPr>
-            <a:spLocks noGrp="1"/>
-          </p:cNvSpPr>
-          <p:nvPr>
-            <p:ph sz="quarter" idx="11"/>
-          </p:nvPr>
-        </p:nvSpPr>
-        <p:spPr>
-          <a:xfrm>
-            <a:off x="947420" y="236855"/>
-            <a:ext cx="8415655" cy="490220"/>
-          </a:xfrm>
-        </p:spPr>
-        <p:txBody>
-          <a:bodyPr/>
-          <a:p>
-            <a:pPr algn="l">
-              <a:buNone/>
-            </a:pPr>
-            <a:r>
-              <a:rPr kumimoji="0" lang="en-US" altLang="zh-CN" sz="3200" dirty="0">
-                <a:solidFill>
-                  <a:srgbClr val="C00000"/>
-                </a:solidFill>
-                <a:cs typeface="+mn-cs"/>
-              </a:rPr>
-              <a:t>Canvas </a:t>
-            </a:r>
-            <a:r>
-              <a:rPr kumimoji="0" lang="zh-CN" altLang="en-US" sz="3200" dirty="0">
-                <a:solidFill>
-                  <a:srgbClr val="C00000"/>
-                </a:solidFill>
-                <a:cs typeface="+mn-cs"/>
-              </a:rPr>
-              <a:t>与 </a:t>
-            </a:r>
-            <a:r>
-              <a:rPr kumimoji="0" lang="en-US" altLang="zh-CN" sz="3200" dirty="0">
-                <a:solidFill>
-                  <a:srgbClr val="C00000"/>
-                </a:solidFill>
-                <a:cs typeface="+mn-cs"/>
-              </a:rPr>
-              <a:t>SVG </a:t>
-            </a:r>
-            <a:r>
-              <a:rPr kumimoji="0" lang="zh-CN" altLang="en-US" sz="3200" dirty="0">
-                <a:solidFill>
-                  <a:srgbClr val="C00000"/>
-                </a:solidFill>
-                <a:cs typeface="+mn-cs"/>
-              </a:rPr>
-              <a:t>的选择</a:t>
-            </a:r>
-            <a:endParaRPr kumimoji="0" lang="zh-CN" altLang="en-US" sz="3200" dirty="0">
-              <a:solidFill>
-                <a:srgbClr val="C00000"/>
-              </a:solidFill>
-              <a:cs typeface="+mn-cs"/>
-            </a:endParaRPr>
-          </a:p>
-        </p:txBody>
-      </p:sp>
-      <p:pic>
-        <p:nvPicPr>
-          <p:cNvPr id="4" name="图片 3"/>
-          <p:cNvPicPr>
-            <a:picLocks noChangeAspect="1"/>
-          </p:cNvPicPr>
-          <p:nvPr/>
-        </p:nvPicPr>
-        <p:blipFill>
-          <a:blip r:embed="rId1"/>
-          <a:stretch>
-            <a:fillRect/>
-          </a:stretch>
-        </p:blipFill>
-        <p:spPr>
-          <a:xfrm>
-            <a:off x="2071370" y="1910080"/>
-            <a:ext cx="8049895" cy="3768090"/>
-          </a:xfrm>
-          <a:prstGeom prst="rect">
-            <a:avLst/>
-          </a:prstGeom>
-        </p:spPr>
-      </p:pic>
-    </p:spTree>
-  </p:cSld>
-  <p:clrMapOvr>
-    <a:masterClrMapping/>
-  </p:clrMapOvr>
-  <p:timing>
-    <p:tnLst>
-      <p:par>
-        <p:cTn id="1" dur="indefinite" restart="never" nodeType="tmRoot">
-          <p:childTnLst>
-            <p:seq concurrent="1" nextAc="seek">
-              <p:cTn id="2" dur="indefinite" nodeType="mainSeq">
-                <p:childTnLst>
-                  <p:par>
-                    <p:cTn id="3" fill="hold">
-                      <p:stCondLst>
-                        <p:cond delay="indefinite"/>
-                      </p:stCondLst>
-                      <p:childTnLst>
-                        <p:par>
-                          <p:cTn id="4" fill="hold">
-                            <p:stCondLst>
-                              <p:cond delay="0"/>
-                            </p:stCondLst>
-                            <p:childTnLst>
-                              <p:par>
-                                <p:cTn id="5" presetID="2" presetClass="entr" presetSubtype="4" fill="hold" nodeType="clickEffect">
-                                  <p:stCondLst>
-                                    <p:cond delay="0"/>
-                                  </p:stCondLst>
-                                  <p:childTnLst>
-                                    <p:set>
-                                      <p:cBhvr>
-                                        <p:cTn id="6" dur="1" fill="hold">
-                                          <p:stCondLst>
-                                            <p:cond delay="0"/>
-                                          </p:stCondLst>
-                                        </p:cTn>
-                                        <p:tgtEl>
-                                          <p:spTgt spid="5122">
-                                            <p:txEl>
-                                              <p:pRg st="0" end="0"/>
-                                            </p:txEl>
-                                          </p:spTgt>
-                                        </p:tgtEl>
-                                        <p:attrNameLst>
-                                          <p:attrName>style.visibility</p:attrName>
-                                        </p:attrNameLst>
-                                      </p:cBhvr>
-                                      <p:to>
-                                        <p:strVal val="visible"/>
-                                      </p:to>
-                                    </p:set>
-                                    <p:anim calcmode="lin" valueType="num">
-                                      <p:cBhvr additive="base">
-                                        <p:cTn id="7" dur="500" fill="hold"/>
-                                        <p:tgtEl>
-                                          <p:spTgt spid="5122">
-                                            <p:txEl>
-                                              <p:pRg st="0" end="0"/>
-                                            </p:txEl>
-                                          </p:spTgt>
-                                        </p:tgtEl>
-                                        <p:attrNameLst>
-                                          <p:attrName>ppt_x</p:attrName>
-                                        </p:attrNameLst>
-                                      </p:cBhvr>
-                                      <p:tavLst>
-                                        <p:tav tm="0">
-                                          <p:val>
-                                            <p:strVal val="#ppt_x"/>
-                                          </p:val>
-                                        </p:tav>
-                                        <p:tav tm="100000">
-                                          <p:val>
-                                            <p:strVal val="#ppt_x"/>
-                                          </p:val>
-                                        </p:tav>
-                                      </p:tavLst>
-                                    </p:anim>
-                                    <p:anim calcmode="lin" valueType="num">
-                                      <p:cBhvr additive="base">
-                                        <p:cTn id="8" dur="500" fill="hold"/>
-                                        <p:tgtEl>
-                                          <p:spTgt spid="5122">
-                                            <p:txEl>
-                                              <p:pRg st="0" end="0"/>
-                                            </p:txEl>
-                                          </p:spTgt>
-                                        </p:tgtEl>
-                                        <p:attrNameLst>
-                                          <p:attrName>ppt_y</p:attrName>
-                                        </p:attrNameLst>
-                                      </p:cBhvr>
-                                      <p:tavLst>
-                                        <p:tav tm="0">
-                                          <p:val>
-                                            <p:strVal val="1+#ppt_h/2"/>
-                                          </p:val>
-                                        </p:tav>
-                                        <p:tav tm="100000">
-                                          <p:val>
-                                            <p:strVal val="#ppt_y"/>
-                                          </p:val>
-                                        </p:tav>
-                                      </p:tavLst>
-                                    </p:anim>
-                                  </p:childTnLst>
-                                </p:cTn>
-                              </p:par>
-                            </p:childTnLst>
-                          </p:cTn>
-                        </p:par>
-                      </p:childTnLst>
-                    </p:cTn>
-                  </p:par>
-                  <p:par>
-                    <p:cTn id="9" fill="hold">
-                      <p:stCondLst>
-                        <p:cond delay="indefinite"/>
-                      </p:stCondLst>
-                      <p:childTnLst>
-                        <p:par>
-                          <p:cTn id="10" fill="hold">
-                            <p:stCondLst>
-                              <p:cond delay="0"/>
-                            </p:stCondLst>
-                            <p:childTnLst>
-                              <p:par>
-                                <p:cTn id="11" presetID="2" presetClass="entr" presetSubtype="4" fill="hold" nodeType="clickEffect">
-                                  <p:stCondLst>
-                                    <p:cond delay="0"/>
-                                  </p:stCondLst>
-                                  <p:childTnLst>
-                                    <p:set>
-                                      <p:cBhvr>
-                                        <p:cTn id="12" dur="1" fill="hold">
-                                          <p:stCondLst>
-                                            <p:cond delay="0"/>
-                                          </p:stCondLst>
-                                        </p:cTn>
-                                        <p:tgtEl>
-                                          <p:spTgt spid="4"/>
-                                        </p:tgtEl>
-                                        <p:attrNameLst>
-                                          <p:attrName>style.visibility</p:attrName>
-                                        </p:attrNameLst>
-                                      </p:cBhvr>
-                                      <p:to>
-                                        <p:strVal val="visible"/>
-                                      </p:to>
-                                    </p:set>
-                                    <p:anim calcmode="lin" valueType="num">
-                                      <p:cBhvr additive="base">
-                                        <p:cTn id="13" dur="500" fill="hold"/>
-                                        <p:tgtEl>
-                                          <p:spTgt spid="4"/>
-                                        </p:tgtEl>
-                                        <p:attrNameLst>
-                                          <p:attrName>ppt_x</p:attrName>
-                                        </p:attrNameLst>
-                                      </p:cBhvr>
-                                      <p:tavLst>
-                                        <p:tav tm="0">
-                                          <p:val>
-                                            <p:strVal val="#ppt_x"/>
-                                          </p:val>
-                                        </p:tav>
-                                        <p:tav tm="100000">
-                                          <p:val>
-                                            <p:strVal val="#ppt_x"/>
-                                          </p:val>
-                                        </p:tav>
-                                      </p:tavLst>
-                                    </p:anim>
-                                    <p:anim calcmode="lin" valueType="num">
-                                      <p:cBhvr additive="base">
-                                        <p:cTn id="14" dur="500" fill="hold"/>
-                                        <p:tgtEl>
-                                          <p:spTgt spid="4"/>
-                                        </p:tgtEl>
-                                        <p:attrNameLst>
-                                          <p:attrName>ppt_y</p:attrName>
-                                        </p:attrNameLst>
-                                      </p:cBhvr>
-                                      <p:tavLst>
-                                        <p:tav tm="0">
-                                          <p:val>
-                                            <p:strVal val="1+#ppt_h/2"/>
-                                          </p:val>
-                                        </p:tav>
-                                        <p:tav tm="100000">
-                                          <p:val>
-                                            <p:strVal val="#ppt_y"/>
-                                          </p:val>
-                                        </p:tav>
-                                      </p:tavLst>
-                                    </p:anim>
-                                  </p:childTnLst>
-                                </p:cTn>
-                              </p:par>
-                            </p:childTnLst>
-                          </p:cTn>
-                        </p:par>
-                      </p:childTnLst>
-                    </p:cTn>
-                  </p:par>
-                </p:childTnLst>
-              </p:cTn>
-              <p:prevCondLst>
-                <p:cond evt="onPrev" delay="0">
-                  <p:tgtEl>
-                    <p:sldTgt/>
-                  </p:tgtEl>
-                </p:cond>
-              </p:prevCondLst>
-              <p:nextCondLst>
-                <p:cond evt="onNext" delay="0">
-                  <p:tgtEl>
-                    <p:sldTgt/>
-                  </p:tgtEl>
-                </p:cond>
-              </p:nextCondLst>
-            </p:seq>
-          </p:childTnLst>
-        </p:cTn>
-      </p:par>
-    </p:tnLst>
-  </p:timing>
-</p:sld>
-</file>
-
-<file path=ppt/slides/slide15.xml><?xml version="1.0" encoding="utf-8"?>
-<p:sld xmlns:a="http://schemas.openxmlformats.org/drawingml/2006/main" xmlns:r="http://schemas.openxmlformats.org/officeDocument/2006/relationships" xmlns:p="http://schemas.openxmlformats.org/presentationml/2006/main">
-  <p:cSld>
-    <p:spTree>
-      <p:nvGrpSpPr>
-        <p:cNvPr id="1" name=""/>
-        <p:cNvGrpSpPr/>
-        <p:nvPr/>
-      </p:nvGrpSpPr>
-      <p:grpSpPr>
-        <a:xfrm>
-          <a:off x="0" y="0"/>
-          <a:ext cx="0" cy="0"/>
-          <a:chOff x="0" y="0"/>
-          <a:chExt cx="0" cy="0"/>
-        </a:xfrm>
-      </p:grpSpPr>
-      <p:sp>
-        <p:nvSpPr>
-          <p:cNvPr id="3" name="内容占位符 2"/>
-          <p:cNvSpPr>
-            <a:spLocks noGrp="1"/>
-          </p:cNvSpPr>
-          <p:nvPr/>
-        </p:nvSpPr>
-        <p:spPr>
-          <a:xfrm>
-            <a:off x="947204" y="236943"/>
-            <a:ext cx="8191557" cy="490476"/>
-          </a:xfrm>
-          <a:prstGeom prst="rect">
-            <a:avLst/>
-          </a:prstGeom>
-        </p:spPr>
-        <p:txBody>
-          <a:bodyPr/>
-          <a:lstStyle>
-            <a:lvl1pPr marL="167005" indent="-167005" algn="l" defTabSz="0" rtl="0" eaLnBrk="0" fontAlgn="base" hangingPunct="0">
-              <a:spcBef>
-                <a:spcPct val="0"/>
-              </a:spcBef>
-              <a:spcAft>
-                <a:spcPct val="15000"/>
-              </a:spcAft>
-              <a:buClr>
-                <a:schemeClr val="tx2"/>
-              </a:buClr>
-              <a:buFont typeface="Arial" panose="020B0604020202020204" pitchFamily="34" charset="0"/>
-              <a:buNone/>
-              <a:defRPr sz="3200" b="0">
-                <a:solidFill>
-                  <a:srgbClr val="C00000"/>
-                </a:solidFill>
-                <a:latin typeface="微软雅黑" panose="020B0503020204020204" pitchFamily="34" charset="-122"/>
-                <a:ea typeface="微软雅黑" panose="020B0503020204020204" pitchFamily="34" charset="-122"/>
-                <a:cs typeface="+mn-cs"/>
-              </a:defRPr>
-            </a:lvl1pPr>
-            <a:lvl2pPr marL="398780" indent="-230505" algn="l" defTabSz="0" rtl="0" eaLnBrk="0" fontAlgn="base" hangingPunct="0">
-              <a:spcBef>
-                <a:spcPct val="0"/>
-              </a:spcBef>
-              <a:spcAft>
-                <a:spcPct val="15000"/>
-              </a:spcAft>
-              <a:buClr>
-                <a:schemeClr val="tx2"/>
-              </a:buClr>
-              <a:buFont typeface="Arial" panose="020B0604020202020204" pitchFamily="34" charset="0"/>
-              <a:buChar char="–"/>
-              <a:defRPr sz="2000">
-                <a:solidFill>
-                  <a:schemeClr val="tx1"/>
-                </a:solidFill>
-                <a:latin typeface="微软雅黑" panose="020B0503020204020204" pitchFamily="34" charset="-122"/>
-                <a:ea typeface="微软雅黑" panose="020B0503020204020204" pitchFamily="34" charset="-122"/>
-              </a:defRPr>
-            </a:lvl2pPr>
-            <a:lvl3pPr marL="400050" indent="182880" algn="l" defTabSz="0" rtl="0" eaLnBrk="0" fontAlgn="base" hangingPunct="0">
-              <a:spcBef>
-                <a:spcPct val="0"/>
-              </a:spcBef>
-              <a:spcAft>
-                <a:spcPct val="15000"/>
-              </a:spcAft>
-              <a:buClr>
-                <a:schemeClr val="tx2"/>
-              </a:buClr>
-              <a:buFont typeface="Arial" panose="020B0604020202020204" pitchFamily="34" charset="0"/>
-              <a:buChar char="•"/>
-              <a:defRPr sz="1600">
-                <a:solidFill>
-                  <a:schemeClr val="tx1"/>
-                </a:solidFill>
-                <a:latin typeface="微软雅黑" panose="020B0503020204020204" pitchFamily="34" charset="-122"/>
-                <a:ea typeface="微软雅黑" panose="020B0503020204020204" pitchFamily="34" charset="-122"/>
-              </a:defRPr>
-            </a:lvl3pPr>
-            <a:lvl4pPr marL="825500" indent="-241300" algn="l" defTabSz="0" rtl="0" eaLnBrk="0" fontAlgn="base" hangingPunct="0">
-              <a:spcBef>
-                <a:spcPct val="0"/>
-              </a:spcBef>
-              <a:spcAft>
-                <a:spcPct val="15000"/>
-              </a:spcAft>
-              <a:buClr>
-                <a:schemeClr val="tx2"/>
-              </a:buClr>
-              <a:buFont typeface="Arial" panose="020B0604020202020204" pitchFamily="34" charset="0"/>
-              <a:buChar char="–"/>
-              <a:defRPr sz="1600">
-                <a:solidFill>
-                  <a:schemeClr val="tx1"/>
-                </a:solidFill>
-                <a:latin typeface="微软雅黑" panose="020B0503020204020204" pitchFamily="34" charset="-122"/>
-                <a:ea typeface="微软雅黑" panose="020B0503020204020204" pitchFamily="34" charset="-122"/>
-              </a:defRPr>
-            </a:lvl4pPr>
-            <a:lvl5pPr marL="2057400" indent="-228600" algn="l" defTabSz="0" rtl="0" eaLnBrk="0" fontAlgn="base" hangingPunct="0">
-              <a:spcBef>
-                <a:spcPct val="0"/>
-              </a:spcBef>
-              <a:spcAft>
-                <a:spcPct val="25000"/>
-              </a:spcAft>
-              <a:buClr>
-                <a:schemeClr val="tx2"/>
-              </a:buClr>
-              <a:buFont typeface="Arial" panose="020B0604020202020204" pitchFamily="34" charset="0"/>
-              <a:buChar char="–"/>
-              <a:defRPr sz="2000">
-                <a:solidFill>
-                  <a:schemeClr val="tx1"/>
-                </a:solidFill>
-                <a:latin typeface="+mn-lt"/>
-                <a:ea typeface="微软雅黑" panose="020B0503020204020204" pitchFamily="34" charset="-122"/>
-              </a:defRPr>
-            </a:lvl5pPr>
-            <a:lvl6pPr marL="2514600" indent="-228600" algn="l" defTabSz="0" rtl="0" eaLnBrk="0" fontAlgn="base" hangingPunct="0">
-              <a:spcBef>
-                <a:spcPct val="0"/>
-              </a:spcBef>
-              <a:spcAft>
-                <a:spcPct val="25000"/>
-              </a:spcAft>
-              <a:buClr>
-                <a:schemeClr val="tx2"/>
-              </a:buClr>
-              <a:buFont typeface="Arial" panose="020B0604020202020204" pitchFamily="34" charset="0"/>
-              <a:buChar char="–"/>
-              <a:defRPr>
-                <a:solidFill>
-                  <a:schemeClr val="tx1"/>
-                </a:solidFill>
-                <a:latin typeface="+mn-lt"/>
-              </a:defRPr>
-            </a:lvl6pPr>
-            <a:lvl7pPr marL="2971800" indent="-228600" algn="l" defTabSz="0" rtl="0" eaLnBrk="0" fontAlgn="base" hangingPunct="0">
-              <a:spcBef>
-                <a:spcPct val="0"/>
-              </a:spcBef>
-              <a:spcAft>
-                <a:spcPct val="25000"/>
-              </a:spcAft>
-              <a:buClr>
-                <a:schemeClr val="tx2"/>
-              </a:buClr>
-              <a:buFont typeface="Arial" panose="020B0604020202020204" pitchFamily="34" charset="0"/>
-              <a:buChar char="–"/>
-              <a:defRPr>
-                <a:solidFill>
-                  <a:schemeClr val="tx1"/>
-                </a:solidFill>
-                <a:latin typeface="+mn-lt"/>
-              </a:defRPr>
-            </a:lvl7pPr>
-            <a:lvl8pPr marL="3429000" indent="-228600" algn="l" defTabSz="0" rtl="0" eaLnBrk="0" fontAlgn="base" hangingPunct="0">
-              <a:spcBef>
-                <a:spcPct val="0"/>
-              </a:spcBef>
-              <a:spcAft>
-                <a:spcPct val="25000"/>
-              </a:spcAft>
-              <a:buClr>
-                <a:schemeClr val="tx2"/>
-              </a:buClr>
-              <a:buFont typeface="Arial" panose="020B0604020202020204" pitchFamily="34" charset="0"/>
-              <a:buChar char="–"/>
-              <a:defRPr>
-                <a:solidFill>
-                  <a:schemeClr val="tx1"/>
-                </a:solidFill>
-                <a:latin typeface="+mn-lt"/>
-              </a:defRPr>
-            </a:lvl8pPr>
-            <a:lvl9pPr marL="3886200" indent="-228600" algn="l" defTabSz="0" rtl="0" eaLnBrk="0" fontAlgn="base" hangingPunct="0">
-              <a:spcBef>
-                <a:spcPct val="0"/>
-              </a:spcBef>
-              <a:spcAft>
-                <a:spcPct val="25000"/>
-              </a:spcAft>
-              <a:buClr>
-                <a:schemeClr val="tx2"/>
-              </a:buClr>
-              <a:buFont typeface="Arial" panose="020B0604020202020204" pitchFamily="34" charset="0"/>
-              <a:buChar char="–"/>
-              <a:defRPr>
-                <a:solidFill>
-                  <a:schemeClr val="tx1"/>
-                </a:solidFill>
-                <a:latin typeface="+mn-lt"/>
-              </a:defRPr>
-            </a:lvl9pPr>
-          </a:lstStyle>
-          <a:p>
-            <a:r>
-              <a:rPr lang="zh-CN" dirty="0" smtClean="0"/>
-              <a:t>内容刚要</a:t>
-            </a:r>
-            <a:endParaRPr lang="zh-CN" dirty="0" smtClean="0"/>
-          </a:p>
-        </p:txBody>
-      </p:sp>
-      <p:sp>
-        <p:nvSpPr>
-          <p:cNvPr id="4" name="AutoShape 6"/>
-          <p:cNvSpPr>
-            <a:spLocks noChangeArrowheads="1"/>
-          </p:cNvSpPr>
-          <p:nvPr/>
-        </p:nvSpPr>
-        <p:spPr bwMode="auto">
-          <a:xfrm>
-            <a:off x="2739708" y="1261111"/>
-            <a:ext cx="6711950" cy="4214813"/>
-          </a:xfrm>
-          <a:prstGeom prst="roundRect">
-            <a:avLst>
-              <a:gd name="adj" fmla="val 16667"/>
-            </a:avLst>
-          </a:prstGeom>
-          <a:noFill/>
-          <a:ln w="28575">
-            <a:solidFill>
-              <a:srgbClr val="C0C0C0"/>
-            </a:solidFill>
-            <a:prstDash val="sysDot"/>
-            <a:round/>
-          </a:ln>
-          <a:extLst>
-            <a:ext uri="{909E8E84-426E-40DD-AFC4-6F175D3DCCD1}">
-              <a14:hiddenFill xmlns:a14="http://schemas.microsoft.com/office/drawing/2010/main">
-                <a:solidFill>
-                  <a:srgbClr val="FFFFFF"/>
-                </a:solidFill>
-              </a14:hiddenFill>
-            </a:ext>
-          </a:extLst>
-        </p:spPr>
-        <p:txBody>
-          <a:bodyPr wrap="none" anchor="ctr"/>
-          <a:lstStyle>
-            <a:lvl1pPr marL="457200" indent="-457200">
-              <a:defRPr sz="3200">
-                <a:solidFill>
-                  <a:schemeClr val="tx1"/>
-                </a:solidFill>
-                <a:latin typeface="Arial" panose="020B0604020202020204" pitchFamily="34" charset="0"/>
-                <a:ea typeface="微软雅黑" panose="020B0503020204020204" pitchFamily="34" charset="-122"/>
-              </a:defRPr>
-            </a:lvl1pPr>
-            <a:lvl2pPr marL="742950" indent="-285750">
-              <a:defRPr sz="3200">
-                <a:solidFill>
-                  <a:schemeClr val="tx1"/>
-                </a:solidFill>
-                <a:latin typeface="Arial" panose="020B0604020202020204" pitchFamily="34" charset="0"/>
-                <a:ea typeface="微软雅黑" panose="020B0503020204020204" pitchFamily="34" charset="-122"/>
-              </a:defRPr>
-            </a:lvl2pPr>
-            <a:lvl3pPr marL="1143000" indent="-228600">
-              <a:defRPr sz="3200">
-                <a:solidFill>
-                  <a:schemeClr val="tx1"/>
-                </a:solidFill>
-                <a:latin typeface="Arial" panose="020B0604020202020204" pitchFamily="34" charset="0"/>
-                <a:ea typeface="微软雅黑" panose="020B0503020204020204" pitchFamily="34" charset="-122"/>
-              </a:defRPr>
-            </a:lvl3pPr>
-            <a:lvl4pPr marL="1600200" indent="-228600">
-              <a:defRPr sz="3200">
-                <a:solidFill>
-                  <a:schemeClr val="tx1"/>
-                </a:solidFill>
-                <a:latin typeface="Arial" panose="020B0604020202020204" pitchFamily="34" charset="0"/>
-                <a:ea typeface="微软雅黑" panose="020B0503020204020204" pitchFamily="34" charset="-122"/>
-              </a:defRPr>
-            </a:lvl4pPr>
-            <a:lvl5pPr marL="2057400" indent="-228600">
-              <a:defRPr sz="3200">
-                <a:solidFill>
-                  <a:schemeClr val="tx1"/>
-                </a:solidFill>
-                <a:latin typeface="Arial" panose="020B0604020202020204" pitchFamily="34" charset="0"/>
-                <a:ea typeface="微软雅黑" panose="020B0503020204020204" pitchFamily="34" charset="-122"/>
-              </a:defRPr>
-            </a:lvl5pPr>
-            <a:lvl6pPr marL="2514600" indent="-228600" eaLnBrk="0" fontAlgn="base" hangingPunct="0">
-              <a:spcBef>
-                <a:spcPct val="0"/>
-              </a:spcBef>
-              <a:spcAft>
-                <a:spcPct val="0"/>
-              </a:spcAft>
-              <a:defRPr sz="3200">
-                <a:solidFill>
-                  <a:schemeClr val="tx1"/>
-                </a:solidFill>
-                <a:latin typeface="Arial" panose="020B0604020202020204" pitchFamily="34" charset="0"/>
-                <a:ea typeface="微软雅黑" panose="020B0503020204020204" pitchFamily="34" charset="-122"/>
-              </a:defRPr>
-            </a:lvl6pPr>
-            <a:lvl7pPr marL="2971800" indent="-228600" eaLnBrk="0" fontAlgn="base" hangingPunct="0">
-              <a:spcBef>
-                <a:spcPct val="0"/>
-              </a:spcBef>
-              <a:spcAft>
-                <a:spcPct val="0"/>
-              </a:spcAft>
-              <a:defRPr sz="3200">
-                <a:solidFill>
-                  <a:schemeClr val="tx1"/>
-                </a:solidFill>
-                <a:latin typeface="Arial" panose="020B0604020202020204" pitchFamily="34" charset="0"/>
-                <a:ea typeface="微软雅黑" panose="020B0503020204020204" pitchFamily="34" charset="-122"/>
-              </a:defRPr>
-            </a:lvl7pPr>
-            <a:lvl8pPr marL="3429000" indent="-228600" eaLnBrk="0" fontAlgn="base" hangingPunct="0">
-              <a:spcBef>
-                <a:spcPct val="0"/>
-              </a:spcBef>
-              <a:spcAft>
-                <a:spcPct val="0"/>
-              </a:spcAft>
-              <a:defRPr sz="3200">
-                <a:solidFill>
-                  <a:schemeClr val="tx1"/>
-                </a:solidFill>
-                <a:latin typeface="Arial" panose="020B0604020202020204" pitchFamily="34" charset="0"/>
-                <a:ea typeface="微软雅黑" panose="020B0503020204020204" pitchFamily="34" charset="-122"/>
-              </a:defRPr>
-            </a:lvl8pPr>
-            <a:lvl9pPr marL="3886200" indent="-228600" eaLnBrk="0" fontAlgn="base" hangingPunct="0">
-              <a:spcBef>
-                <a:spcPct val="0"/>
-              </a:spcBef>
-              <a:spcAft>
-                <a:spcPct val="0"/>
-              </a:spcAft>
-              <a:defRPr sz="3200">
-                <a:solidFill>
-                  <a:schemeClr val="tx1"/>
-                </a:solidFill>
-                <a:latin typeface="Arial" panose="020B0604020202020204" pitchFamily="34" charset="0"/>
-                <a:ea typeface="微软雅黑" panose="020B0503020204020204" pitchFamily="34" charset="-122"/>
-              </a:defRPr>
-            </a:lvl9pPr>
-          </a:lstStyle>
-          <a:p>
-            <a:pPr>
-              <a:lnSpc>
-                <a:spcPct val="150000"/>
-              </a:lnSpc>
-              <a:spcBef>
-                <a:spcPts val="1200"/>
-              </a:spcBef>
-              <a:spcAft>
-                <a:spcPts val="1200"/>
-              </a:spcAft>
-              <a:buClr>
-                <a:srgbClr val="92D050"/>
-              </a:buClr>
-              <a:buFont typeface="Wingdings" panose="05000000000000000000" pitchFamily="2" charset="2"/>
-              <a:buChar char="Ø"/>
-            </a:pPr>
-            <a:r>
-              <a:rPr lang="en-US" sz="2800" b="1">
-                <a:solidFill>
-                  <a:schemeClr val="tx1"/>
-                </a:solidFill>
-              </a:rPr>
-              <a:t>Canvas </a:t>
-            </a:r>
-            <a:r>
-              <a:rPr lang="zh-CN" altLang="en-US" sz="2800" b="1">
-                <a:solidFill>
-                  <a:schemeClr val="tx1"/>
-                </a:solidFill>
-              </a:rPr>
-              <a:t>概述</a:t>
-            </a:r>
-            <a:endParaRPr lang="zh-CN" altLang="en-US" sz="2800" b="1">
-              <a:solidFill>
-                <a:schemeClr val="tx1"/>
-              </a:solidFill>
-            </a:endParaRPr>
-          </a:p>
-          <a:p>
-            <a:pPr>
-              <a:lnSpc>
-                <a:spcPct val="150000"/>
-              </a:lnSpc>
-              <a:spcBef>
-                <a:spcPts val="1200"/>
-              </a:spcBef>
-              <a:spcAft>
-                <a:spcPts val="1200"/>
-              </a:spcAft>
-              <a:buClr>
-                <a:srgbClr val="92D050"/>
-              </a:buClr>
-              <a:buFont typeface="Wingdings" panose="05000000000000000000" pitchFamily="2" charset="2"/>
-              <a:buChar char="Ø"/>
-            </a:pPr>
-            <a:r>
-              <a:rPr lang="en-US" sz="2800" b="1">
-                <a:solidFill>
-                  <a:schemeClr val="tx1"/>
-                </a:solidFill>
-              </a:rPr>
-              <a:t>SVG </a:t>
-            </a:r>
-            <a:r>
-              <a:rPr lang="zh-CN" altLang="en-US" sz="2800" b="1">
-                <a:solidFill>
-                  <a:schemeClr val="tx1"/>
-                </a:solidFill>
-              </a:rPr>
-              <a:t>概述</a:t>
-            </a:r>
-            <a:endParaRPr lang="zh-CN" altLang="en-US" sz="2800" b="1">
-              <a:solidFill>
-                <a:schemeClr val="tx1"/>
-              </a:solidFill>
-            </a:endParaRPr>
-          </a:p>
-          <a:p>
-            <a:pPr>
-              <a:lnSpc>
-                <a:spcPct val="150000"/>
-              </a:lnSpc>
-              <a:spcBef>
-                <a:spcPts val="1200"/>
-              </a:spcBef>
-              <a:spcAft>
-                <a:spcPts val="1200"/>
-              </a:spcAft>
-              <a:buClr>
-                <a:srgbClr val="92D050"/>
-              </a:buClr>
-              <a:buFont typeface="Wingdings" panose="05000000000000000000" pitchFamily="2" charset="2"/>
-              <a:buChar char="Ø"/>
-            </a:pPr>
-            <a:r>
-              <a:rPr lang="en-US" sz="2800" b="1">
-                <a:solidFill>
-                  <a:srgbClr val="FF0000"/>
-                </a:solidFill>
-              </a:rPr>
-              <a:t>WebGL </a:t>
-            </a:r>
-            <a:r>
-              <a:rPr lang="zh-CN" altLang="en-US" sz="2800" b="1">
-                <a:solidFill>
-                  <a:srgbClr val="FF0000"/>
-                </a:solidFill>
-              </a:rPr>
-              <a:t>概述</a:t>
-            </a:r>
-            <a:endParaRPr lang="zh-CN" altLang="en-US" sz="2800" b="1">
-              <a:solidFill>
-                <a:srgbClr val="FF0000"/>
-              </a:solidFill>
-            </a:endParaRPr>
-          </a:p>
-        </p:txBody>
-      </p:sp>
-    </p:spTree>
-  </p:cSld>
-  <p:clrMapOvr>
-    <a:masterClrMapping/>
-  </p:clrMapOvr>
-  <p:timing>
-    <p:tnLst>
-      <p:par>
-        <p:cTn id="1" dur="indefinite" restart="never" nodeType="tmRoot"/>
-      </p:par>
-    </p:tnLst>
-  </p:timing>
-</p:sld>
-</file>
-
-<file path=ppt/slides/slide16.xml><?xml version="1.0" encoding="utf-8"?>
-<p:sld xmlns:a="http://schemas.openxmlformats.org/drawingml/2006/main" xmlns:r="http://schemas.openxmlformats.org/officeDocument/2006/relationships" xmlns:p="http://schemas.openxmlformats.org/presentationml/2006/main">
-  <p:cSld>
-    <p:spTree>
-      <p:nvGrpSpPr>
-        <p:cNvPr id="1" name=""/>
-        <p:cNvGrpSpPr/>
-        <p:nvPr/>
-      </p:nvGrpSpPr>
-      <p:grpSpPr>
-        <a:xfrm>
-          <a:off x="0" y="0"/>
-          <a:ext cx="0" cy="0"/>
-          <a:chOff x="0" y="0"/>
-          <a:chExt cx="0" cy="0"/>
-        </a:xfrm>
-      </p:grpSpPr>
-      <p:sp>
-        <p:nvSpPr>
-          <p:cNvPr id="5122" name="内容占位符 2"/>
-          <p:cNvSpPr>
-            <a:spLocks noGrp="1"/>
-          </p:cNvSpPr>
-          <p:nvPr>
-            <p:ph idx="1"/>
-          </p:nvPr>
-        </p:nvSpPr>
-        <p:spPr>
-          <a:xfrm>
-            <a:off x="968375" y="829945"/>
-            <a:ext cx="9882505" cy="5250815"/>
-          </a:xfrm>
-        </p:spPr>
-        <p:txBody>
-          <a:bodyPr/>
-          <a:lstStyle/>
-          <a:p>
-            <a:pPr>
-              <a:lnSpc>
-                <a:spcPct val="150000"/>
-              </a:lnSpc>
-              <a:spcBef>
-                <a:spcPts val="1000"/>
-              </a:spcBef>
-            </a:pPr>
-            <a:r>
-              <a:rPr sz="2100" noProof="1">
-                <a:solidFill>
-                  <a:schemeClr val="tx1"/>
-                </a:solidFill>
-                <a:sym typeface="+mn-ea"/>
-              </a:rPr>
-              <a:t>WebGL是一种3D绘图标准，这种绘图技术标准允许把</a:t>
-            </a:r>
-            <a:r>
-              <a:rPr sz="2100" noProof="1">
-                <a:solidFill>
-                  <a:srgbClr val="FF0000"/>
-                </a:solidFill>
-                <a:sym typeface="+mn-ea"/>
-              </a:rPr>
-              <a:t>JavaScript和OpenGL ES</a:t>
-            </a:r>
-            <a:r>
-              <a:rPr sz="2100" noProof="1">
-                <a:solidFill>
-                  <a:schemeClr val="tx1"/>
-                </a:solidFill>
-                <a:sym typeface="+mn-ea"/>
-              </a:rPr>
-              <a:t>结合在一起，通过增加OpenGL ES的一个JavaScript绑定，WebGL</a:t>
-            </a:r>
-            <a:r>
-              <a:rPr lang="zh-CN" sz="2100" noProof="1">
-                <a:solidFill>
-                  <a:schemeClr val="tx1"/>
-                </a:solidFill>
-                <a:sym typeface="+mn-ea"/>
-              </a:rPr>
-              <a:t>即</a:t>
-            </a:r>
-            <a:r>
-              <a:rPr sz="2100" noProof="1">
-                <a:solidFill>
-                  <a:schemeClr val="tx1"/>
-                </a:solidFill>
-                <a:sym typeface="+mn-ea"/>
-              </a:rPr>
-              <a:t>可以为HTML5 Canvas提供硬件3D加速渲染，这样Web开发人员就可以借助系统显卡来在浏览器里更流畅地</a:t>
-            </a:r>
-            <a:r>
-              <a:rPr sz="2100" noProof="1">
-                <a:solidFill>
-                  <a:srgbClr val="FF0000"/>
-                </a:solidFill>
-                <a:sym typeface="+mn-ea"/>
-              </a:rPr>
-              <a:t>展示3D场景和模型</a:t>
-            </a:r>
-            <a:r>
-              <a:rPr sz="2100" noProof="1">
-                <a:solidFill>
-                  <a:schemeClr val="tx1"/>
-                </a:solidFill>
-                <a:sym typeface="+mn-ea"/>
-              </a:rPr>
-              <a:t>了，还能创建复杂的</a:t>
-            </a:r>
-            <a:r>
-              <a:rPr sz="2100" noProof="1">
-                <a:solidFill>
-                  <a:srgbClr val="FF0000"/>
-                </a:solidFill>
-                <a:sym typeface="+mn-ea"/>
-              </a:rPr>
-              <a:t>导航和数据视觉化</a:t>
-            </a:r>
-            <a:r>
-              <a:rPr sz="2100" noProof="1">
-                <a:solidFill>
-                  <a:schemeClr val="tx1"/>
-                </a:solidFill>
-                <a:sym typeface="+mn-ea"/>
-              </a:rPr>
-              <a:t>。WebGL技术标准免去了开发网页专用渲染插件的麻烦，可被用于创建具有复杂3D结构的网站页面，甚至可以用来设计3D网页游戏等等</a:t>
-            </a:r>
-            <a:endParaRPr sz="2100" noProof="1">
-              <a:solidFill>
-                <a:schemeClr val="tx1"/>
-              </a:solidFill>
-              <a:sym typeface="+mn-ea"/>
-            </a:endParaRPr>
-          </a:p>
-          <a:p>
-            <a:pPr>
-              <a:lnSpc>
-                <a:spcPct val="150000"/>
-              </a:lnSpc>
-              <a:spcBef>
-                <a:spcPts val="1000"/>
-              </a:spcBef>
-            </a:pPr>
-            <a:r>
-              <a:rPr lang="en-US" sz="2100" noProof="1">
-                <a:solidFill>
-                  <a:schemeClr val="tx1"/>
-                </a:solidFill>
-                <a:sym typeface="+mn-ea"/>
-              </a:rPr>
-              <a:t>WebGL完美地解决了现有的Web交互式三维动画的两个问题：第一，它通过HTML脚本本身实现Web交互式三维动画的制作，</a:t>
-            </a:r>
-            <a:r>
-              <a:rPr lang="en-US" sz="2100" noProof="1">
-                <a:solidFill>
-                  <a:srgbClr val="FF0000"/>
-                </a:solidFill>
-                <a:sym typeface="+mn-ea"/>
-              </a:rPr>
-              <a:t>无需任何浏览器插件支持</a:t>
-            </a:r>
-            <a:r>
-              <a:rPr lang="zh-CN" altLang="en-US" sz="2100" noProof="1">
-                <a:solidFill>
-                  <a:schemeClr val="tx1"/>
-                </a:solidFill>
-                <a:sym typeface="+mn-ea"/>
-              </a:rPr>
-              <a:t>；</a:t>
-            </a:r>
-            <a:r>
-              <a:rPr lang="en-US" sz="2100" noProof="1">
-                <a:solidFill>
-                  <a:schemeClr val="tx1"/>
-                </a:solidFill>
-                <a:sym typeface="+mn-ea"/>
-              </a:rPr>
-              <a:t>第二，它利用底层的图形硬件加速功能进行的图形渲染，是通过</a:t>
-            </a:r>
-            <a:r>
-              <a:rPr lang="en-US" sz="2100" noProof="1">
-                <a:solidFill>
-                  <a:srgbClr val="FF0000"/>
-                </a:solidFill>
-                <a:sym typeface="+mn-ea"/>
-              </a:rPr>
-              <a:t>统一的、标准的、跨平台的OpenGL接口</a:t>
-            </a:r>
-            <a:r>
-              <a:rPr lang="en-US" sz="2100" noProof="1">
-                <a:solidFill>
-                  <a:schemeClr val="tx1"/>
-                </a:solidFill>
-                <a:sym typeface="+mn-ea"/>
-              </a:rPr>
-              <a:t>实现的</a:t>
-            </a:r>
-            <a:endParaRPr lang="en-US" sz="2100" noProof="1">
-              <a:solidFill>
-                <a:schemeClr val="tx1"/>
-              </a:solidFill>
-              <a:sym typeface="+mn-ea"/>
-            </a:endParaRPr>
-          </a:p>
-          <a:p>
-            <a:pPr marL="0" indent="0">
-              <a:buFont typeface="Wingdings 2" panose="05020102010507070707" pitchFamily="18" charset="2"/>
-              <a:buNone/>
-            </a:pPr>
-            <a:endParaRPr lang="en-US" altLang="zh-CN" noProof="1">
-              <a:solidFill>
-                <a:schemeClr val="tx1"/>
-              </a:solidFill>
-              <a:latin typeface="微软雅黑" panose="020B0503020204020204" pitchFamily="34" charset="-122"/>
-              <a:ea typeface="微软雅黑" panose="020B0503020204020204" pitchFamily="34" charset="-122"/>
-            </a:endParaRPr>
-          </a:p>
-        </p:txBody>
-      </p:sp>
-      <p:sp>
-        <p:nvSpPr>
-          <p:cNvPr id="2" name="内容占位符 1"/>
-          <p:cNvSpPr>
-            <a:spLocks noGrp="1"/>
-          </p:cNvSpPr>
-          <p:nvPr>
-            <p:ph sz="quarter" idx="11"/>
-          </p:nvPr>
-        </p:nvSpPr>
-        <p:spPr>
-          <a:xfrm>
-            <a:off x="947420" y="236855"/>
-            <a:ext cx="8415655" cy="490220"/>
-          </a:xfrm>
-        </p:spPr>
-        <p:txBody>
-          <a:bodyPr/>
-          <a:p>
-            <a:pPr algn="l">
-              <a:buNone/>
-            </a:pPr>
-            <a:r>
-              <a:rPr kumimoji="0" lang="en-US" sz="3200" dirty="0">
-                <a:solidFill>
-                  <a:srgbClr val="C00000"/>
-                </a:solidFill>
-                <a:cs typeface="+mn-cs"/>
-              </a:rPr>
-              <a:t>WebGL </a:t>
-            </a:r>
-            <a:r>
-              <a:rPr kumimoji="0" lang="zh-CN" altLang="en-US" sz="3200" dirty="0">
-                <a:solidFill>
-                  <a:srgbClr val="C00000"/>
-                </a:solidFill>
-                <a:cs typeface="+mn-cs"/>
-              </a:rPr>
-              <a:t>简介</a:t>
-            </a:r>
-            <a:endParaRPr kumimoji="0" lang="zh-CN" altLang="en-US" sz="3200" dirty="0">
-              <a:solidFill>
-                <a:srgbClr val="C00000"/>
-              </a:solidFill>
-              <a:cs typeface="+mn-cs"/>
-            </a:endParaRPr>
-          </a:p>
-        </p:txBody>
-      </p:sp>
-      <p:sp>
-        <p:nvSpPr>
-          <p:cNvPr id="5" name="文本框 4"/>
-          <p:cNvSpPr txBox="1"/>
-          <p:nvPr/>
-        </p:nvSpPr>
-        <p:spPr>
-          <a:xfrm>
-            <a:off x="5180965" y="6080760"/>
-            <a:ext cx="5106035" cy="429895"/>
-          </a:xfrm>
-          <a:prstGeom prst="rect">
-            <a:avLst/>
-          </a:prstGeom>
-          <a:noFill/>
-        </p:spPr>
-        <p:txBody>
-          <a:bodyPr wrap="square" rtlCol="0">
-            <a:spAutoFit/>
-          </a:bodyPr>
-          <a:p>
-            <a:pPr algn="l"/>
-            <a:r>
-              <a:rPr sz="2200">
-                <a:solidFill>
-                  <a:srgbClr val="FF0000"/>
-                </a:solidFill>
-                <a:latin typeface="+mn-ea"/>
-                <a:ea typeface="+mn-ea"/>
-              </a:rPr>
-              <a:t>https://www.w3cschool.cn/webgl/</a:t>
-            </a:r>
-            <a:endParaRPr sz="2200">
-              <a:solidFill>
-                <a:srgbClr val="FF0000"/>
-              </a:solidFill>
-              <a:latin typeface="+mn-ea"/>
-              <a:ea typeface="+mn-ea"/>
-            </a:endParaRPr>
-          </a:p>
-        </p:txBody>
-      </p:sp>
-    </p:spTree>
-  </p:cSld>
-  <p:clrMapOvr>
-    <a:masterClrMapping/>
-  </p:clrMapOvr>
-  <p:timing>
-    <p:tnLst>
-      <p:par>
-        <p:cTn id="1" dur="indefinite" restart="never" nodeType="tmRoot">
-          <p:childTnLst>
-            <p:seq concurrent="1" nextAc="seek">
-              <p:cTn id="2" dur="indefinite" nodeType="mainSeq">
-                <p:childTnLst>
-                  <p:par>
-                    <p:cTn id="3" fill="hold">
-                      <p:stCondLst>
-                        <p:cond delay="indefinite"/>
-                      </p:stCondLst>
-                      <p:childTnLst>
-                        <p:par>
-                          <p:cTn id="4" fill="hold">
-                            <p:stCondLst>
-                              <p:cond delay="0"/>
-                            </p:stCondLst>
-                            <p:childTnLst>
-                              <p:par>
-                                <p:cTn id="5" presetID="2" presetClass="entr" presetSubtype="4" fill="hold" nodeType="clickEffect">
-                                  <p:stCondLst>
-                                    <p:cond delay="0"/>
-                                  </p:stCondLst>
-                                  <p:childTnLst>
-                                    <p:set>
-                                      <p:cBhvr>
-                                        <p:cTn id="6" dur="1" fill="hold">
-                                          <p:stCondLst>
-                                            <p:cond delay="0"/>
-                                          </p:stCondLst>
-                                        </p:cTn>
-                                        <p:tgtEl>
-                                          <p:spTgt spid="5122">
-                                            <p:txEl>
-                                              <p:pRg st="0" end="0"/>
-                                            </p:txEl>
-                                          </p:spTgt>
-                                        </p:tgtEl>
-                                        <p:attrNameLst>
-                                          <p:attrName>style.visibility</p:attrName>
-                                        </p:attrNameLst>
-                                      </p:cBhvr>
-                                      <p:to>
-                                        <p:strVal val="visible"/>
-                                      </p:to>
-                                    </p:set>
-                                    <p:anim calcmode="lin" valueType="num">
-                                      <p:cBhvr additive="base">
-                                        <p:cTn id="7" dur="500" fill="hold"/>
-                                        <p:tgtEl>
-                                          <p:spTgt spid="5122">
-                                            <p:txEl>
-                                              <p:pRg st="0" end="0"/>
-                                            </p:txEl>
-                                          </p:spTgt>
-                                        </p:tgtEl>
-                                        <p:attrNameLst>
-                                          <p:attrName>ppt_x</p:attrName>
-                                        </p:attrNameLst>
-                                      </p:cBhvr>
-                                      <p:tavLst>
-                                        <p:tav tm="0">
-                                          <p:val>
-                                            <p:strVal val="#ppt_x"/>
-                                          </p:val>
-                                        </p:tav>
-                                        <p:tav tm="100000">
-                                          <p:val>
-                                            <p:strVal val="#ppt_x"/>
-                                          </p:val>
-                                        </p:tav>
-                                      </p:tavLst>
-                                    </p:anim>
-                                    <p:anim calcmode="lin" valueType="num">
-                                      <p:cBhvr additive="base">
-                                        <p:cTn id="8" dur="500" fill="hold"/>
-                                        <p:tgtEl>
-                                          <p:spTgt spid="5122">
-                                            <p:txEl>
-                                              <p:pRg st="0" end="0"/>
-                                            </p:txEl>
-                                          </p:spTgt>
-                                        </p:tgtEl>
-                                        <p:attrNameLst>
-                                          <p:attrName>ppt_y</p:attrName>
-                                        </p:attrNameLst>
-                                      </p:cBhvr>
-                                      <p:tavLst>
-                                        <p:tav tm="0">
-                                          <p:val>
-                                            <p:strVal val="1+#ppt_h/2"/>
-                                          </p:val>
-                                        </p:tav>
-                                        <p:tav tm="100000">
-                                          <p:val>
-                                            <p:strVal val="#ppt_y"/>
-                                          </p:val>
-                                        </p:tav>
-                                      </p:tavLst>
-                                    </p:anim>
-                                  </p:childTnLst>
-                                </p:cTn>
-                              </p:par>
-                            </p:childTnLst>
-                          </p:cTn>
-                        </p:par>
-                      </p:childTnLst>
-                    </p:cTn>
-                  </p:par>
-                  <p:par>
-                    <p:cTn id="9" fill="hold">
-                      <p:stCondLst>
-                        <p:cond delay="indefinite"/>
-                      </p:stCondLst>
-                      <p:childTnLst>
-                        <p:par>
-                          <p:cTn id="10" fill="hold">
-                            <p:stCondLst>
-                              <p:cond delay="0"/>
-                            </p:stCondLst>
-                            <p:childTnLst>
-                              <p:par>
-                                <p:cTn id="11" presetID="2" presetClass="entr" presetSubtype="4" fill="hold" nodeType="clickEffect">
-                                  <p:stCondLst>
-                                    <p:cond delay="0"/>
-                                  </p:stCondLst>
-                                  <p:childTnLst>
-                                    <p:set>
-                                      <p:cBhvr>
-                                        <p:cTn id="12" dur="1" fill="hold">
-                                          <p:stCondLst>
-                                            <p:cond delay="0"/>
-                                          </p:stCondLst>
-                                        </p:cTn>
-                                        <p:tgtEl>
-                                          <p:spTgt spid="5122">
-                                            <p:txEl>
-                                              <p:pRg st="1" end="1"/>
-                                            </p:txEl>
-                                          </p:spTgt>
-                                        </p:tgtEl>
-                                        <p:attrNameLst>
-                                          <p:attrName>style.visibility</p:attrName>
-                                        </p:attrNameLst>
-                                      </p:cBhvr>
-                                      <p:to>
-                                        <p:strVal val="visible"/>
-                                      </p:to>
-                                    </p:set>
-                                    <p:anim calcmode="lin" valueType="num">
-                                      <p:cBhvr additive="base">
-                                        <p:cTn id="13" dur="500" fill="hold"/>
-                                        <p:tgtEl>
-                                          <p:spTgt spid="5122">
-                                            <p:txEl>
-                                              <p:pRg st="1" end="1"/>
-                                            </p:txEl>
-                                          </p:spTgt>
-                                        </p:tgtEl>
-                                        <p:attrNameLst>
-                                          <p:attrName>ppt_x</p:attrName>
-                                        </p:attrNameLst>
-                                      </p:cBhvr>
-                                      <p:tavLst>
-                                        <p:tav tm="0">
-                                          <p:val>
-                                            <p:strVal val="#ppt_x"/>
-                                          </p:val>
-                                        </p:tav>
-                                        <p:tav tm="100000">
-                                          <p:val>
-                                            <p:strVal val="#ppt_x"/>
-                                          </p:val>
-                                        </p:tav>
-                                      </p:tavLst>
-                                    </p:anim>
-                                    <p:anim calcmode="lin" valueType="num">
-                                      <p:cBhvr additive="base">
-                                        <p:cTn id="14" dur="500" fill="hold"/>
-                                        <p:tgtEl>
-                                          <p:spTgt spid="5122">
-                                            <p:txEl>
-                                              <p:pRg st="1" end="1"/>
-                                            </p:txEl>
-                                          </p:spTgt>
-                                        </p:tgtEl>
-                                        <p:attrNameLst>
-                                          <p:attrName>ppt_y</p:attrName>
-                                        </p:attrNameLst>
-                                      </p:cBhvr>
-                                      <p:tavLst>
-                                        <p:tav tm="0">
-                                          <p:val>
-                                            <p:strVal val="1+#ppt_h/2"/>
-                                          </p:val>
-                                        </p:tav>
-                                        <p:tav tm="100000">
-                                          <p:val>
-                                            <p:strVal val="#ppt_y"/>
-                                          </p:val>
-                                        </p:tav>
-                                      </p:tavLst>
-                                    </p:anim>
-                                  </p:childTnLst>
-                                </p:cTn>
-                              </p:par>
-                            </p:childTnLst>
-                          </p:cTn>
-                        </p:par>
-                      </p:childTnLst>
-                    </p:cTn>
-                  </p:par>
-                </p:childTnLst>
-              </p:cTn>
-              <p:prevCondLst>
-                <p:cond evt="onPrev" delay="0">
-                  <p:tgtEl>
-                    <p:sldTgt/>
-                  </p:tgtEl>
-                </p:cond>
-              </p:prevCondLst>
-              <p:nextCondLst>
-                <p:cond evt="onNext" delay="0">
-                  <p:tgtEl>
-                    <p:sldTgt/>
-                  </p:tgtEl>
-                </p:cond>
-              </p:nextCondLst>
-            </p:seq>
-          </p:childTnLst>
-        </p:cTn>
-      </p:par>
-    </p:tnLst>
-  </p:timing>
-</p:sld>
-</file>
-
-<file path=ppt/slides/slide17.xml><?xml version="1.0" encoding="utf-8"?>
-<p:sld xmlns:a="http://schemas.openxmlformats.org/drawingml/2006/main" xmlns:r="http://schemas.openxmlformats.org/officeDocument/2006/relationships" xmlns:p="http://schemas.openxmlformats.org/presentationml/2006/main">
-  <p:cSld>
-    <p:spTree>
-      <p:nvGrpSpPr>
-        <p:cNvPr id="1" name=""/>
-        <p:cNvGrpSpPr/>
-        <p:nvPr/>
-      </p:nvGrpSpPr>
-      <p:grpSpPr>
-        <a:xfrm>
-          <a:off x="0" y="0"/>
-          <a:ext cx="0" cy="0"/>
-          <a:chOff x="0" y="0"/>
-          <a:chExt cx="0" cy="0"/>
-        </a:xfrm>
-      </p:grpSpPr>
-      <p:sp>
-        <p:nvSpPr>
-          <p:cNvPr id="5122" name="内容占位符 2"/>
-          <p:cNvSpPr>
-            <a:spLocks noGrp="1"/>
-          </p:cNvSpPr>
-          <p:nvPr>
-            <p:ph idx="1"/>
-          </p:nvPr>
-        </p:nvSpPr>
-        <p:spPr>
-          <a:xfrm>
-            <a:off x="968375" y="829945"/>
-            <a:ext cx="9882505" cy="5250815"/>
-          </a:xfrm>
-        </p:spPr>
-        <p:txBody>
-          <a:bodyPr/>
-          <a:lstStyle/>
-          <a:p>
-            <a:pPr marL="0" indent="0">
-              <a:lnSpc>
-                <a:spcPct val="150000"/>
-              </a:lnSpc>
-              <a:spcBef>
-                <a:spcPts val="1000"/>
-              </a:spcBef>
-              <a:buNone/>
-            </a:pPr>
-            <a:endParaRPr lang="en-US" sz="2000" noProof="1">
-              <a:solidFill>
-                <a:schemeClr val="tx1"/>
-              </a:solidFill>
-              <a:sym typeface="+mn-ea"/>
-            </a:endParaRPr>
-          </a:p>
-          <a:p>
-            <a:pPr marL="0" indent="0">
-              <a:buFont typeface="Wingdings 2" panose="05020102010507070707" pitchFamily="18" charset="2"/>
-              <a:buNone/>
-            </a:pPr>
-            <a:endParaRPr lang="en-US" altLang="zh-CN" noProof="1">
-              <a:solidFill>
-                <a:schemeClr val="tx1"/>
-              </a:solidFill>
-              <a:latin typeface="微软雅黑" panose="020B0503020204020204" pitchFamily="34" charset="-122"/>
-              <a:ea typeface="微软雅黑" panose="020B0503020204020204" pitchFamily="34" charset="-122"/>
-            </a:endParaRPr>
-          </a:p>
-        </p:txBody>
-      </p:sp>
-      <p:sp>
-        <p:nvSpPr>
-          <p:cNvPr id="2" name="内容占位符 1"/>
-          <p:cNvSpPr>
-            <a:spLocks noGrp="1"/>
-          </p:cNvSpPr>
-          <p:nvPr>
-            <p:ph sz="quarter" idx="11"/>
-          </p:nvPr>
-        </p:nvSpPr>
-        <p:spPr>
-          <a:xfrm>
-            <a:off x="947420" y="236855"/>
-            <a:ext cx="8415655" cy="490220"/>
-          </a:xfrm>
-        </p:spPr>
-        <p:txBody>
-          <a:bodyPr/>
-          <a:p>
-            <a:pPr algn="l">
-              <a:buNone/>
-            </a:pPr>
-            <a:r>
-              <a:rPr kumimoji="0" lang="en-US" sz="3200" dirty="0">
-                <a:solidFill>
-                  <a:srgbClr val="C00000"/>
-                </a:solidFill>
-                <a:cs typeface="+mn-cs"/>
-              </a:rPr>
-              <a:t>WebGL</a:t>
-            </a:r>
-            <a:r>
-              <a:rPr kumimoji="0" lang="zh-CN" altLang="en-US" sz="3200" dirty="0">
-                <a:solidFill>
-                  <a:srgbClr val="C00000"/>
-                </a:solidFill>
-                <a:cs typeface="+mn-cs"/>
-              </a:rPr>
-              <a:t>相关生态系统</a:t>
-            </a:r>
-            <a:endParaRPr kumimoji="0" lang="zh-CN" altLang="en-US" sz="3200" dirty="0">
-              <a:solidFill>
-                <a:srgbClr val="C00000"/>
-              </a:solidFill>
-              <a:cs typeface="+mn-cs"/>
-            </a:endParaRPr>
-          </a:p>
-        </p:txBody>
-      </p:sp>
-      <p:pic>
-        <p:nvPicPr>
-          <p:cNvPr id="3" name="图片 2"/>
-          <p:cNvPicPr>
-            <a:picLocks noChangeAspect="1"/>
-          </p:cNvPicPr>
-          <p:nvPr/>
-        </p:nvPicPr>
-        <p:blipFill>
-          <a:blip r:embed="rId1"/>
-          <a:stretch>
-            <a:fillRect/>
-          </a:stretch>
-        </p:blipFill>
-        <p:spPr>
-          <a:xfrm>
-            <a:off x="2530475" y="1002030"/>
-            <a:ext cx="7131050" cy="5006975"/>
-          </a:xfrm>
-          <a:prstGeom prst="rect">
-            <a:avLst/>
-          </a:prstGeom>
-        </p:spPr>
-      </p:pic>
-    </p:spTree>
-  </p:cSld>
-  <p:clrMapOvr>
-    <a:masterClrMapping/>
-  </p:clrMapOvr>
-  <p:timing>
-    <p:tnLst>
-      <p:par>
-        <p:cTn id="1" dur="indefinite" restart="never" nodeType="tmRoot"/>
-      </p:par>
-    </p:tnLst>
-  </p:timing>
-</p:sld>
-</file>
-
 <file path=ppt/slides/slide18.xml><?xml version="1.0" encoding="utf-8"?>
 <p:sld xmlns:a="http://schemas.openxmlformats.org/drawingml/2006/main" xmlns:r="http://schemas.openxmlformats.org/officeDocument/2006/relationships" xmlns:p="http://schemas.openxmlformats.org/presentationml/2006/main">
   <p:cSld>
@@ -6786,7 +7607,7 @@
                 </a:solidFill>
                 <a:cs typeface="+mn-cs"/>
               </a:rPr>
-              <a:t>执行原理</a:t>
+              <a:t>相关生态系统</a:t>
             </a:r>
             <a:endParaRPr kumimoji="0" lang="zh-CN" altLang="en-US" sz="3200" dirty="0">
               <a:solidFill>
@@ -6797,471 +7618,9 @@
           </a:p>
         </p:txBody>
       </p:sp>
-      <p:sp>
-        <p:nvSpPr>
-          <p:cNvPr id="6" name="内容占位符 2"/>
-          <p:cNvSpPr>
-            <a:spLocks noGrp="1"/>
-          </p:cNvSpPr>
-          <p:nvPr/>
-        </p:nvSpPr>
-        <p:spPr>
-          <a:xfrm>
-            <a:off x="1095375" y="813435"/>
-            <a:ext cx="9882505" cy="5250815"/>
-          </a:xfrm>
-        </p:spPr>
-        <p:txBody>
-          <a:bodyPr/>
-          <a:lstStyle>
-            <a:lvl1pPr marL="167005" indent="-167005" algn="l" defTabSz="0" rtl="0" eaLnBrk="0" fontAlgn="base" hangingPunct="0">
-              <a:spcBef>
-                <a:spcPct val="0"/>
-              </a:spcBef>
-              <a:spcAft>
-                <a:spcPct val="15000"/>
-              </a:spcAft>
-              <a:buClr>
-                <a:schemeClr val="tx2"/>
-              </a:buClr>
-              <a:buFont typeface="Arial" panose="020B0604020202020204" pitchFamily="34" charset="0"/>
-              <a:buChar char="•"/>
-              <a:defRPr kumimoji="1" sz="1600">
-                <a:solidFill>
-                  <a:srgbClr val="006F53"/>
-                </a:solidFill>
-                <a:latin typeface="微软雅黑" panose="020B0503020204020204" pitchFamily="34" charset="-122"/>
-                <a:ea typeface="微软雅黑" panose="020B0503020204020204" pitchFamily="34" charset="-122"/>
-                <a:cs typeface="微软雅黑" panose="020B0503020204020204" pitchFamily="34" charset="-122"/>
-              </a:defRPr>
-            </a:lvl1pPr>
-            <a:lvl2pPr marL="398780" indent="-230505" algn="l" defTabSz="0" rtl="0" eaLnBrk="0" fontAlgn="base" hangingPunct="0">
-              <a:spcBef>
-                <a:spcPct val="0"/>
-              </a:spcBef>
-              <a:spcAft>
-                <a:spcPct val="15000"/>
-              </a:spcAft>
-              <a:buClr>
-                <a:schemeClr val="tx2"/>
-              </a:buClr>
-              <a:buFont typeface="Arial" panose="020B0604020202020204" pitchFamily="34" charset="0"/>
-              <a:buChar char="–"/>
-              <a:defRPr kumimoji="1" sz="2800">
-                <a:solidFill>
-                  <a:schemeClr val="bg2"/>
-                </a:solidFill>
-                <a:latin typeface="微软雅黑" panose="020B0503020204020204" pitchFamily="34" charset="-122"/>
-                <a:ea typeface="微软雅黑" panose="020B0503020204020204" pitchFamily="34" charset="-122"/>
-                <a:cs typeface="微软雅黑" panose="020B0503020204020204" pitchFamily="34" charset="-122"/>
-              </a:defRPr>
-            </a:lvl2pPr>
-            <a:lvl3pPr marL="400050" indent="182880" algn="l" defTabSz="0" rtl="0" eaLnBrk="0" fontAlgn="base" hangingPunct="0">
-              <a:spcBef>
-                <a:spcPct val="0"/>
-              </a:spcBef>
-              <a:spcAft>
-                <a:spcPct val="15000"/>
-              </a:spcAft>
-              <a:buClr>
-                <a:schemeClr val="tx2"/>
-              </a:buClr>
-              <a:buFont typeface="Arial" panose="020B0604020202020204" pitchFamily="34" charset="0"/>
-              <a:buChar char="•"/>
-              <a:defRPr kumimoji="1" sz="1600">
-                <a:solidFill>
-                  <a:schemeClr val="bg2"/>
-                </a:solidFill>
-                <a:latin typeface="微软雅黑" panose="020B0503020204020204" pitchFamily="34" charset="-122"/>
-                <a:ea typeface="微软雅黑" panose="020B0503020204020204" pitchFamily="34" charset="-122"/>
-                <a:cs typeface="微软雅黑" panose="020B0503020204020204" pitchFamily="34" charset="-122"/>
-              </a:defRPr>
-            </a:lvl3pPr>
-            <a:lvl4pPr marL="825500" indent="-241300" algn="l" defTabSz="0" rtl="0" eaLnBrk="0" fontAlgn="base" hangingPunct="0">
-              <a:spcBef>
-                <a:spcPct val="0"/>
-              </a:spcBef>
-              <a:spcAft>
-                <a:spcPct val="15000"/>
-              </a:spcAft>
-              <a:buClr>
-                <a:schemeClr val="tx2"/>
-              </a:buClr>
-              <a:buFont typeface="Arial" panose="020B0604020202020204" pitchFamily="34" charset="0"/>
-              <a:buChar char="–"/>
-              <a:defRPr kumimoji="1" sz="1600">
-                <a:solidFill>
-                  <a:schemeClr val="bg2"/>
-                </a:solidFill>
-                <a:latin typeface="微软雅黑" panose="020B0503020204020204" pitchFamily="34" charset="-122"/>
-                <a:ea typeface="微软雅黑" panose="020B0503020204020204" pitchFamily="34" charset="-122"/>
-                <a:cs typeface="微软雅黑" panose="020B0503020204020204" pitchFamily="34" charset="-122"/>
-              </a:defRPr>
-            </a:lvl4pPr>
-            <a:lvl5pPr marL="2057400" indent="-228600" algn="l" defTabSz="0" rtl="0" eaLnBrk="0" fontAlgn="base" hangingPunct="0">
-              <a:spcBef>
-                <a:spcPct val="0"/>
-              </a:spcBef>
-              <a:spcAft>
-                <a:spcPct val="25000"/>
-              </a:spcAft>
-              <a:buClr>
-                <a:schemeClr val="tx2"/>
-              </a:buClr>
-              <a:buFont typeface="Arial" panose="020B0604020202020204" pitchFamily="34" charset="0"/>
-              <a:buChar char="–"/>
-              <a:defRPr kumimoji="1" sz="2000">
-                <a:solidFill>
-                  <a:schemeClr val="tx1"/>
-                </a:solidFill>
-                <a:latin typeface="+mn-lt"/>
-                <a:ea typeface="微软雅黑" panose="020B0503020204020204" pitchFamily="34" charset="-122"/>
-                <a:cs typeface="微软雅黑" panose="020B0503020204020204" pitchFamily="34" charset="-122"/>
-              </a:defRPr>
-            </a:lvl5pPr>
-            <a:lvl6pPr marL="2514600" indent="-228600" algn="l" defTabSz="0" rtl="0" eaLnBrk="0" fontAlgn="base" hangingPunct="0">
-              <a:spcBef>
-                <a:spcPct val="0"/>
-              </a:spcBef>
-              <a:spcAft>
-                <a:spcPct val="25000"/>
-              </a:spcAft>
-              <a:buClr>
-                <a:schemeClr val="tx2"/>
-              </a:buClr>
-              <a:buFont typeface="Arial" panose="020B0604020202020204" pitchFamily="34" charset="0"/>
-              <a:buChar char="–"/>
-              <a:defRPr>
-                <a:solidFill>
-                  <a:schemeClr val="tx1"/>
-                </a:solidFill>
-                <a:latin typeface="+mn-lt"/>
-              </a:defRPr>
-            </a:lvl6pPr>
-            <a:lvl7pPr marL="2971800" indent="-228600" algn="l" defTabSz="0" rtl="0" eaLnBrk="0" fontAlgn="base" hangingPunct="0">
-              <a:spcBef>
-                <a:spcPct val="0"/>
-              </a:spcBef>
-              <a:spcAft>
-                <a:spcPct val="25000"/>
-              </a:spcAft>
-              <a:buClr>
-                <a:schemeClr val="tx2"/>
-              </a:buClr>
-              <a:buFont typeface="Arial" panose="020B0604020202020204" pitchFamily="34" charset="0"/>
-              <a:buChar char="–"/>
-              <a:defRPr>
-                <a:solidFill>
-                  <a:schemeClr val="tx1"/>
-                </a:solidFill>
-                <a:latin typeface="+mn-lt"/>
-              </a:defRPr>
-            </a:lvl7pPr>
-            <a:lvl8pPr marL="3429000" indent="-228600" algn="l" defTabSz="0" rtl="0" eaLnBrk="0" fontAlgn="base" hangingPunct="0">
-              <a:spcBef>
-                <a:spcPct val="0"/>
-              </a:spcBef>
-              <a:spcAft>
-                <a:spcPct val="25000"/>
-              </a:spcAft>
-              <a:buClr>
-                <a:schemeClr val="tx2"/>
-              </a:buClr>
-              <a:buFont typeface="Arial" panose="020B0604020202020204" pitchFamily="34" charset="0"/>
-              <a:buChar char="–"/>
-              <a:defRPr>
-                <a:solidFill>
-                  <a:schemeClr val="tx1"/>
-                </a:solidFill>
-                <a:latin typeface="+mn-lt"/>
-              </a:defRPr>
-            </a:lvl8pPr>
-            <a:lvl9pPr marL="3886200" indent="-228600" algn="l" defTabSz="0" rtl="0" eaLnBrk="0" fontAlgn="base" hangingPunct="0">
-              <a:spcBef>
-                <a:spcPct val="0"/>
-              </a:spcBef>
-              <a:spcAft>
-                <a:spcPct val="25000"/>
-              </a:spcAft>
-              <a:buClr>
-                <a:schemeClr val="tx2"/>
-              </a:buClr>
-              <a:buFont typeface="Arial" panose="020B0604020202020204" pitchFamily="34" charset="0"/>
-              <a:buChar char="–"/>
-              <a:defRPr>
-                <a:solidFill>
-                  <a:schemeClr val="tx1"/>
-                </a:solidFill>
-                <a:latin typeface="+mn-lt"/>
-              </a:defRPr>
-            </a:lvl9pPr>
-          </a:lstStyle>
-          <a:p>
-            <a:pPr>
-              <a:lnSpc>
-                <a:spcPct val="150000"/>
-              </a:lnSpc>
-              <a:spcBef>
-                <a:spcPts val="1000"/>
-              </a:spcBef>
-            </a:pPr>
-            <a:r>
-              <a:rPr kumimoji="0" lang="zh-CN" altLang="en-US" sz="3200" dirty="0">
-                <a:solidFill>
-                  <a:schemeClr val="tx1"/>
-                </a:solidFill>
-                <a:cs typeface="+mn-cs"/>
-                <a:sym typeface="+mn-ea"/>
-              </a:rPr>
-              <a:t>图形流水线</a:t>
-            </a:r>
-            <a:br>
-              <a:rPr kumimoji="0" lang="zh-CN" altLang="en-US" sz="3200" dirty="0">
-                <a:solidFill>
-                  <a:schemeClr val="tx1"/>
-                </a:solidFill>
-                <a:cs typeface="+mn-cs"/>
-                <a:sym typeface="+mn-ea"/>
-              </a:rPr>
-            </a:br>
-            <a:r>
-              <a:rPr kumimoji="0" lang="en-US" altLang="zh-CN" sz="2000" dirty="0">
-                <a:solidFill>
-                  <a:schemeClr val="tx1"/>
-                </a:solidFill>
-                <a:cs typeface="+mn-cs"/>
-                <a:sym typeface="+mn-ea"/>
-              </a:rPr>
-              <a:t>- </a:t>
-            </a:r>
-            <a:r>
-              <a:rPr kumimoji="0" lang="zh-CN" altLang="en-US" sz="2000" dirty="0">
-                <a:solidFill>
-                  <a:schemeClr val="tx1"/>
-                </a:solidFill>
-                <a:cs typeface="+mn-cs"/>
-                <a:sym typeface="+mn-ea"/>
-              </a:rPr>
-              <a:t>顶点着色器</a:t>
-            </a:r>
-            <a:br>
-              <a:rPr kumimoji="0" lang="zh-CN" altLang="en-US" sz="2000" dirty="0">
-                <a:solidFill>
-                  <a:schemeClr val="tx1"/>
-                </a:solidFill>
-                <a:cs typeface="+mn-cs"/>
-                <a:sym typeface="+mn-ea"/>
-              </a:rPr>
-            </a:br>
-            <a:r>
-              <a:rPr kumimoji="0" lang="en-US" altLang="zh-CN" sz="2000" dirty="0">
-                <a:solidFill>
-                  <a:schemeClr val="tx1"/>
-                </a:solidFill>
-                <a:cs typeface="+mn-cs"/>
-                <a:sym typeface="+mn-ea"/>
-              </a:rPr>
-              <a:t>- </a:t>
-            </a:r>
-            <a:r>
-              <a:rPr kumimoji="0" lang="zh-CN" altLang="en-US" sz="2000" dirty="0">
-                <a:solidFill>
-                  <a:schemeClr val="tx1"/>
-                </a:solidFill>
-                <a:cs typeface="+mn-cs"/>
-                <a:sym typeface="+mn-ea"/>
-              </a:rPr>
-              <a:t>图元装配</a:t>
-            </a:r>
-            <a:br>
-              <a:rPr kumimoji="0" lang="zh-CN" altLang="en-US" sz="2000" dirty="0">
-                <a:solidFill>
-                  <a:schemeClr val="tx1"/>
-                </a:solidFill>
-                <a:cs typeface="+mn-cs"/>
-                <a:sym typeface="+mn-ea"/>
-              </a:rPr>
-            </a:br>
-            <a:r>
-              <a:rPr kumimoji="0" lang="en-US" altLang="zh-CN" sz="2000" dirty="0">
-                <a:solidFill>
-                  <a:schemeClr val="tx1"/>
-                </a:solidFill>
-                <a:cs typeface="+mn-cs"/>
-                <a:sym typeface="+mn-ea"/>
-              </a:rPr>
-              <a:t>- </a:t>
-            </a:r>
-            <a:r>
-              <a:rPr kumimoji="0" lang="zh-CN" altLang="en-US" sz="2000" dirty="0">
-                <a:solidFill>
-                  <a:schemeClr val="tx1"/>
-                </a:solidFill>
-                <a:cs typeface="+mn-cs"/>
-                <a:sym typeface="+mn-ea"/>
-              </a:rPr>
-              <a:t>光栅化</a:t>
-            </a:r>
-            <a:br>
-              <a:rPr kumimoji="0" lang="zh-CN" altLang="en-US" sz="2000" dirty="0">
-                <a:solidFill>
-                  <a:schemeClr val="tx1"/>
-                </a:solidFill>
-                <a:cs typeface="+mn-cs"/>
-                <a:sym typeface="+mn-ea"/>
-              </a:rPr>
-            </a:br>
-            <a:r>
-              <a:rPr kumimoji="0" lang="en-US" altLang="zh-CN" sz="2000" dirty="0">
-                <a:solidFill>
-                  <a:schemeClr val="tx1"/>
-                </a:solidFill>
-                <a:cs typeface="+mn-cs"/>
-                <a:sym typeface="+mn-ea"/>
-              </a:rPr>
-              <a:t>- </a:t>
-            </a:r>
-            <a:r>
-              <a:rPr kumimoji="0" lang="zh-CN" altLang="en-US" sz="2000" dirty="0">
-                <a:solidFill>
-                  <a:schemeClr val="tx1"/>
-                </a:solidFill>
-                <a:cs typeface="+mn-cs"/>
-                <a:sym typeface="+mn-ea"/>
-              </a:rPr>
-              <a:t>片元着色器</a:t>
-            </a:r>
-            <a:br>
-              <a:rPr kumimoji="0" lang="zh-CN" altLang="en-US" sz="2000" dirty="0">
-                <a:solidFill>
-                  <a:schemeClr val="tx1"/>
-                </a:solidFill>
-                <a:cs typeface="+mn-cs"/>
-                <a:sym typeface="+mn-ea"/>
-              </a:rPr>
-            </a:br>
-            <a:r>
-              <a:rPr kumimoji="0" lang="en-US" altLang="zh-CN" sz="2000" dirty="0">
-                <a:solidFill>
-                  <a:schemeClr val="tx1"/>
-                </a:solidFill>
-                <a:cs typeface="+mn-cs"/>
-                <a:sym typeface="+mn-ea"/>
-              </a:rPr>
-              <a:t>- </a:t>
-            </a:r>
-            <a:r>
-              <a:rPr kumimoji="0" lang="zh-CN" altLang="en-US" sz="2000" dirty="0">
-                <a:solidFill>
-                  <a:schemeClr val="tx1"/>
-                </a:solidFill>
-                <a:cs typeface="+mn-cs"/>
-                <a:sym typeface="+mn-ea"/>
-              </a:rPr>
-              <a:t>逐片元操作</a:t>
-            </a:r>
-            <a:br>
-              <a:rPr lang="zh-CN" altLang="en-US" sz="2800" noProof="1">
-                <a:solidFill>
-                  <a:schemeClr val="tx1"/>
-                </a:solidFill>
-                <a:sym typeface="+mn-ea"/>
-              </a:rPr>
-            </a:br>
-            <a:endParaRPr lang="zh-CN" sz="2800" noProof="1">
-              <a:solidFill>
-                <a:schemeClr val="tx1"/>
-              </a:solidFill>
-              <a:sym typeface="+mn-ea"/>
-            </a:endParaRPr>
-          </a:p>
-          <a:p>
-            <a:pPr>
-              <a:lnSpc>
-                <a:spcPct val="150000"/>
-              </a:lnSpc>
-              <a:spcBef>
-                <a:spcPts val="1000"/>
-              </a:spcBef>
-            </a:pPr>
-            <a:endParaRPr lang="zh-CN" altLang="en-US" sz="2400" noProof="1">
-              <a:sym typeface="+mn-ea"/>
-            </a:endParaRPr>
-          </a:p>
-          <a:p>
-            <a:pPr marL="0" indent="0">
-              <a:lnSpc>
-                <a:spcPct val="150000"/>
-              </a:lnSpc>
-              <a:spcBef>
-                <a:spcPts val="1000"/>
-              </a:spcBef>
-              <a:buNone/>
-            </a:pPr>
-            <a:endParaRPr sz="2400" noProof="1">
-              <a:sym typeface="+mn-ea"/>
-            </a:endParaRPr>
-          </a:p>
-          <a:p>
-            <a:pPr marL="0" indent="0">
-              <a:buFont typeface="Wingdings 2" panose="05020102010507070707" pitchFamily="18" charset="2"/>
-              <a:buNone/>
-            </a:pPr>
-            <a:endParaRPr lang="en-US" altLang="zh-CN" noProof="1">
-              <a:solidFill>
-                <a:schemeClr val="tx1"/>
-              </a:solidFill>
-              <a:latin typeface="微软雅黑" panose="020B0503020204020204" pitchFamily="34" charset="-122"/>
-              <a:ea typeface="微软雅黑" panose="020B0503020204020204" pitchFamily="34" charset="-122"/>
-            </a:endParaRPr>
-          </a:p>
-        </p:txBody>
-      </p:sp>
-      <p:sp>
-        <p:nvSpPr>
-          <p:cNvPr id="3" name="文本框 2"/>
-          <p:cNvSpPr txBox="1"/>
-          <p:nvPr/>
-        </p:nvSpPr>
-        <p:spPr>
-          <a:xfrm>
-            <a:off x="4862195" y="6152515"/>
-            <a:ext cx="6809740" cy="368300"/>
-          </a:xfrm>
-          <a:prstGeom prst="rect">
-            <a:avLst/>
-          </a:prstGeom>
-          <a:noFill/>
-        </p:spPr>
-        <p:txBody>
-          <a:bodyPr wrap="square" rtlCol="0">
-            <a:spAutoFit/>
-          </a:bodyPr>
-          <a:p>
-            <a:pPr algn="l"/>
-            <a:r>
-              <a:rPr sz="1800">
-                <a:solidFill>
-                  <a:srgbClr val="FF0000"/>
-                </a:solidFill>
-                <a:latin typeface="+mn-ea"/>
-                <a:ea typeface="+mn-ea"/>
-              </a:rPr>
-              <a:t>https://blog.csdn.net/VhWfR2u02Q/article/details/78948679</a:t>
-            </a:r>
-            <a:endParaRPr sz="1800">
-              <a:solidFill>
-                <a:srgbClr val="FF0000"/>
-              </a:solidFill>
-              <a:latin typeface="+mn-ea"/>
-              <a:ea typeface="+mn-ea"/>
-            </a:endParaRPr>
-          </a:p>
-        </p:txBody>
-      </p:sp>
       <p:pic>
         <p:nvPicPr>
-          <p:cNvPr id="7" name="图片 6"/>
+          <p:cNvPr id="3" name="图片 2"/>
           <p:cNvPicPr>
             <a:picLocks noChangeAspect="1"/>
           </p:cNvPicPr>
@@ -7275,8 +7634,8 @@
         </p:blipFill>
         <p:spPr>
           <a:xfrm>
-            <a:off x="1195070" y="3970655"/>
-            <a:ext cx="10400665" cy="2101850"/>
+            <a:off x="2530475" y="1002030"/>
+            <a:ext cx="7131050" cy="5006975"/>
           </a:xfrm>
           <a:prstGeom prst="rect">
             <a:avLst/>
@@ -7335,298 +7694,6 @@
           <a:bodyPr/>
           <a:lstStyle/>
           <a:p>
-            <a:pPr>
-              <a:lnSpc>
-                <a:spcPct val="150000"/>
-              </a:lnSpc>
-              <a:spcBef>
-                <a:spcPts val="1000"/>
-              </a:spcBef>
-            </a:pPr>
-            <a:r>
-              <a:rPr lang="en-US" sz="3200" noProof="1">
-                <a:solidFill>
-                  <a:schemeClr val="tx1"/>
-                </a:solidFill>
-                <a:sym typeface="+mn-ea"/>
-              </a:rPr>
-              <a:t>Canvas</a:t>
-            </a:r>
-            <a:r>
-              <a:rPr lang="zh-CN" altLang="en-US" sz="3200" noProof="1">
-                <a:solidFill>
-                  <a:schemeClr val="tx1"/>
-                </a:solidFill>
-                <a:sym typeface="+mn-ea"/>
-              </a:rPr>
-              <a:t>相关引擎</a:t>
-            </a:r>
-            <a:br>
-              <a:rPr lang="zh-CN" altLang="en-US" sz="2400" noProof="1">
-                <a:solidFill>
-                  <a:schemeClr val="tx1"/>
-                </a:solidFill>
-                <a:sym typeface="+mn-ea"/>
-              </a:rPr>
-            </a:br>
-            <a:r>
-              <a:rPr lang="en-US" altLang="zh-CN" sz="2400" noProof="1">
-                <a:solidFill>
-                  <a:schemeClr val="tx1"/>
-                </a:solidFill>
-                <a:sym typeface="+mn-ea"/>
-              </a:rPr>
-              <a:t>- Artisan JS</a:t>
-            </a:r>
-            <a:r>
-              <a:rPr lang="zh-CN" altLang="en-US" sz="2400" noProof="1">
-                <a:solidFill>
-                  <a:schemeClr val="tx1"/>
-                </a:solidFill>
-                <a:sym typeface="+mn-ea"/>
-              </a:rPr>
-              <a:t>、</a:t>
-            </a:r>
-            <a:r>
-              <a:rPr lang="en-US" altLang="zh-CN" sz="2400" noProof="1">
-                <a:solidFill>
-                  <a:schemeClr val="tx1"/>
-                </a:solidFill>
-                <a:sym typeface="+mn-ea"/>
-              </a:rPr>
-              <a:t>f</a:t>
-            </a:r>
-            <a:r>
-              <a:rPr sz="2400">
-                <a:solidFill>
-                  <a:schemeClr val="tx1"/>
-                </a:solidFill>
-                <a:sym typeface="+mn-ea"/>
-              </a:rPr>
-              <a:t>abric.js</a:t>
-            </a:r>
-            <a:r>
-              <a:rPr lang="zh-CN" sz="2400">
-                <a:solidFill>
-                  <a:schemeClr val="tx1"/>
-                </a:solidFill>
-                <a:sym typeface="+mn-ea"/>
-              </a:rPr>
-              <a:t>、RGraph、</a:t>
-            </a:r>
-            <a:r>
-              <a:rPr sz="2400" noProof="1">
-                <a:solidFill>
-                  <a:schemeClr val="tx1"/>
-                </a:solidFill>
-                <a:sym typeface="+mn-ea"/>
-              </a:rPr>
-              <a:t>EaselJS</a:t>
-            </a:r>
-            <a:r>
-              <a:rPr lang="zh-CN" sz="2400" noProof="1">
-                <a:solidFill>
-                  <a:schemeClr val="tx1"/>
-                </a:solidFill>
-                <a:sym typeface="+mn-ea"/>
-              </a:rPr>
-              <a:t>等</a:t>
-            </a:r>
-            <a:endParaRPr lang="zh-CN" sz="2400" noProof="1">
-              <a:solidFill>
-                <a:schemeClr val="tx1"/>
-              </a:solidFill>
-              <a:sym typeface="+mn-ea"/>
-            </a:endParaRPr>
-          </a:p>
-          <a:p>
-            <a:pPr>
-              <a:lnSpc>
-                <a:spcPct val="150000"/>
-              </a:lnSpc>
-              <a:spcBef>
-                <a:spcPts val="1000"/>
-              </a:spcBef>
-            </a:pPr>
-            <a:r>
-              <a:rPr lang="en-US" sz="3200" noProof="1">
-                <a:solidFill>
-                  <a:schemeClr val="tx1"/>
-                </a:solidFill>
-                <a:sym typeface="+mn-ea"/>
-              </a:rPr>
-              <a:t>SVG</a:t>
-            </a:r>
-            <a:r>
-              <a:rPr lang="zh-CN" altLang="en-US" sz="3200" noProof="1">
-                <a:solidFill>
-                  <a:schemeClr val="tx1"/>
-                </a:solidFill>
-                <a:sym typeface="+mn-ea"/>
-              </a:rPr>
-              <a:t>相关引擎</a:t>
-            </a:r>
-            <a:br>
-              <a:rPr lang="zh-CN" altLang="en-US" sz="3200" noProof="1">
-                <a:solidFill>
-                  <a:schemeClr val="tx1"/>
-                </a:solidFill>
-                <a:sym typeface="+mn-ea"/>
-              </a:rPr>
-            </a:br>
-            <a:r>
-              <a:rPr lang="en-US" altLang="zh-CN" sz="2400" noProof="1">
-                <a:solidFill>
-                  <a:schemeClr val="tx1"/>
-                </a:solidFill>
-                <a:sym typeface="+mn-ea"/>
-              </a:rPr>
-              <a:t>- D3.js</a:t>
-            </a:r>
-            <a:r>
-              <a:rPr lang="zh-CN" sz="2400">
-                <a:solidFill>
-                  <a:schemeClr val="tx1"/>
-                </a:solidFill>
-                <a:sym typeface="+mn-ea"/>
-              </a:rPr>
-              <a:t>、</a:t>
-            </a:r>
-            <a:r>
-              <a:rPr lang="en-US" sz="2400">
-                <a:solidFill>
-                  <a:schemeClr val="tx1"/>
-                </a:solidFill>
-                <a:sym typeface="+mn-ea"/>
-              </a:rPr>
-              <a:t>Snap.svg</a:t>
-            </a:r>
-            <a:r>
-              <a:rPr lang="zh-CN" sz="2400">
-                <a:solidFill>
-                  <a:schemeClr val="tx1"/>
-                </a:solidFill>
-                <a:sym typeface="+mn-ea"/>
-              </a:rPr>
-              <a:t>等</a:t>
-            </a:r>
-            <a:endParaRPr lang="zh-CN" sz="2400" noProof="1">
-              <a:solidFill>
-                <a:schemeClr val="tx1"/>
-              </a:solidFill>
-              <a:sym typeface="+mn-ea"/>
-            </a:endParaRPr>
-          </a:p>
-          <a:p>
-            <a:pPr>
-              <a:lnSpc>
-                <a:spcPct val="150000"/>
-              </a:lnSpc>
-              <a:spcBef>
-                <a:spcPts val="1000"/>
-              </a:spcBef>
-            </a:pPr>
-            <a:r>
-              <a:rPr lang="en-US" altLang="zh-CN" sz="3200" noProof="1">
-                <a:solidFill>
-                  <a:schemeClr val="tx1"/>
-                </a:solidFill>
-                <a:sym typeface="+mn-ea"/>
-              </a:rPr>
-              <a:t>WebGL</a:t>
-            </a:r>
-            <a:r>
-              <a:rPr lang="zh-CN" altLang="en-US" sz="3200" noProof="1">
-                <a:solidFill>
-                  <a:schemeClr val="tx1"/>
-                </a:solidFill>
-                <a:sym typeface="+mn-ea"/>
-              </a:rPr>
-              <a:t>相关引擎</a:t>
-            </a:r>
-            <a:br>
-              <a:rPr lang="zh-CN" altLang="en-US" sz="3200" noProof="1">
-                <a:solidFill>
-                  <a:schemeClr val="tx1"/>
-                </a:solidFill>
-                <a:sym typeface="+mn-ea"/>
-              </a:rPr>
-            </a:br>
-            <a:r>
-              <a:rPr lang="en-US" altLang="zh-CN" sz="2400" noProof="1">
-                <a:solidFill>
-                  <a:schemeClr val="tx1"/>
-                </a:solidFill>
-                <a:sym typeface="+mn-ea"/>
-              </a:rPr>
-              <a:t>- </a:t>
-            </a:r>
-            <a:r>
-              <a:rPr sz="2400">
-                <a:solidFill>
-                  <a:schemeClr val="tx1"/>
-                </a:solidFill>
-                <a:sym typeface="+mn-ea"/>
-              </a:rPr>
-              <a:t>Three.js</a:t>
-            </a:r>
-            <a:r>
-              <a:rPr lang="zh-CN" sz="2400">
-                <a:solidFill>
-                  <a:schemeClr val="tx1"/>
-                </a:solidFill>
-                <a:sym typeface="+mn-ea"/>
-              </a:rPr>
-              <a:t>、</a:t>
-            </a:r>
-            <a:r>
-              <a:rPr sz="2400">
-                <a:solidFill>
-                  <a:schemeClr val="tx1"/>
-                </a:solidFill>
-                <a:sym typeface="+mn-ea"/>
-              </a:rPr>
-              <a:t>pixi.js</a:t>
-            </a:r>
-            <a:r>
-              <a:rPr lang="zh-CN" sz="2400">
-                <a:solidFill>
-                  <a:schemeClr val="tx1"/>
-                </a:solidFill>
-                <a:sym typeface="+mn-ea"/>
-              </a:rPr>
-              <a:t>、</a:t>
-            </a:r>
-            <a:r>
-              <a:rPr sz="2400">
-                <a:solidFill>
-                  <a:schemeClr val="tx1"/>
-                </a:solidFill>
-                <a:sym typeface="+mn-ea"/>
-              </a:rPr>
-              <a:t>Goo Engine</a:t>
-            </a:r>
-            <a:endParaRPr lang="zh-CN" sz="2400" noProof="1">
-              <a:solidFill>
-                <a:schemeClr val="tx1"/>
-              </a:solidFill>
-              <a:sym typeface="+mn-ea"/>
-            </a:endParaRPr>
-          </a:p>
-          <a:p>
-            <a:pPr>
-              <a:lnSpc>
-                <a:spcPct val="150000"/>
-              </a:lnSpc>
-              <a:spcBef>
-                <a:spcPts val="1000"/>
-              </a:spcBef>
-            </a:pPr>
-            <a:endParaRPr lang="zh-CN" altLang="en-US" sz="2400" noProof="1">
-              <a:sym typeface="+mn-ea"/>
-            </a:endParaRPr>
-          </a:p>
-          <a:p>
             <a:pPr marL="0" indent="0">
               <a:lnSpc>
                 <a:spcPct val="150000"/>
@@ -7636,7 +7703,10 @@
               </a:spcBef>
               <a:buNone/>
             </a:pPr>
-            <a:endParaRPr sz="2400" noProof="1">
+            <a:endParaRPr lang="en-US" sz="2000" noProof="1">
+              <a:solidFill>
+                <a:schemeClr val="tx1"/>
+              </a:solidFill>
               <a:sym typeface="+mn-ea"/>
             </a:endParaRPr>
           </a:p>
@@ -7678,13 +7748,13 @@
               <a:buNone/>
             </a:pPr>
             <a:r>
-              <a:rPr kumimoji="0" lang="zh-CN" sz="3200" dirty="0">
+              <a:rPr kumimoji="0" lang="en-US" sz="3200" dirty="0">
                 <a:solidFill>
                   <a:srgbClr val="C00000"/>
                 </a:solidFill>
                 <a:cs typeface="+mn-cs"/>
               </a:rPr>
-              <a:t>图形</a:t>
+              <a:t>WebGL</a:t>
             </a:r>
             <a:r>
               <a:rPr kumimoji="0" lang="zh-CN" altLang="en-US" sz="3200" dirty="0">
@@ -7693,7 +7763,7 @@
                 </a:solidFill>
                 <a:cs typeface="+mn-cs"/>
               </a:rPr>
-              <a:t>引擎概述</a:t>
+              <a:t>执行原理</a:t>
             </a:r>
             <a:endParaRPr kumimoji="0" lang="zh-CN" altLang="en-US" sz="3200" dirty="0">
               <a:solidFill>
@@ -7704,6 +7774,492 @@
           </a:p>
         </p:txBody>
       </p:sp>
+      <p:sp>
+        <p:nvSpPr>
+          <p:cNvPr id="6" name="内容占位符 2"/>
+          <p:cNvSpPr>
+            <a:spLocks noGrp="1"/>
+          </p:cNvSpPr>
+          <p:nvPr/>
+        </p:nvSpPr>
+        <p:spPr>
+          <a:xfrm>
+            <a:off x="1095375" y="813435"/>
+            <a:ext cx="9882505" cy="5250815"/>
+          </a:xfrm>
+        </p:spPr>
+        <p:txBody>
+          <a:bodyPr/>
+          <a:lstStyle>
+            <a:lvl1pPr marL="167005" indent="-167005" algn="l" defTabSz="0" rtl="0" eaLnBrk="0" fontAlgn="base" hangingPunct="0">
+              <a:spcBef>
+                <a:spcPct val="0"/>
+              </a:spcBef>
+              <a:spcAft>
+                <a:spcPct val="15000"/>
+              </a:spcAft>
+              <a:buClr>
+                <a:schemeClr val="tx2"/>
+              </a:buClr>
+              <a:buFont typeface="Arial" panose="020B0604020202020204" pitchFamily="34" charset="0"/>
+              <a:buChar char="•"/>
+              <a:defRPr kumimoji="1" sz="1600">
+                <a:solidFill>
+                  <a:srgbClr val="006F53"/>
+                </a:solidFill>
+                <a:latin typeface="微软雅黑" panose="020B0503020204020204" pitchFamily="34" charset="-122"/>
+                <a:ea typeface="微软雅黑" panose="020B0503020204020204" pitchFamily="34" charset="-122"/>
+                <a:cs typeface="微软雅黑" panose="020B0503020204020204" pitchFamily="34" charset="-122"/>
+              </a:defRPr>
+            </a:lvl1pPr>
+            <a:lvl2pPr marL="398780" indent="-230505" algn="l" defTabSz="0" rtl="0" eaLnBrk="0" fontAlgn="base" hangingPunct="0">
+              <a:spcBef>
+                <a:spcPct val="0"/>
+              </a:spcBef>
+              <a:spcAft>
+                <a:spcPct val="15000"/>
+              </a:spcAft>
+              <a:buClr>
+                <a:schemeClr val="tx2"/>
+              </a:buClr>
+              <a:buFont typeface="Arial" panose="020B0604020202020204" pitchFamily="34" charset="0"/>
+              <a:buChar char="–"/>
+              <a:defRPr kumimoji="1" sz="2800">
+                <a:solidFill>
+                  <a:schemeClr val="bg2"/>
+                </a:solidFill>
+                <a:latin typeface="微软雅黑" panose="020B0503020204020204" pitchFamily="34" charset="-122"/>
+                <a:ea typeface="微软雅黑" panose="020B0503020204020204" pitchFamily="34" charset="-122"/>
+                <a:cs typeface="微软雅黑" panose="020B0503020204020204" pitchFamily="34" charset="-122"/>
+              </a:defRPr>
+            </a:lvl2pPr>
+            <a:lvl3pPr marL="400050" indent="182880" algn="l" defTabSz="0" rtl="0" eaLnBrk="0" fontAlgn="base" hangingPunct="0">
+              <a:spcBef>
+                <a:spcPct val="0"/>
+              </a:spcBef>
+              <a:spcAft>
+                <a:spcPct val="15000"/>
+              </a:spcAft>
+              <a:buClr>
+                <a:schemeClr val="tx2"/>
+              </a:buClr>
+              <a:buFont typeface="Arial" panose="020B0604020202020204" pitchFamily="34" charset="0"/>
+              <a:buChar char="•"/>
+              <a:defRPr kumimoji="1" sz="1600">
+                <a:solidFill>
+                  <a:schemeClr val="bg2"/>
+                </a:solidFill>
+                <a:latin typeface="微软雅黑" panose="020B0503020204020204" pitchFamily="34" charset="-122"/>
+                <a:ea typeface="微软雅黑" panose="020B0503020204020204" pitchFamily="34" charset="-122"/>
+                <a:cs typeface="微软雅黑" panose="020B0503020204020204" pitchFamily="34" charset="-122"/>
+              </a:defRPr>
+            </a:lvl3pPr>
+            <a:lvl4pPr marL="825500" indent="-241300" algn="l" defTabSz="0" rtl="0" eaLnBrk="0" fontAlgn="base" hangingPunct="0">
+              <a:spcBef>
+                <a:spcPct val="0"/>
+              </a:spcBef>
+              <a:spcAft>
+                <a:spcPct val="15000"/>
+              </a:spcAft>
+              <a:buClr>
+                <a:schemeClr val="tx2"/>
+              </a:buClr>
+              <a:buFont typeface="Arial" panose="020B0604020202020204" pitchFamily="34" charset="0"/>
+              <a:buChar char="–"/>
+              <a:defRPr kumimoji="1" sz="1600">
+                <a:solidFill>
+                  <a:schemeClr val="bg2"/>
+                </a:solidFill>
+                <a:latin typeface="微软雅黑" panose="020B0503020204020204" pitchFamily="34" charset="-122"/>
+                <a:ea typeface="微软雅黑" panose="020B0503020204020204" pitchFamily="34" charset="-122"/>
+                <a:cs typeface="微软雅黑" panose="020B0503020204020204" pitchFamily="34" charset="-122"/>
+              </a:defRPr>
+            </a:lvl4pPr>
+            <a:lvl5pPr marL="2057400" indent="-228600" algn="l" defTabSz="0" rtl="0" eaLnBrk="0" fontAlgn="base" hangingPunct="0">
+              <a:spcBef>
+                <a:spcPct val="0"/>
+              </a:spcBef>
+              <a:spcAft>
+                <a:spcPct val="25000"/>
+              </a:spcAft>
+              <a:buClr>
+                <a:schemeClr val="tx2"/>
+              </a:buClr>
+              <a:buFont typeface="Arial" panose="020B0604020202020204" pitchFamily="34" charset="0"/>
+              <a:buChar char="–"/>
+              <a:defRPr kumimoji="1" sz="2000">
+                <a:solidFill>
+                  <a:schemeClr val="tx1"/>
+                </a:solidFill>
+                <a:latin typeface="+mn-lt"/>
+                <a:ea typeface="微软雅黑" panose="020B0503020204020204" pitchFamily="34" charset="-122"/>
+                <a:cs typeface="微软雅黑" panose="020B0503020204020204" pitchFamily="34" charset="-122"/>
+              </a:defRPr>
+            </a:lvl5pPr>
+            <a:lvl6pPr marL="2514600" indent="-228600" algn="l" defTabSz="0" rtl="0" eaLnBrk="0" fontAlgn="base" hangingPunct="0">
+              <a:spcBef>
+                <a:spcPct val="0"/>
+              </a:spcBef>
+              <a:spcAft>
+                <a:spcPct val="25000"/>
+              </a:spcAft>
+              <a:buClr>
+                <a:schemeClr val="tx2"/>
+              </a:buClr>
+              <a:buFont typeface="Arial" panose="020B0604020202020204" pitchFamily="34" charset="0"/>
+              <a:buChar char="–"/>
+              <a:defRPr>
+                <a:solidFill>
+                  <a:schemeClr val="tx1"/>
+                </a:solidFill>
+                <a:latin typeface="+mn-lt"/>
+              </a:defRPr>
+            </a:lvl6pPr>
+            <a:lvl7pPr marL="2971800" indent="-228600" algn="l" defTabSz="0" rtl="0" eaLnBrk="0" fontAlgn="base" hangingPunct="0">
+              <a:spcBef>
+                <a:spcPct val="0"/>
+              </a:spcBef>
+              <a:spcAft>
+                <a:spcPct val="25000"/>
+              </a:spcAft>
+              <a:buClr>
+                <a:schemeClr val="tx2"/>
+              </a:buClr>
+              <a:buFont typeface="Arial" panose="020B0604020202020204" pitchFamily="34" charset="0"/>
+              <a:buChar char="–"/>
+              <a:defRPr>
+                <a:solidFill>
+                  <a:schemeClr val="tx1"/>
+                </a:solidFill>
+                <a:latin typeface="+mn-lt"/>
+              </a:defRPr>
+            </a:lvl7pPr>
+            <a:lvl8pPr marL="3429000" indent="-228600" algn="l" defTabSz="0" rtl="0" eaLnBrk="0" fontAlgn="base" hangingPunct="0">
+              <a:spcBef>
+                <a:spcPct val="0"/>
+              </a:spcBef>
+              <a:spcAft>
+                <a:spcPct val="25000"/>
+              </a:spcAft>
+              <a:buClr>
+                <a:schemeClr val="tx2"/>
+              </a:buClr>
+              <a:buFont typeface="Arial" panose="020B0604020202020204" pitchFamily="34" charset="0"/>
+              <a:buChar char="–"/>
+              <a:defRPr>
+                <a:solidFill>
+                  <a:schemeClr val="tx1"/>
+                </a:solidFill>
+                <a:latin typeface="+mn-lt"/>
+              </a:defRPr>
+            </a:lvl8pPr>
+            <a:lvl9pPr marL="3886200" indent="-228600" algn="l" defTabSz="0" rtl="0" eaLnBrk="0" fontAlgn="base" hangingPunct="0">
+              <a:spcBef>
+                <a:spcPct val="0"/>
+              </a:spcBef>
+              <a:spcAft>
+                <a:spcPct val="25000"/>
+              </a:spcAft>
+              <a:buClr>
+                <a:schemeClr val="tx2"/>
+              </a:buClr>
+              <a:buFont typeface="Arial" panose="020B0604020202020204" pitchFamily="34" charset="0"/>
+              <a:buChar char="–"/>
+              <a:defRPr>
+                <a:solidFill>
+                  <a:schemeClr val="tx1"/>
+                </a:solidFill>
+                <a:latin typeface="+mn-lt"/>
+              </a:defRPr>
+            </a:lvl9pPr>
+          </a:lstStyle>
+          <a:p>
+            <a:pPr>
+              <a:lnSpc>
+                <a:spcPct val="150000"/>
+              </a:lnSpc>
+              <a:spcBef>
+                <a:spcPts val="1000"/>
+              </a:spcBef>
+            </a:pPr>
+            <a:r>
+              <a:rPr kumimoji="0" lang="zh-CN" altLang="en-US" sz="3200" dirty="0">
+                <a:solidFill>
+                  <a:schemeClr val="tx1"/>
+                </a:solidFill>
+                <a:cs typeface="+mn-cs"/>
+                <a:sym typeface="+mn-ea"/>
+              </a:rPr>
+              <a:t>图形流水线</a:t>
+            </a:r>
+            <a:br>
+              <a:rPr kumimoji="0" lang="zh-CN" altLang="en-US" sz="3200" dirty="0">
+                <a:solidFill>
+                  <a:schemeClr val="tx1"/>
+                </a:solidFill>
+                <a:cs typeface="+mn-cs"/>
+                <a:sym typeface="+mn-ea"/>
+              </a:rPr>
+            </a:br>
+            <a:r>
+              <a:rPr kumimoji="0" lang="en-US" altLang="zh-CN" sz="2000" dirty="0">
+                <a:solidFill>
+                  <a:schemeClr val="tx1"/>
+                </a:solidFill>
+                <a:cs typeface="+mn-cs"/>
+                <a:sym typeface="+mn-ea"/>
+              </a:rPr>
+              <a:t>- </a:t>
+            </a:r>
+            <a:r>
+              <a:rPr kumimoji="0" lang="zh-CN" altLang="en-US" sz="2000" dirty="0">
+                <a:solidFill>
+                  <a:schemeClr val="tx1"/>
+                </a:solidFill>
+                <a:cs typeface="+mn-cs"/>
+                <a:sym typeface="+mn-ea"/>
+              </a:rPr>
+              <a:t>顶点着色器（顶点数量越多，销毁的硬件资源越多）</a:t>
+            </a:r>
+            <a:br>
+              <a:rPr kumimoji="0" lang="zh-CN" altLang="en-US" sz="2000" dirty="0">
+                <a:solidFill>
+                  <a:schemeClr val="tx1"/>
+                </a:solidFill>
+                <a:cs typeface="+mn-cs"/>
+                <a:sym typeface="+mn-ea"/>
+              </a:rPr>
+            </a:br>
+            <a:r>
+              <a:rPr kumimoji="0" lang="en-US" altLang="zh-CN" sz="2000" dirty="0">
+                <a:solidFill>
+                  <a:schemeClr val="tx1"/>
+                </a:solidFill>
+                <a:cs typeface="+mn-cs"/>
+                <a:sym typeface="+mn-ea"/>
+              </a:rPr>
+              <a:t>- </a:t>
+            </a:r>
+            <a:r>
+              <a:rPr kumimoji="0" lang="zh-CN" altLang="en-US" sz="2000" dirty="0">
+                <a:solidFill>
+                  <a:schemeClr val="tx1"/>
+                </a:solidFill>
+                <a:cs typeface="+mn-cs"/>
+                <a:sym typeface="+mn-ea"/>
+              </a:rPr>
+              <a:t>图元装配</a:t>
+            </a:r>
+            <a:br>
+              <a:rPr kumimoji="0" lang="zh-CN" altLang="en-US" sz="2000" dirty="0">
+                <a:solidFill>
+                  <a:schemeClr val="tx1"/>
+                </a:solidFill>
+                <a:cs typeface="+mn-cs"/>
+                <a:sym typeface="+mn-ea"/>
+              </a:rPr>
+            </a:br>
+            <a:r>
+              <a:rPr kumimoji="0" lang="en-US" altLang="zh-CN" sz="2000" dirty="0">
+                <a:solidFill>
+                  <a:schemeClr val="tx1"/>
+                </a:solidFill>
+                <a:cs typeface="+mn-cs"/>
+                <a:sym typeface="+mn-ea"/>
+              </a:rPr>
+              <a:t>- </a:t>
+            </a:r>
+            <a:r>
+              <a:rPr kumimoji="0" lang="zh-CN" altLang="en-US" sz="2000" dirty="0">
+                <a:solidFill>
+                  <a:schemeClr val="tx1"/>
+                </a:solidFill>
+                <a:cs typeface="+mn-cs"/>
+                <a:sym typeface="+mn-ea"/>
+              </a:rPr>
+              <a:t>光栅化</a:t>
+            </a:r>
+            <a:br>
+              <a:rPr kumimoji="0" lang="zh-CN" altLang="en-US" sz="2000" dirty="0">
+                <a:solidFill>
+                  <a:schemeClr val="tx1"/>
+                </a:solidFill>
+                <a:cs typeface="+mn-cs"/>
+                <a:sym typeface="+mn-ea"/>
+              </a:rPr>
+            </a:br>
+            <a:r>
+              <a:rPr kumimoji="0" lang="en-US" altLang="zh-CN" sz="2000" dirty="0">
+                <a:solidFill>
+                  <a:schemeClr val="tx1"/>
+                </a:solidFill>
+                <a:cs typeface="+mn-cs"/>
+                <a:sym typeface="+mn-ea"/>
+              </a:rPr>
+              <a:t>- </a:t>
+            </a:r>
+            <a:r>
+              <a:rPr kumimoji="0" lang="zh-CN" altLang="en-US" sz="2000" dirty="0">
+                <a:solidFill>
+                  <a:schemeClr val="tx1"/>
+                </a:solidFill>
+                <a:cs typeface="+mn-cs"/>
+                <a:sym typeface="+mn-ea"/>
+              </a:rPr>
+              <a:t>片元着色器</a:t>
+            </a:r>
+            <a:br>
+              <a:rPr kumimoji="0" lang="zh-CN" altLang="en-US" sz="2000" dirty="0">
+                <a:solidFill>
+                  <a:schemeClr val="tx1"/>
+                </a:solidFill>
+                <a:cs typeface="+mn-cs"/>
+                <a:sym typeface="+mn-ea"/>
+              </a:rPr>
+            </a:br>
+            <a:r>
+              <a:rPr kumimoji="0" lang="en-US" altLang="zh-CN" sz="2000" dirty="0">
+                <a:solidFill>
+                  <a:schemeClr val="tx1"/>
+                </a:solidFill>
+                <a:cs typeface="+mn-cs"/>
+                <a:sym typeface="+mn-ea"/>
+              </a:rPr>
+              <a:t>- </a:t>
+            </a:r>
+            <a:r>
+              <a:rPr kumimoji="0" lang="zh-CN" altLang="en-US" sz="2000" dirty="0">
+                <a:solidFill>
+                  <a:schemeClr val="tx1"/>
+                </a:solidFill>
+                <a:cs typeface="+mn-cs"/>
+                <a:sym typeface="+mn-ea"/>
+              </a:rPr>
+              <a:t>逐片元操作</a:t>
+            </a:r>
+            <a:br>
+              <a:rPr lang="zh-CN" altLang="en-US" sz="2800" noProof="1">
+                <a:solidFill>
+                  <a:schemeClr val="tx1"/>
+                </a:solidFill>
+                <a:sym typeface="+mn-ea"/>
+              </a:rPr>
+            </a:br>
+            <a:endParaRPr lang="zh-CN" sz="2800" noProof="1">
+              <a:solidFill>
+                <a:schemeClr val="tx1"/>
+              </a:solidFill>
+              <a:sym typeface="+mn-ea"/>
+            </a:endParaRPr>
+          </a:p>
+          <a:p>
+            <a:pPr>
+              <a:lnSpc>
+                <a:spcPct val="150000"/>
+              </a:lnSpc>
+              <a:spcBef>
+                <a:spcPts val="1000"/>
+              </a:spcBef>
+            </a:pPr>
+            <a:endParaRPr lang="zh-CN" altLang="en-US" sz="2400" noProof="1">
+              <a:sym typeface="+mn-ea"/>
+            </a:endParaRPr>
+          </a:p>
+          <a:p>
+            <a:pPr marL="0" indent="0">
+              <a:lnSpc>
+                <a:spcPct val="150000"/>
+              </a:lnSpc>
+              <a:spcBef>
+                <a:spcPts val="1000"/>
+              </a:spcBef>
+              <a:buNone/>
+            </a:pPr>
+            <a:endParaRPr sz="2400" noProof="1">
+              <a:sym typeface="+mn-ea"/>
+            </a:endParaRPr>
+          </a:p>
+          <a:p>
+            <a:pPr marL="0" indent="0">
+              <a:buFont typeface="Wingdings 2" panose="05020102010507070707" pitchFamily="18" charset="2"/>
+              <a:buNone/>
+            </a:pPr>
+            <a:endParaRPr lang="en-US" altLang="zh-CN" noProof="1">
+              <a:solidFill>
+                <a:schemeClr val="tx1"/>
+              </a:solidFill>
+              <a:latin typeface="微软雅黑" panose="020B0503020204020204" pitchFamily="34" charset="-122"/>
+              <a:ea typeface="微软雅黑" panose="020B0503020204020204" pitchFamily="34" charset="-122"/>
+            </a:endParaRPr>
+          </a:p>
+        </p:txBody>
+      </p:sp>
+      <p:sp>
+        <p:nvSpPr>
+          <p:cNvPr id="3" name="文本框 2"/>
+          <p:cNvSpPr txBox="1"/>
+          <p:nvPr/>
+        </p:nvSpPr>
+        <p:spPr>
+          <a:xfrm>
+            <a:off x="4862195" y="6152515"/>
+            <a:ext cx="6809740" cy="368300"/>
+          </a:xfrm>
+          <a:prstGeom prst="rect">
+            <a:avLst/>
+          </a:prstGeom>
+          <a:noFill/>
+        </p:spPr>
+        <p:txBody>
+          <a:bodyPr wrap="square" rtlCol="0">
+            <a:spAutoFit/>
+          </a:bodyPr>
+          <a:p>
+            <a:pPr algn="l"/>
+            <a:r>
+              <a:rPr sz="1800">
+                <a:solidFill>
+                  <a:srgbClr val="FF0000"/>
+                </a:solidFill>
+                <a:latin typeface="+mn-ea"/>
+                <a:ea typeface="+mn-ea"/>
+              </a:rPr>
+              <a:t>https://blog.csdn.net/VhWfR2u02Q/article/details/78948679</a:t>
+            </a:r>
+            <a:endParaRPr sz="1800">
+              <a:solidFill>
+                <a:srgbClr val="FF0000"/>
+              </a:solidFill>
+              <a:latin typeface="+mn-ea"/>
+              <a:ea typeface="+mn-ea"/>
+            </a:endParaRPr>
+          </a:p>
+        </p:txBody>
+      </p:sp>
+      <p:pic>
+        <p:nvPicPr>
+          <p:cNvPr id="7" name="图片 6"/>
+          <p:cNvPicPr>
+            <a:picLocks noChangeAspect="1"/>
+          </p:cNvPicPr>
+          <p:nvPr/>
+        </p:nvPicPr>
+        <p:blipFill>
+          <a:blip r:embed="rId1"/>
+          <a:stretch>
+            <a:fillRect/>
+          </a:stretch>
+        </p:blipFill>
+        <p:spPr>
+          <a:xfrm>
+            <a:off x="1195070" y="3970655"/>
+            <a:ext cx="10400665" cy="2101850"/>
+          </a:xfrm>
+          <a:prstGeom prst="rect">
+            <a:avLst/>
+          </a:prstGeom>
+        </p:spPr>
+      </p:pic>
     </p:spTree>
   </p:cSld>
   <p:clrMapOvr>
@@ -8432,6 +8988,393 @@
       </p:grpSpPr>
       <p:sp>
         <p:nvSpPr>
+          <p:cNvPr id="5122" name="内容占位符 2"/>
+          <p:cNvSpPr>
+            <a:spLocks noGrp="1"/>
+          </p:cNvSpPr>
+          <p:nvPr>
+            <p:ph idx="1"/>
+          </p:nvPr>
+        </p:nvSpPr>
+        <p:spPr>
+          <a:xfrm>
+            <a:off x="968375" y="829945"/>
+            <a:ext cx="9882505" cy="5250815"/>
+          </a:xfrm>
+        </p:spPr>
+        <p:txBody>
+          <a:bodyPr/>
+          <a:lstStyle/>
+          <a:p>
+            <a:pPr>
+              <a:lnSpc>
+                <a:spcPct val="150000"/>
+              </a:lnSpc>
+              <a:spcBef>
+                <a:spcPts val="1000"/>
+              </a:spcBef>
+            </a:pPr>
+            <a:r>
+              <a:rPr lang="zh-CN" altLang="en-US" sz="3200" noProof="1">
+                <a:solidFill>
+                  <a:schemeClr val="tx1"/>
+                </a:solidFill>
+                <a:sym typeface="+mn-ea"/>
+              </a:rPr>
+              <a:t>图形绘制相关引擎</a:t>
+            </a:r>
+            <a:br>
+              <a:rPr lang="zh-CN" altLang="en-US" sz="2400" noProof="1">
+                <a:solidFill>
+                  <a:schemeClr val="tx1"/>
+                </a:solidFill>
+                <a:sym typeface="+mn-ea"/>
+              </a:rPr>
+            </a:br>
+            <a:r>
+              <a:rPr lang="en-US" altLang="zh-CN" sz="2400" noProof="1">
+                <a:solidFill>
+                  <a:schemeClr val="tx1"/>
+                </a:solidFill>
+                <a:sym typeface="+mn-ea"/>
+              </a:rPr>
+              <a:t>- </a:t>
+            </a:r>
+            <a:r>
+              <a:rPr sz="2400">
+                <a:solidFill>
+                  <a:schemeClr val="tx1"/>
+                </a:solidFill>
+                <a:sym typeface="+mn-ea"/>
+              </a:rPr>
+              <a:t>pixi.js</a:t>
+            </a:r>
+            <a:r>
+              <a:rPr lang="zh-CN" sz="2400">
+                <a:solidFill>
+                  <a:schemeClr val="tx1"/>
+                </a:solidFill>
+                <a:sym typeface="+mn-ea"/>
+              </a:rPr>
+              <a:t>、</a:t>
+            </a:r>
+            <a:r>
+              <a:rPr sz="2400">
+                <a:solidFill>
+                  <a:schemeClr val="tx1"/>
+                </a:solidFill>
+                <a:sym typeface="+mn-ea"/>
+              </a:rPr>
+              <a:t>Three.js</a:t>
+            </a:r>
+            <a:r>
+              <a:rPr lang="zh-CN" sz="2400">
+                <a:solidFill>
+                  <a:schemeClr val="tx1"/>
+                </a:solidFill>
+                <a:sym typeface="+mn-ea"/>
+              </a:rPr>
+              <a:t>、</a:t>
+            </a:r>
+            <a:r>
+              <a:rPr lang="en-US" altLang="zh-CN" sz="2400">
+                <a:solidFill>
+                  <a:schemeClr val="tx1"/>
+                </a:solidFill>
+                <a:sym typeface="+mn-ea"/>
+              </a:rPr>
+              <a:t>D3.js</a:t>
+            </a:r>
+            <a:r>
+              <a:rPr lang="zh-CN" sz="2400">
+                <a:solidFill>
+                  <a:schemeClr val="tx1"/>
+                </a:solidFill>
+                <a:sym typeface="+mn-ea"/>
+              </a:rPr>
+              <a:t>、</a:t>
+            </a:r>
+            <a:r>
+              <a:rPr lang="en-US" altLang="zh-CN" sz="2400">
+                <a:solidFill>
+                  <a:schemeClr val="tx1"/>
+                </a:solidFill>
+                <a:sym typeface="+mn-ea"/>
+              </a:rPr>
+              <a:t>Artisan JS</a:t>
+            </a:r>
+            <a:r>
+              <a:rPr lang="zh-CN" altLang="en-US" sz="2400">
+                <a:solidFill>
+                  <a:schemeClr val="tx1"/>
+                </a:solidFill>
+                <a:sym typeface="+mn-ea"/>
+              </a:rPr>
+              <a:t>、</a:t>
+            </a:r>
+            <a:r>
+              <a:rPr lang="en-US" sz="2400">
+                <a:solidFill>
+                  <a:schemeClr val="tx1"/>
+                </a:solidFill>
+                <a:sym typeface="+mn-ea"/>
+              </a:rPr>
+              <a:t>Snap.svg</a:t>
+            </a:r>
+            <a:r>
+              <a:rPr lang="zh-CN" sz="2400" noProof="1">
+                <a:solidFill>
+                  <a:schemeClr val="tx1"/>
+                </a:solidFill>
+                <a:sym typeface="+mn-ea"/>
+              </a:rPr>
+              <a:t>等</a:t>
+            </a:r>
+            <a:endParaRPr lang="zh-CN" sz="2400" noProof="1">
+              <a:solidFill>
+                <a:schemeClr val="tx1"/>
+              </a:solidFill>
+              <a:sym typeface="+mn-ea"/>
+            </a:endParaRPr>
+          </a:p>
+          <a:p>
+            <a:pPr>
+              <a:lnSpc>
+                <a:spcPct val="150000"/>
+              </a:lnSpc>
+              <a:spcBef>
+                <a:spcPts val="1000"/>
+              </a:spcBef>
+            </a:pPr>
+            <a:r>
+              <a:rPr lang="zh-CN" altLang="en-US" sz="3200" noProof="1">
+                <a:solidFill>
+                  <a:schemeClr val="tx1"/>
+                </a:solidFill>
+                <a:sym typeface="+mn-ea"/>
+              </a:rPr>
+              <a:t>游戏相关引擎</a:t>
+            </a:r>
+            <a:br>
+              <a:rPr lang="zh-CN" altLang="en-US" sz="3200" noProof="1">
+                <a:solidFill>
+                  <a:schemeClr val="tx1"/>
+                </a:solidFill>
+                <a:sym typeface="+mn-ea"/>
+              </a:rPr>
+            </a:br>
+            <a:r>
+              <a:rPr lang="en-US" altLang="zh-CN" sz="2400" noProof="1">
+                <a:solidFill>
+                  <a:schemeClr val="tx1"/>
+                </a:solidFill>
+                <a:sym typeface="+mn-ea"/>
+              </a:rPr>
+              <a:t>- Cocos</a:t>
+            </a:r>
+            <a:r>
+              <a:rPr lang="zh-CN" altLang="en-US" sz="2400" noProof="1">
+                <a:solidFill>
+                  <a:schemeClr val="tx1"/>
+                </a:solidFill>
+                <a:sym typeface="+mn-ea"/>
+              </a:rPr>
+              <a:t>、</a:t>
+            </a:r>
+            <a:r>
+              <a:rPr lang="en-US" altLang="zh-CN" sz="2400" noProof="1">
+                <a:solidFill>
+                  <a:schemeClr val="tx1"/>
+                </a:solidFill>
+                <a:sym typeface="+mn-ea"/>
+              </a:rPr>
+              <a:t>Egret</a:t>
+            </a:r>
+            <a:r>
+              <a:rPr lang="zh-CN" altLang="en-US" sz="2400" noProof="1">
+                <a:solidFill>
+                  <a:schemeClr val="tx1"/>
+                </a:solidFill>
+                <a:sym typeface="+mn-ea"/>
+              </a:rPr>
+              <a:t>、</a:t>
+            </a:r>
+            <a:r>
+              <a:rPr lang="en-US" altLang="zh-CN" sz="2400" noProof="1">
+                <a:solidFill>
+                  <a:schemeClr val="tx1"/>
+                </a:solidFill>
+                <a:sym typeface="+mn-ea"/>
+              </a:rPr>
+              <a:t>Laya</a:t>
+            </a:r>
+            <a:r>
+              <a:rPr lang="zh-CN" altLang="en-US" sz="2400" noProof="1">
+                <a:solidFill>
+                  <a:schemeClr val="tx1"/>
+                </a:solidFill>
+                <a:sym typeface="+mn-ea"/>
+              </a:rPr>
+              <a:t>、</a:t>
+            </a:r>
+            <a:r>
+              <a:rPr lang="en-US" altLang="zh-CN" sz="2400" noProof="1">
+                <a:solidFill>
+                  <a:schemeClr val="tx1"/>
+                </a:solidFill>
+                <a:sym typeface="+mn-ea"/>
+              </a:rPr>
+              <a:t>CreateJS</a:t>
+            </a:r>
+            <a:r>
+              <a:rPr lang="zh-CN" sz="2400">
+                <a:solidFill>
+                  <a:schemeClr val="tx1"/>
+                </a:solidFill>
+                <a:sym typeface="+mn-ea"/>
+              </a:rPr>
+              <a:t>等</a:t>
+            </a:r>
+            <a:br>
+              <a:rPr lang="zh-CN" altLang="en-US" sz="3200" noProof="1">
+                <a:solidFill>
+                  <a:schemeClr val="tx1"/>
+                </a:solidFill>
+                <a:sym typeface="+mn-ea"/>
+              </a:rPr>
+            </a:br>
+            <a:endParaRPr lang="zh-CN" sz="2400" noProof="1">
+              <a:solidFill>
+                <a:schemeClr val="tx1"/>
+              </a:solidFill>
+              <a:sym typeface="+mn-ea"/>
+            </a:endParaRPr>
+          </a:p>
+          <a:p>
+            <a:pPr>
+              <a:lnSpc>
+                <a:spcPct val="150000"/>
+              </a:lnSpc>
+              <a:spcBef>
+                <a:spcPts val="1000"/>
+              </a:spcBef>
+            </a:pPr>
+            <a:endParaRPr lang="zh-CN" altLang="en-US" sz="2400" noProof="1">
+              <a:sym typeface="+mn-ea"/>
+            </a:endParaRPr>
+          </a:p>
+          <a:p>
+            <a:pPr marL="0" indent="0">
+              <a:lnSpc>
+                <a:spcPct val="150000"/>
+              </a:lnSpc>
+              <a:spcBef>
+                <a:spcPts val="1000"/>
+              </a:spcBef>
+              <a:buNone/>
+            </a:pPr>
+            <a:endParaRPr sz="2400" noProof="1">
+              <a:sym typeface="+mn-ea"/>
+            </a:endParaRPr>
+          </a:p>
+          <a:p>
+            <a:pPr marL="0" indent="0">
+              <a:buFont typeface="Wingdings 2" panose="05020102010507070707" pitchFamily="18" charset="2"/>
+              <a:buNone/>
+            </a:pPr>
+            <a:endParaRPr lang="en-US" altLang="zh-CN" noProof="1">
+              <a:solidFill>
+                <a:schemeClr val="tx1"/>
+              </a:solidFill>
+              <a:latin typeface="微软雅黑" panose="020B0503020204020204" pitchFamily="34" charset="-122"/>
+              <a:ea typeface="微软雅黑" panose="020B0503020204020204" pitchFamily="34" charset="-122"/>
+            </a:endParaRPr>
+          </a:p>
+        </p:txBody>
+      </p:sp>
+      <p:sp>
+        <p:nvSpPr>
+          <p:cNvPr id="2" name="内容占位符 1"/>
+          <p:cNvSpPr>
+            <a:spLocks noGrp="1"/>
+          </p:cNvSpPr>
+          <p:nvPr>
+            <p:ph sz="quarter" idx="11"/>
+          </p:nvPr>
+        </p:nvSpPr>
+        <p:spPr>
+          <a:xfrm>
+            <a:off x="947420" y="236855"/>
+            <a:ext cx="8415655" cy="490220"/>
+          </a:xfrm>
+        </p:spPr>
+        <p:txBody>
+          <a:bodyPr/>
+          <a:p>
+            <a:pPr algn="l">
+              <a:buNone/>
+            </a:pPr>
+            <a:r>
+              <a:rPr kumimoji="0" lang="zh-CN" sz="3200" dirty="0">
+                <a:solidFill>
+                  <a:srgbClr val="C00000"/>
+                </a:solidFill>
+                <a:cs typeface="+mn-cs"/>
+              </a:rPr>
+              <a:t>图形游戏相关</a:t>
+            </a:r>
+            <a:r>
+              <a:rPr kumimoji="0" lang="zh-CN" altLang="en-US" sz="3200" dirty="0">
+                <a:solidFill>
+                  <a:srgbClr val="C00000"/>
+                </a:solidFill>
+                <a:cs typeface="+mn-cs"/>
+              </a:rPr>
+              <a:t>引擎概述</a:t>
+            </a:r>
+            <a:endParaRPr kumimoji="0" lang="zh-CN" altLang="en-US" sz="3200" dirty="0">
+              <a:solidFill>
+                <a:srgbClr val="C00000"/>
+              </a:solidFill>
+              <a:cs typeface="+mn-cs"/>
+            </a:endParaRPr>
+          </a:p>
+        </p:txBody>
+      </p:sp>
+    </p:spTree>
+  </p:cSld>
+  <p:clrMapOvr>
+    <a:masterClrMapping/>
+  </p:clrMapOvr>
+  <p:timing>
+    <p:tnLst>
+      <p:par>
+        <p:cTn id="1" dur="indefinite" restart="never" nodeType="tmRoot"/>
+      </p:par>
+    </p:tnLst>
+  </p:timing>
+</p:sld>
+</file>
+
+<file path=ppt/slides/slide21.xml><?xml version="1.0" encoding="utf-8"?>
+<p:sld xmlns:a="http://schemas.openxmlformats.org/drawingml/2006/main" xmlns:r="http://schemas.openxmlformats.org/officeDocument/2006/relationships" xmlns:p="http://schemas.openxmlformats.org/presentationml/2006/main">
+  <p:cSld>
+    <p:spTree>
+      <p:nvGrpSpPr>
+        <p:cNvPr id="1" name=""/>
+        <p:cNvGrpSpPr/>
+        <p:nvPr/>
+      </p:nvGrpSpPr>
+      <p:grpSpPr>
+        <a:xfrm>
+          <a:off x="0" y="0"/>
+          <a:ext cx="0" cy="0"/>
+          <a:chOff x="0" y="0"/>
+          <a:chExt cx="0" cy="0"/>
+        </a:xfrm>
+      </p:grpSpPr>
+      <p:sp>
+        <p:nvSpPr>
           <p:cNvPr id="3" name="内容占位符 2"/>
           <p:cNvSpPr>
             <a:spLocks noGrp="1"/>
@@ -8631,7 +9574,7 @@
           <a:p>
             <a:r>
               <a:rPr lang="zh-CN" dirty="0" smtClean="0"/>
-              <a:t>汇总</a:t>
+              <a:t>小结</a:t>
             </a:r>
             <a:endParaRPr lang="zh-CN" dirty="0" smtClean="0"/>
           </a:p>
@@ -8916,7 +9859,7 @@
 </p:sld>
 </file>
 
-<file path=ppt/slides/slide21.xml><?xml version="1.0" encoding="utf-8"?>
+<file path=ppt/slides/slide22.xml><?xml version="1.0" encoding="utf-8"?>
 <p:sld xmlns:a="http://schemas.openxmlformats.org/drawingml/2006/main" xmlns:r="http://schemas.openxmlformats.org/officeDocument/2006/relationships" xmlns:p="http://schemas.openxmlformats.org/presentationml/2006/main">
   <p:cSld>
     <p:spTree>
@@ -9509,7 +10452,7 @@
           <a:p>
             <a:r>
               <a:rPr lang="zh-CN" altLang="en-US" dirty="0"/>
-              <a:t>课程考核及课程资料</a:t>
+              <a:t>课程价值</a:t>
             </a:r>
             <a:endParaRPr lang="zh-CN" altLang="en-US" dirty="0"/>
           </a:p>
@@ -9541,39 +10484,7 @@
                   <a:schemeClr val="tx1"/>
                 </a:solidFill>
               </a:rPr>
-              <a:t>平时表现（考勤、学习状态、</a:t>
-            </a:r>
-            <a:r>
-              <a:rPr lang="zh-CN" altLang="en-US" sz="3200">
-                <a:solidFill>
-                  <a:srgbClr val="FF0000"/>
-                </a:solidFill>
-              </a:rPr>
-              <a:t>个人</a:t>
-            </a:r>
-            <a:r>
-              <a:rPr lang="en-US" altLang="zh-CN" sz="3200">
-                <a:solidFill>
-                  <a:srgbClr val="FF0000"/>
-                </a:solidFill>
-              </a:rPr>
-              <a:t>Git</a:t>
-            </a:r>
-            <a:r>
-              <a:rPr lang="zh-CN" altLang="en-US" sz="3200">
-                <a:solidFill>
-                  <a:srgbClr val="FF0000"/>
-                </a:solidFill>
-              </a:rPr>
-              <a:t>学习仓库</a:t>
-            </a:r>
-            <a:r>
-              <a:rPr lang="zh-CN" altLang="en-US" sz="3200">
-                <a:solidFill>
-                  <a:schemeClr val="tx1"/>
-                </a:solidFill>
-              </a:rPr>
-              <a:t>）</a:t>
+              <a:t>通过实践开发理解软件工程化思想</a:t>
             </a:r>
             <a:endParaRPr lang="zh-CN" altLang="en-US" sz="3200">
               <a:solidFill>
@@ -9588,16 +10499,30 @@
                   <a:schemeClr val="tx1"/>
                 </a:solidFill>
               </a:rPr>
-              <a:t>平时作业（雪梨任务、</a:t>
-            </a:r>
+              <a:t>掌握游戏开发中的基本概念</a:t>
+            </a:r>
+            <a:endParaRPr lang="zh-CN" altLang="en-US" sz="3200">
+              <a:solidFill>
+                <a:schemeClr val="tx1"/>
+              </a:solidFill>
+            </a:endParaRPr>
+          </a:p>
+          <a:p>
             <a:r>
               <a:rPr lang="zh-CN" altLang="en-US" sz="3200">
                 <a:solidFill>
                   <a:schemeClr val="tx1"/>
                 </a:solidFill>
-                <a:sym typeface="+mn-ea"/>
-              </a:rPr>
-              <a:t>视频学习</a:t>
+              </a:rPr>
+              <a:t>掌握</a:t>
+            </a:r>
+            <a:r>
+              <a:rPr lang="en-US" altLang="zh-CN" sz="3200">
+                <a:solidFill>
+                  <a:schemeClr val="tx1"/>
+                </a:solidFill>
+              </a:rPr>
+              <a:t>H5</a:t>
             </a:r>
             <a:r>
               <a:rPr lang="zh-CN" altLang="en-US" sz="3200">
@@ -9605,7 +10530,169 @@
                   <a:schemeClr val="tx1"/>
                 </a:solidFill>
               </a:rPr>
+              <a:t>小游戏的基本开发能力</a:t>
+            </a:r>
+            <a:endParaRPr lang="zh-CN" altLang="en-US" sz="3200">
+              <a:solidFill>
+                <a:schemeClr val="tx1"/>
+              </a:solidFill>
+            </a:endParaRPr>
+          </a:p>
+          <a:p>
+            <a:r>
+              <a:rPr lang="zh-CN" altLang="en-US" sz="3200">
+                <a:solidFill>
+                  <a:schemeClr val="tx1"/>
+                </a:solidFill>
+              </a:rPr>
+              <a:t>掌握微信小游</a:t>
+            </a:r>
+            <a:r>
+              <a:rPr lang="zh-CN" altLang="en-US" sz="3200">
+                <a:solidFill>
+                  <a:schemeClr val="tx1"/>
+                </a:solidFill>
+                <a:sym typeface="+mn-ea"/>
+              </a:rPr>
+              <a:t>的基本开发能力</a:t>
+            </a:r>
+            <a:endParaRPr lang="zh-CN" altLang="en-US" sz="3200">
+              <a:solidFill>
+                <a:schemeClr val="tx1"/>
+              </a:solidFill>
+            </a:endParaRPr>
+          </a:p>
+        </p:txBody>
+      </p:sp>
+    </p:spTree>
+  </p:cSld>
+  <p:clrMapOvr>
+    <a:masterClrMapping/>
+  </p:clrMapOvr>
+  <p:timing>
+    <p:tnLst>
+      <p:par>
+        <p:cTn id="1" dur="indefinite" restart="never" nodeType="tmRoot"/>
+      </p:par>
+    </p:tnLst>
+  </p:timing>
+</p:sld>
+</file>
+
+<file path=ppt/slides/slide5.xml><?xml version="1.0" encoding="utf-8"?>
+<p:sld xmlns:a="http://schemas.openxmlformats.org/drawingml/2006/main" xmlns:r="http://schemas.openxmlformats.org/officeDocument/2006/relationships" xmlns:p="http://schemas.openxmlformats.org/presentationml/2006/main">
+  <p:cSld>
+    <p:spTree>
+      <p:nvGrpSpPr>
+        <p:cNvPr id="1" name=""/>
+        <p:cNvGrpSpPr/>
+        <p:nvPr/>
+      </p:nvGrpSpPr>
+      <p:grpSpPr>
+        <a:xfrm>
+          <a:off x="0" y="0"/>
+          <a:ext cx="0" cy="0"/>
+          <a:chOff x="0" y="0"/>
+          <a:chExt cx="0" cy="0"/>
+        </a:xfrm>
+      </p:grpSpPr>
+      <p:sp>
+        <p:nvSpPr>
+          <p:cNvPr id="4" name="内容占位符 3"/>
+          <p:cNvSpPr>
+            <a:spLocks noGrp="1"/>
+          </p:cNvSpPr>
+          <p:nvPr>
+            <p:ph sz="quarter" idx="11"/>
+          </p:nvPr>
+        </p:nvSpPr>
+        <p:spPr/>
+        <p:txBody>
+          <a:bodyPr/>
+          <a:lstStyle/>
+          <a:p>
+            <a:r>
+              <a:rPr lang="zh-CN" altLang="en-US" dirty="0"/>
+              <a:t>课程考核及课程资料</a:t>
+            </a:r>
+            <a:endParaRPr lang="zh-CN" altLang="en-US" dirty="0"/>
+          </a:p>
+          <a:p>
+            <a:endParaRPr lang="zh-CN" altLang="en-US" dirty="0"/>
+          </a:p>
+        </p:txBody>
+      </p:sp>
+      <p:sp>
+        <p:nvSpPr>
+          <p:cNvPr id="5" name="内容占位符 4"/>
+          <p:cNvSpPr/>
+          <p:nvPr>
+            <p:ph sz="quarter" idx="10"/>
+          </p:nvPr>
+        </p:nvSpPr>
+        <p:spPr>
+          <a:xfrm>
+            <a:off x="1143000" y="783590"/>
+            <a:ext cx="9715500" cy="5097780"/>
+          </a:xfrm>
+        </p:spPr>
+        <p:txBody>
+          <a:bodyPr/>
+          <a:p>
+            <a:r>
+              <a:rPr lang="zh-CN" altLang="en-US" sz="3200">
+                <a:solidFill>
+                  <a:schemeClr val="tx1"/>
+                </a:solidFill>
+              </a:rPr>
+              <a:t>平时表现（考勤、学习状态、</a:t>
+            </a:r>
+            <a:r>
+              <a:rPr lang="zh-CN" altLang="en-US" sz="3200">
+                <a:solidFill>
+                  <a:srgbClr val="FF0000"/>
+                </a:solidFill>
+              </a:rPr>
+              <a:t>个人</a:t>
+            </a:r>
+            <a:r>
+              <a:rPr lang="en-US" altLang="zh-CN" sz="3200">
+                <a:solidFill>
+                  <a:srgbClr val="FF0000"/>
+                </a:solidFill>
+              </a:rPr>
+              <a:t>Git</a:t>
+            </a:r>
+            <a:r>
+              <a:rPr lang="zh-CN" altLang="en-US" sz="3200">
+                <a:solidFill>
+                  <a:srgbClr val="FF0000"/>
+                </a:solidFill>
+              </a:rPr>
+              <a:t>学习仓库</a:t>
+            </a:r>
+            <a:r>
+              <a:rPr lang="zh-CN" altLang="en-US" sz="3200">
+                <a:solidFill>
+                  <a:schemeClr val="tx1"/>
+                </a:solidFill>
+              </a:rPr>
               <a:t>）</a:t>
+            </a:r>
+            <a:endParaRPr lang="zh-CN" altLang="en-US" sz="3200">
+              <a:solidFill>
+                <a:schemeClr val="tx1"/>
+              </a:solidFill>
+            </a:endParaRPr>
+          </a:p>
+          <a:p>
+            <a:r>
+              <a:rPr lang="zh-CN" altLang="en-US" sz="3200">
+                <a:solidFill>
+                  <a:schemeClr val="tx1"/>
+                </a:solidFill>
+              </a:rPr>
+              <a:t>平时作业（在线任务、课程实践）</a:t>
             </a:r>
             <a:endParaRPr lang="zh-CN" altLang="en-US" sz="3200">
               <a:solidFill>
@@ -9707,7 +10794,7 @@
 </p:sld>
 </file>
 
-<file path=ppt/slides/slide5.xml><?xml version="1.0" encoding="utf-8"?>
+<file path=ppt/slides/slide6.xml><?xml version="1.0" encoding="utf-8"?>
 <p:sld xmlns:a="http://schemas.openxmlformats.org/drawingml/2006/main" xmlns:r="http://schemas.openxmlformats.org/officeDocument/2006/relationships" xmlns:p="http://schemas.openxmlformats.org/presentationml/2006/main">
   <p:cSld>
     <p:spTree>
@@ -9963,7 +11050,7 @@
 </p:sld>
 </file>
 
-<file path=ppt/slides/slide6.xml><?xml version="1.0" encoding="utf-8"?>
+<file path=ppt/slides/slide7.xml><?xml version="1.0" encoding="utf-8"?>
 <p:sld xmlns:a="http://schemas.openxmlformats.org/drawingml/2006/main" xmlns:r="http://schemas.openxmlformats.org/officeDocument/2006/relationships" xmlns:p="http://schemas.openxmlformats.org/presentationml/2006/main">
   <p:cSld>
     <p:spTree>
@@ -10466,7 +11553,7 @@
 </p:sld>
 </file>
 
-<file path=ppt/slides/slide7.xml><?xml version="1.0" encoding="utf-8"?>
+<file path=ppt/slides/slide8.xml><?xml version="1.0" encoding="utf-8"?>
 <p:sld xmlns:a="http://schemas.openxmlformats.org/drawingml/2006/main" xmlns:r="http://schemas.openxmlformats.org/officeDocument/2006/relationships" xmlns:p="http://schemas.openxmlformats.org/presentationml/2006/main">
   <p:cSld>
     <p:spTree>
@@ -11465,7 +12552,7 @@
 </p:sld>
 </file>
 
-<file path=ppt/slides/slide8.xml><?xml version="1.0" encoding="utf-8"?>
+<file path=ppt/slides/slide9.xml><?xml version="1.0" encoding="utf-8"?>
 <p:sld xmlns:a="http://schemas.openxmlformats.org/drawingml/2006/main" xmlns:r="http://schemas.openxmlformats.org/officeDocument/2006/relationships" xmlns:p="http://schemas.openxmlformats.org/presentationml/2006/main">
   <p:cSld>
     <p:spTree>
@@ -11962,737 +13049,6 @@
     <p:tnLst>
       <p:par>
         <p:cTn id="1" dur="indefinite" restart="never" nodeType="tmRoot"/>
-      </p:par>
-    </p:tnLst>
-  </p:timing>
-</p:sld>
-</file>
-
-<file path=ppt/slides/slide9.xml><?xml version="1.0" encoding="utf-8"?>
-<p:sld xmlns:a="http://schemas.openxmlformats.org/drawingml/2006/main" xmlns:r="http://schemas.openxmlformats.org/officeDocument/2006/relationships" xmlns:p="http://schemas.openxmlformats.org/presentationml/2006/main">
-  <p:cSld>
-    <p:spTree>
-      <p:nvGrpSpPr>
-        <p:cNvPr id="1" name=""/>
-        <p:cNvGrpSpPr/>
-        <p:nvPr/>
-      </p:nvGrpSpPr>
-      <p:grpSpPr>
-        <a:xfrm>
-          <a:off x="0" y="0"/>
-          <a:ext cx="0" cy="0"/>
-          <a:chOff x="0" y="0"/>
-          <a:chExt cx="0" cy="0"/>
-        </a:xfrm>
-      </p:grpSpPr>
-      <p:sp>
-        <p:nvSpPr>
-          <p:cNvPr id="5122" name="内容占位符 2"/>
-          <p:cNvSpPr>
-            <a:spLocks noGrp="1"/>
-          </p:cNvSpPr>
-          <p:nvPr>
-            <p:ph idx="1"/>
-          </p:nvPr>
-        </p:nvSpPr>
-        <p:spPr>
-          <a:xfrm>
-            <a:off x="968375" y="829945"/>
-            <a:ext cx="9882505" cy="5141595"/>
-          </a:xfrm>
-        </p:spPr>
-        <p:txBody>
-          <a:bodyPr/>
-          <a:lstStyle/>
-          <a:p>
-            <a:pPr>
-              <a:lnSpc>
-                <a:spcPct val="150000"/>
-              </a:lnSpc>
-              <a:spcBef>
-                <a:spcPts val="1000"/>
-              </a:spcBef>
-            </a:pPr>
-            <a:r>
-              <a:rPr lang="zh-CN" altLang="en-US" sz="2800" noProof="1">
-                <a:solidFill>
-                  <a:schemeClr val="tx1"/>
-                </a:solidFill>
-                <a:sym typeface="+mn-ea"/>
-              </a:rPr>
-              <a:t>SVG 是基于可扩展标记语言</a:t>
-            </a:r>
-            <a:r>
-              <a:rPr lang="en-US" altLang="zh-CN" sz="2800" noProof="1">
-                <a:solidFill>
-                  <a:srgbClr val="FF0000"/>
-                </a:solidFill>
-                <a:sym typeface="+mn-ea"/>
-              </a:rPr>
-              <a:t>XML</a:t>
-            </a:r>
-            <a:r>
-              <a:rPr lang="zh-CN" altLang="en-US" sz="2800" noProof="1">
-                <a:solidFill>
-                  <a:schemeClr val="tx1"/>
-                </a:solidFill>
-                <a:sym typeface="+mn-ea"/>
-              </a:rPr>
-              <a:t>，用于描述二维</a:t>
-            </a:r>
-            <a:r>
-              <a:rPr lang="zh-CN" altLang="en-US" sz="2800" noProof="1">
-                <a:solidFill>
-                  <a:srgbClr val="FF0000"/>
-                </a:solidFill>
-                <a:sym typeface="+mn-ea"/>
-              </a:rPr>
-              <a:t>矢量图形</a:t>
-            </a:r>
-            <a:r>
-              <a:rPr lang="zh-CN" altLang="en-US" sz="2800" noProof="1">
-                <a:solidFill>
-                  <a:schemeClr val="tx1"/>
-                </a:solidFill>
-                <a:sym typeface="+mn-ea"/>
-              </a:rPr>
-              <a:t>的一种图形格式（</a:t>
-            </a:r>
-            <a:r>
-              <a:rPr lang="zh-CN" sz="2800">
-                <a:solidFill>
-                  <a:schemeClr val="tx1"/>
-                </a:solidFill>
-                <a:sym typeface="+mn-ea"/>
-              </a:rPr>
-              <a:t>2003 年 1 月 14 日成为 W3C 推荐标准</a:t>
-            </a:r>
-            <a:r>
-              <a:rPr lang="zh-CN" altLang="en-US" sz="2800" noProof="1">
-                <a:solidFill>
-                  <a:schemeClr val="tx1"/>
-                </a:solidFill>
-                <a:sym typeface="+mn-ea"/>
-              </a:rPr>
-              <a:t>）</a:t>
-            </a:r>
-            <a:endParaRPr lang="zh-CN" altLang="en-US" sz="2800" noProof="1">
-              <a:solidFill>
-                <a:schemeClr val="tx1"/>
-              </a:solidFill>
-              <a:sym typeface="+mn-ea"/>
-            </a:endParaRPr>
-          </a:p>
-          <a:p>
-            <a:pPr>
-              <a:lnSpc>
-                <a:spcPct val="150000"/>
-              </a:lnSpc>
-              <a:spcBef>
-                <a:spcPts val="1000"/>
-              </a:spcBef>
-            </a:pPr>
-            <a:r>
-              <a:rPr sz="2800" noProof="1">
-                <a:solidFill>
-                  <a:schemeClr val="tx1"/>
-                </a:solidFill>
-                <a:latin typeface="微软雅黑" panose="020B0503020204020204" pitchFamily="34" charset="-122"/>
-                <a:ea typeface="微软雅黑" panose="020B0503020204020204" pitchFamily="34" charset="-122"/>
-              </a:rPr>
-              <a:t>SVG 基于 XML，这意味着 SVG DOM 中的每个元素都是可用的</a:t>
-            </a:r>
-            <a:r>
-              <a:rPr lang="zh-CN" sz="2800" noProof="1">
-                <a:solidFill>
-                  <a:schemeClr val="tx1"/>
-                </a:solidFill>
-                <a:latin typeface="微软雅黑" panose="020B0503020204020204" pitchFamily="34" charset="-122"/>
-                <a:ea typeface="微软雅黑" panose="020B0503020204020204" pitchFamily="34" charset="-122"/>
-              </a:rPr>
-              <a:t> ，</a:t>
-            </a:r>
-            <a:r>
-              <a:rPr sz="2800">
-                <a:solidFill>
-                  <a:schemeClr val="tx1"/>
-                </a:solidFill>
-                <a:sym typeface="+mn-ea"/>
-              </a:rPr>
-              <a:t>可以为</a:t>
-            </a:r>
-            <a:r>
-              <a:rPr lang="zh-CN" sz="2800">
-                <a:solidFill>
-                  <a:schemeClr val="tx1"/>
-                </a:solidFill>
-                <a:sym typeface="+mn-ea"/>
-              </a:rPr>
-              <a:t>每</a:t>
-            </a:r>
-            <a:r>
-              <a:rPr sz="2800">
-                <a:solidFill>
-                  <a:schemeClr val="tx1"/>
-                </a:solidFill>
-                <a:sym typeface="+mn-ea"/>
-              </a:rPr>
-              <a:t>个元素附加 JavaScript 事件处理器</a:t>
-            </a:r>
-            <a:endParaRPr sz="2800">
-              <a:solidFill>
-                <a:schemeClr val="tx1"/>
-              </a:solidFill>
-              <a:sym typeface="+mn-ea"/>
-            </a:endParaRPr>
-          </a:p>
-          <a:p>
-            <a:pPr>
-              <a:lnSpc>
-                <a:spcPct val="150000"/>
-              </a:lnSpc>
-              <a:spcBef>
-                <a:spcPts val="1000"/>
-              </a:spcBef>
-            </a:pPr>
-            <a:r>
-              <a:rPr sz="2800">
-                <a:solidFill>
-                  <a:schemeClr val="tx1"/>
-                </a:solidFill>
-                <a:sym typeface="+mn-ea"/>
-              </a:rPr>
-              <a:t>在 SVG 中，每个被绘制的图形均被视为</a:t>
-            </a:r>
-            <a:r>
-              <a:rPr lang="zh-CN" sz="2800">
-                <a:solidFill>
-                  <a:schemeClr val="tx1"/>
-                </a:solidFill>
-                <a:sym typeface="+mn-ea"/>
-              </a:rPr>
-              <a:t>一个</a:t>
-            </a:r>
-            <a:r>
-              <a:rPr sz="2800">
-                <a:solidFill>
-                  <a:schemeClr val="tx1"/>
-                </a:solidFill>
-                <a:sym typeface="+mn-ea"/>
-              </a:rPr>
-              <a:t>对象</a:t>
-            </a:r>
-            <a:r>
-              <a:rPr lang="zh-CN" sz="2800">
-                <a:solidFill>
-                  <a:schemeClr val="tx1"/>
-                </a:solidFill>
-                <a:sym typeface="+mn-ea"/>
-              </a:rPr>
-              <a:t>（</a:t>
-            </a:r>
-            <a:r>
-              <a:rPr lang="en-US" altLang="zh-CN" sz="2800">
-                <a:solidFill>
-                  <a:schemeClr val="tx1"/>
-                </a:solidFill>
-                <a:sym typeface="+mn-ea"/>
-              </a:rPr>
-              <a:t>SVG</a:t>
-            </a:r>
-            <a:r>
-              <a:rPr lang="zh-CN" sz="2800">
-                <a:solidFill>
-                  <a:schemeClr val="accent3"/>
-                </a:solidFill>
-                <a:sym typeface="+mn-ea"/>
-              </a:rPr>
-              <a:t>保留模式</a:t>
-            </a:r>
-            <a:r>
-              <a:rPr lang="zh-CN" sz="2800">
-                <a:solidFill>
-                  <a:schemeClr val="tx1"/>
-                </a:solidFill>
-                <a:sym typeface="+mn-ea"/>
-              </a:rPr>
-              <a:t>区别于</a:t>
-            </a:r>
-            <a:r>
-              <a:rPr lang="en-US" altLang="zh-CN" sz="2800">
-                <a:solidFill>
-                  <a:schemeClr val="tx1"/>
-                </a:solidFill>
-                <a:sym typeface="+mn-ea"/>
-              </a:rPr>
-              <a:t>Canvas</a:t>
-            </a:r>
-            <a:r>
-              <a:rPr lang="zh-CN" altLang="en-US" sz="2800">
-                <a:solidFill>
-                  <a:schemeClr val="tx1"/>
-                </a:solidFill>
-                <a:sym typeface="+mn-ea"/>
-              </a:rPr>
-              <a:t>的</a:t>
-            </a:r>
-            <a:r>
-              <a:rPr lang="zh-CN" altLang="en-US" sz="2800">
-                <a:solidFill>
-                  <a:schemeClr val="accent3"/>
-                </a:solidFill>
-                <a:sym typeface="+mn-ea"/>
-              </a:rPr>
-              <a:t>即时模式</a:t>
-            </a:r>
-            <a:r>
-              <a:rPr lang="zh-CN" altLang="en-US" sz="2800">
-                <a:solidFill>
-                  <a:schemeClr val="tx1"/>
-                </a:solidFill>
-                <a:sym typeface="+mn-ea"/>
-              </a:rPr>
-              <a:t>），</a:t>
-            </a:r>
-            <a:r>
-              <a:rPr sz="2800">
-                <a:solidFill>
-                  <a:schemeClr val="tx1"/>
-                </a:solidFill>
-                <a:sym typeface="+mn-ea"/>
-              </a:rPr>
-              <a:t>如果 SVG 对象的属性发生变化，那么浏览器能够自动重现图形</a:t>
-            </a:r>
-            <a:endParaRPr sz="2800">
-              <a:solidFill>
-                <a:schemeClr val="tx1"/>
-              </a:solidFill>
-              <a:sym typeface="+mn-ea"/>
-            </a:endParaRPr>
-          </a:p>
-          <a:p>
-            <a:pPr marL="0" indent="0">
-              <a:buFont typeface="Wingdings 2" panose="05020102010507070707" pitchFamily="18" charset="2"/>
-              <a:buNone/>
-            </a:pPr>
-            <a:endParaRPr lang="en-US" altLang="zh-CN" noProof="1">
-              <a:solidFill>
-                <a:schemeClr val="tx1"/>
-              </a:solidFill>
-              <a:latin typeface="微软雅黑" panose="020B0503020204020204" pitchFamily="34" charset="-122"/>
-              <a:ea typeface="微软雅黑" panose="020B0503020204020204" pitchFamily="34" charset="-122"/>
-            </a:endParaRPr>
-          </a:p>
-        </p:txBody>
-      </p:sp>
-      <p:sp>
-        <p:nvSpPr>
-          <p:cNvPr id="2" name="内容占位符 1"/>
-          <p:cNvSpPr>
-            <a:spLocks noGrp="1"/>
-          </p:cNvSpPr>
-          <p:nvPr>
-            <p:ph sz="quarter" idx="11"/>
-          </p:nvPr>
-        </p:nvSpPr>
-        <p:spPr>
-          <a:xfrm>
-            <a:off x="947420" y="236855"/>
-            <a:ext cx="8415655" cy="490220"/>
-          </a:xfrm>
-        </p:spPr>
-        <p:txBody>
-          <a:bodyPr/>
-          <a:p>
-            <a:pPr algn="l">
-              <a:buNone/>
-            </a:pPr>
-            <a:r>
-              <a:rPr kumimoji="0" lang="en-US" altLang="zh-CN" sz="3200" dirty="0">
-                <a:solidFill>
-                  <a:srgbClr val="C00000"/>
-                </a:solidFill>
-                <a:cs typeface="+mn-cs"/>
-              </a:rPr>
-              <a:t>SVG </a:t>
-            </a:r>
-            <a:r>
-              <a:rPr kumimoji="0" lang="zh-CN" altLang="en-US" sz="3200" dirty="0">
-                <a:solidFill>
-                  <a:srgbClr val="C00000"/>
-                </a:solidFill>
-                <a:cs typeface="+mn-cs"/>
-              </a:rPr>
-              <a:t>（</a:t>
-            </a:r>
-            <a:r>
-              <a:rPr kumimoji="0" lang="en-US" altLang="zh-CN" sz="3200" dirty="0">
-                <a:solidFill>
-                  <a:srgbClr val="C00000"/>
-                </a:solidFill>
-                <a:cs typeface="+mn-cs"/>
-              </a:rPr>
-              <a:t>Scalable Vector Graphics</a:t>
-            </a:r>
-            <a:r>
-              <a:rPr kumimoji="0" lang="zh-CN" altLang="en-US" sz="3200" dirty="0">
-                <a:solidFill>
-                  <a:srgbClr val="C00000"/>
-                </a:solidFill>
-                <a:cs typeface="+mn-cs"/>
-              </a:rPr>
-              <a:t>）概述</a:t>
-            </a:r>
-            <a:endParaRPr kumimoji="0" lang="zh-CN" altLang="en-US" sz="3200" dirty="0">
-              <a:solidFill>
-                <a:srgbClr val="C00000"/>
-              </a:solidFill>
-              <a:cs typeface="+mn-cs"/>
-            </a:endParaRPr>
-          </a:p>
-        </p:txBody>
-      </p:sp>
-    </p:spTree>
-  </p:cSld>
-  <p:clrMapOvr>
-    <a:masterClrMapping/>
-  </p:clrMapOvr>
-  <p:timing>
-    <p:tnLst>
-      <p:par>
-        <p:cTn id="1" dur="indefinite" restart="never" nodeType="tmRoot">
-          <p:childTnLst>
-            <p:seq concurrent="1" nextAc="seek">
-              <p:cTn id="2" dur="indefinite" nodeType="mainSeq">
-                <p:childTnLst>
-                  <p:par>
-                    <p:cTn id="3" fill="hold">
-                      <p:stCondLst>
-                        <p:cond delay="indefinite"/>
-                      </p:stCondLst>
-                      <p:childTnLst>
-                        <p:par>
-                          <p:cTn id="4" fill="hold">
-                            <p:stCondLst>
-                              <p:cond delay="0"/>
-                            </p:stCondLst>
-                            <p:childTnLst>
-                              <p:par>
-                                <p:cTn id="5" presetID="2" presetClass="entr" presetSubtype="4" fill="hold" nodeType="clickEffect">
-                                  <p:stCondLst>
-                                    <p:cond delay="0"/>
-                                  </p:stCondLst>
-                                  <p:childTnLst>
-                                    <p:set>
-                                      <p:cBhvr>
-                                        <p:cTn id="6" dur="1" fill="hold">
-                                          <p:stCondLst>
-                                            <p:cond delay="0"/>
-                                          </p:stCondLst>
-                                        </p:cTn>
-                                        <p:tgtEl>
-                                          <p:spTgt spid="5122">
-                                            <p:txEl>
-                                              <p:pRg st="0" end="0"/>
-                                            </p:txEl>
-                                          </p:spTgt>
-                                        </p:tgtEl>
-                                        <p:attrNameLst>
-                                          <p:attrName>style.visibility</p:attrName>
-                                        </p:attrNameLst>
-                                      </p:cBhvr>
-                                      <p:to>
-                                        <p:strVal val="visible"/>
-                                      </p:to>
-                                    </p:set>
-                                    <p:anim calcmode="lin" valueType="num">
-                                      <p:cBhvr additive="base">
-                                        <p:cTn id="7" dur="500" fill="hold"/>
-                                        <p:tgtEl>
-                                          <p:spTgt spid="5122">
-                                            <p:txEl>
-                                              <p:pRg st="0" end="0"/>
-                                            </p:txEl>
-                                          </p:spTgt>
-                                        </p:tgtEl>
-                                        <p:attrNameLst>
-                                          <p:attrName>ppt_x</p:attrName>
-                                        </p:attrNameLst>
-                                      </p:cBhvr>
-                                      <p:tavLst>
-                                        <p:tav tm="0">
-                                          <p:val>
-                                            <p:strVal val="#ppt_x"/>
-                                          </p:val>
-                                        </p:tav>
-                                        <p:tav tm="100000">
-                                          <p:val>
-                                            <p:strVal val="#ppt_x"/>
-                                          </p:val>
-                                        </p:tav>
-                                      </p:tavLst>
-                                    </p:anim>
-                                    <p:anim calcmode="lin" valueType="num">
-                                      <p:cBhvr additive="base">
-                                        <p:cTn id="8" dur="500" fill="hold"/>
-                                        <p:tgtEl>
-                                          <p:spTgt spid="5122">
-                                            <p:txEl>
-                                              <p:pRg st="0" end="0"/>
-                                            </p:txEl>
-                                          </p:spTgt>
-                                        </p:tgtEl>
-                                        <p:attrNameLst>
-                                          <p:attrName>ppt_y</p:attrName>
-                                        </p:attrNameLst>
-                                      </p:cBhvr>
-                                      <p:tavLst>
-                                        <p:tav tm="0">
-                                          <p:val>
-                                            <p:strVal val="1+#ppt_h/2"/>
-                                          </p:val>
-                                        </p:tav>
-                                        <p:tav tm="100000">
-                                          <p:val>
-                                            <p:strVal val="#ppt_y"/>
-                                          </p:val>
-                                        </p:tav>
-                                      </p:tavLst>
-                                    </p:anim>
-                                  </p:childTnLst>
-                                </p:cTn>
-                              </p:par>
-                            </p:childTnLst>
-                          </p:cTn>
-                        </p:par>
-                      </p:childTnLst>
-                    </p:cTn>
-                  </p:par>
-                  <p:par>
-                    <p:cTn id="9" fill="hold">
-                      <p:stCondLst>
-                        <p:cond delay="indefinite"/>
-                      </p:stCondLst>
-                      <p:childTnLst>
-                        <p:par>
-                          <p:cTn id="10" fill="hold">
-                            <p:stCondLst>
-                              <p:cond delay="0"/>
-                            </p:stCondLst>
-                            <p:childTnLst>
-                              <p:par>
-                                <p:cTn id="11" presetID="2" presetClass="entr" presetSubtype="4" fill="hold" nodeType="clickEffect">
-                                  <p:stCondLst>
-                                    <p:cond delay="0"/>
-                                  </p:stCondLst>
-                                  <p:childTnLst>
-                                    <p:set>
-                                      <p:cBhvr>
-                                        <p:cTn id="12" dur="1" fill="hold">
-                                          <p:stCondLst>
-                                            <p:cond delay="0"/>
-                                          </p:stCondLst>
-                                        </p:cTn>
-                                        <p:tgtEl>
-                                          <p:spTgt spid="5122">
-                                            <p:txEl>
-                                              <p:pRg st="1" end="1"/>
-                                            </p:txEl>
-                                          </p:spTgt>
-                                        </p:tgtEl>
-                                        <p:attrNameLst>
-                                          <p:attrName>style.visibility</p:attrName>
-                                        </p:attrNameLst>
-                                      </p:cBhvr>
-                                      <p:to>
-                                        <p:strVal val="visible"/>
-                                      </p:to>
-                                    </p:set>
-                                    <p:anim calcmode="lin" valueType="num">
-                                      <p:cBhvr additive="base">
-                                        <p:cTn id="13" dur="500" fill="hold"/>
-                                        <p:tgtEl>
-                                          <p:spTgt spid="5122">
-                                            <p:txEl>
-                                              <p:pRg st="1" end="1"/>
-                                            </p:txEl>
-                                          </p:spTgt>
-                                        </p:tgtEl>
-                                        <p:attrNameLst>
-                                          <p:attrName>ppt_x</p:attrName>
-                                        </p:attrNameLst>
-                                      </p:cBhvr>
-                                      <p:tavLst>
-                                        <p:tav tm="0">
-                                          <p:val>
-                                            <p:strVal val="#ppt_x"/>
-                                          </p:val>
-                                        </p:tav>
-                                        <p:tav tm="100000">
-                                          <p:val>
-                                            <p:strVal val="#ppt_x"/>
-                                          </p:val>
-                                        </p:tav>
-                                      </p:tavLst>
-                                    </p:anim>
-                                    <p:anim calcmode="lin" valueType="num">
-                                      <p:cBhvr additive="base">
-                                        <p:cTn id="14" dur="500" fill="hold"/>
-                                        <p:tgtEl>
-                                          <p:spTgt spid="5122">
-                                            <p:txEl>
-                                              <p:pRg st="1" end="1"/>
-                                            </p:txEl>
-                                          </p:spTgt>
-                                        </p:tgtEl>
-                                        <p:attrNameLst>
-                                          <p:attrName>ppt_y</p:attrName>
-                                        </p:attrNameLst>
-                                      </p:cBhvr>
-                                      <p:tavLst>
-                                        <p:tav tm="0">
-                                          <p:val>
-                                            <p:strVal val="1+#ppt_h/2"/>
-                                          </p:val>
-                                        </p:tav>
-                                        <p:tav tm="100000">
-                                          <p:val>
-                                            <p:strVal val="#ppt_y"/>
-                                          </p:val>
-                                        </p:tav>
-                                      </p:tavLst>
-                                    </p:anim>
-                                  </p:childTnLst>
-                                </p:cTn>
-                              </p:par>
-                            </p:childTnLst>
-                          </p:cTn>
-                        </p:par>
-                      </p:childTnLst>
-                    </p:cTn>
-                  </p:par>
-                  <p:par>
-                    <p:cTn id="15" fill="hold">
-                      <p:stCondLst>
-                        <p:cond delay="indefinite"/>
-                      </p:stCondLst>
-                      <p:childTnLst>
-                        <p:par>
-                          <p:cTn id="16" fill="hold">
-                            <p:stCondLst>
-                              <p:cond delay="0"/>
-                            </p:stCondLst>
-                            <p:childTnLst>
-                              <p:par>
-                                <p:cTn id="17" presetID="2" presetClass="entr" presetSubtype="4" fill="hold" nodeType="clickEffect">
-                                  <p:stCondLst>
-                                    <p:cond delay="0"/>
-                                  </p:stCondLst>
-                                  <p:childTnLst>
-                                    <p:set>
-                                      <p:cBhvr>
-                                        <p:cTn id="18" dur="1" fill="hold">
-                                          <p:stCondLst>
-                                            <p:cond delay="0"/>
-                                          </p:stCondLst>
-                                        </p:cTn>
-                                        <p:tgtEl>
-                                          <p:spTgt spid="5122">
-                                            <p:txEl>
-                                              <p:pRg st="2" end="2"/>
-                                            </p:txEl>
-                                          </p:spTgt>
-                                        </p:tgtEl>
-                                        <p:attrNameLst>
-                                          <p:attrName>style.visibility</p:attrName>
-                                        </p:attrNameLst>
-                                      </p:cBhvr>
-                                      <p:to>
-                                        <p:strVal val="visible"/>
-                                      </p:to>
-                                    </p:set>
-                                    <p:anim calcmode="lin" valueType="num">
-                                      <p:cBhvr additive="base">
-                                        <p:cTn id="19" dur="500" fill="hold"/>
-                                        <p:tgtEl>
-                                          <p:spTgt spid="5122">
-                                            <p:txEl>
-                                              <p:pRg st="2" end="2"/>
-                                            </p:txEl>
-                                          </p:spTgt>
-                                        </p:tgtEl>
-                                        <p:attrNameLst>
-                                          <p:attrName>ppt_x</p:attrName>
-                                        </p:attrNameLst>
-                                      </p:cBhvr>
-                                      <p:tavLst>
-                                        <p:tav tm="0">
-                                          <p:val>
-                                            <p:strVal val="#ppt_x"/>
-                                          </p:val>
-                                        </p:tav>
-                                        <p:tav tm="100000">
-                                          <p:val>
-                                            <p:strVal val="#ppt_x"/>
-                                          </p:val>
-                                        </p:tav>
-                                      </p:tavLst>
-                                    </p:anim>
-                                    <p:anim calcmode="lin" valueType="num">
-                                      <p:cBhvr additive="base">
-                                        <p:cTn id="20" dur="500" fill="hold"/>
-                                        <p:tgtEl>
-                                          <p:spTgt spid="5122">
-                                            <p:txEl>
-                                              <p:pRg st="2" end="2"/>
-                                            </p:txEl>
-                                          </p:spTgt>
-                                        </p:tgtEl>
-                                        <p:attrNameLst>
-                                          <p:attrName>ppt_y</p:attrName>
-                                        </p:attrNameLst>
-                                      </p:cBhvr>
-                                      <p:tavLst>
-                                        <p:tav tm="0">
-                                          <p:val>
-                                            <p:strVal val="1+#ppt_h/2"/>
-                                          </p:val>
-                                        </p:tav>
-                                        <p:tav tm="100000">
-                                          <p:val>
-                                            <p:strVal val="#ppt_y"/>
-                                          </p:val>
-                                        </p:tav>
-                                      </p:tavLst>
-                                    </p:anim>
-                                  </p:childTnLst>
-                                </p:cTn>
-                              </p:par>
-                            </p:childTnLst>
-                          </p:cTn>
-                        </p:par>
-                      </p:childTnLst>
-                    </p:cTn>
-                  </p:par>
-                </p:childTnLst>
-              </p:cTn>
-              <p:prevCondLst>
-                <p:cond evt="onPrev" delay="0">
-                  <p:tgtEl>
-                    <p:sldTgt/>
-                  </p:tgtEl>
-                </p:cond>
-              </p:prevCondLst>
-              <p:nextCondLst>
-                <p:cond evt="onNext" delay="0">
-                  <p:tgtEl>
-                    <p:sldTgt/>
-                  </p:tgtEl>
-                </p:cond>
-              </p:nextCondLst>
-            </p:seq>
-          </p:childTnLst>
-        </p:cTn>
       </p:par>
     </p:tnLst>
   </p:timing>

--- a/materials/slides/ch01.pptx
+++ b/materials/slides/ch01.pptx
@@ -873,6 +873,16 @@
             <a:r>
               <a:rPr lang="zh-CN" altLang="en-US"/>
               <a:t>也就是说不会像保存模式那样，占用过高的内存资源，以上简单对比就能初步了解两种不同的模式了；</a:t>
+            </a:r>
+            <a:endParaRPr lang="zh-CN" altLang="en-US"/>
+          </a:p>
+          <a:p>
+            <a:endParaRPr lang="zh-CN" altLang="en-US"/>
+          </a:p>
+          <a:p>
+            <a:r>
+              <a:rPr lang="zh-CN" altLang="en-US"/>
+              <a:t>canvas元素采用“立即模式”来绘制图形的，这意味着它会立即将你所指定的内容绘制在canvas上。然后，它就会立刻忘记刚才绘制的内容，它表示canvas之中不会包含将要绘制的图形对象列表，比如SVG，则会维护一份所绘制图形对象的列表。这些绘图系统被叫做“保留模式”绘图系统。</a:t>
             </a:r>
             <a:endParaRPr lang="zh-CN" altLang="en-US"/>
           </a:p>
@@ -4354,7 +4364,7 @@
                 <a:latin typeface="+mn-ea"/>
                 <a:ea typeface="+mn-ea"/>
               </a:rPr>
-              <a:t>参见案例</a:t>
+              <a:t>参见案例：</a:t>
             </a:r>
             <a:r>
               <a:rPr lang="en-US" altLang="zh-CN" sz="2200">
@@ -4414,17 +4424,7 @@
                 <a:latin typeface="+mn-ea"/>
                 <a:ea typeface="+mn-ea"/>
               </a:rPr>
-              <a:t>案例</a:t>
-            </a:r>
-            <a:r>
-              <a:rPr lang="zh-CN" altLang="en-US" sz="2200">
-                <a:solidFill>
-                  <a:srgbClr val="FF0000"/>
-                </a:solidFill>
-                <a:latin typeface="+mn-ea"/>
-                <a:ea typeface="+mn-ea"/>
-              </a:rPr>
-              <a:t>）</a:t>
+              <a:t>案例）</a:t>
             </a:r>
             <a:endParaRPr lang="zh-CN" altLang="en-US" sz="2200">
               <a:solidFill>
@@ -12089,7 +12089,7 @@
                 <a:latin typeface="+mn-ea"/>
                 <a:ea typeface="+mn-ea"/>
               </a:rPr>
-              <a:t>参见案例</a:t>
+              <a:t>参见案例：</a:t>
             </a:r>
             <a:r>
               <a:rPr lang="en-US" altLang="zh-CN" sz="2200">
